--- a/static/test1.pptx
+++ b/static/test1.pptx
@@ -9,6 +9,7 @@
   </p:handoutMasterIdLst>
   <p:sldIdLst>
     <p:sldId id="256" r:id="rId7"/>
+    <p:sldId id="257" r:id="rId8"/>
   </p:sldIdLst>
   <p:sldSz cx="12192000" cy="6858000"/>
   <p:notesSz cx="6858000" cy="9144000"/>
@@ -111,6 +112,9 @@
     <p:ext uri="{EFAFB233-063F-42B5-8137-9DF3F51BA10A}">
       <p15:sldGuideLst xmlns:p15="http://schemas.microsoft.com/office/powerpoint/2012/main"/>
     </p:ext>
+    <p:ext uri="{2D200454-40CA-4A62-9FC3-DE9A4176ACB9}">
+      <p15:notesGuideLst xmlns:p15="http://schemas.microsoft.com/office/powerpoint/2012/main"/>
+    </p:ext>
   </p:extLst>
 </p:presentation>
 </file>
@@ -209,7 +213,7 @@
           <a:p>
             <a:fld id="{3AC4FCB6-2190-420D-B390-995D93DABF2A}" type="datetimeFigureOut">
               <a:rPr lang="en-IN" smtClean="0"/>
-              <a:t>17-05-2021</a:t>
+              <a:t>03-06-2021</a:t>
             </a:fld>
             <a:endParaRPr lang="en-IN"/>
           </a:p>
@@ -343,7 +347,7 @@
         </p:blipFill>
         <p:spPr>
           <a:xfrm>
-            <a:off x="0" y="0"/>
+            <a:off x="0" y="-157316"/>
             <a:ext cx="12192000" cy="6858000"/>
           </a:xfrm>
           <a:prstGeom prst="rect">
@@ -396,8 +400,8 @@
         </p:nvSpPr>
         <p:spPr>
           <a:xfrm>
-            <a:off x="0" y="1968910"/>
-            <a:ext cx="5565058" cy="3773129"/>
+            <a:off x="3215148" y="2920181"/>
+            <a:ext cx="5565058" cy="2143432"/>
           </a:xfrm>
         </p:spPr>
         <p:txBody>
@@ -453,69 +457,6 @@
               <a:rPr lang="en-US" dirty="0"/>
               <a:t>Click to edit Master subtitle style</a:t>
             </a:r>
-          </a:p>
-        </p:txBody>
-      </p:sp>
-      <p:sp>
-        <p:nvSpPr>
-          <p:cNvPr id="9" name="Text Placeholder 8">
-            <a:extLst>
-              <a:ext uri="{FF2B5EF4-FFF2-40B4-BE49-F238E27FC236}">
-                <a16:creationId xmlns:a16="http://schemas.microsoft.com/office/drawing/2014/main" id="{EB06F9AF-7B66-4475-BC00-D578A0A7C286}"/>
-              </a:ext>
-            </a:extLst>
-          </p:cNvPr>
-          <p:cNvSpPr>
-            <a:spLocks noGrp="1"/>
-          </p:cNvSpPr>
-          <p:nvPr>
-            <p:ph type="body" sz="quarter" idx="13"/>
-          </p:nvPr>
-        </p:nvSpPr>
-        <p:spPr>
-          <a:xfrm>
-            <a:off x="5948363" y="1957388"/>
-            <a:ext cx="5673725" cy="3814762"/>
-          </a:xfrm>
-        </p:spPr>
-        <p:txBody>
-          <a:bodyPr/>
-          <a:lstStyle/>
-          <a:p>
-            <a:pPr lvl="0"/>
-            <a:r>
-              <a:rPr lang="en-US" dirty="0"/>
-              <a:t>Click to edit Master text styles</a:t>
-            </a:r>
-          </a:p>
-          <a:p>
-            <a:pPr lvl="1"/>
-            <a:r>
-              <a:rPr lang="en-US" dirty="0"/>
-              <a:t>Second level</a:t>
-            </a:r>
-          </a:p>
-          <a:p>
-            <a:pPr lvl="2"/>
-            <a:r>
-              <a:rPr lang="en-US" dirty="0"/>
-              <a:t>Third level</a:t>
-            </a:r>
-          </a:p>
-          <a:p>
-            <a:pPr lvl="3"/>
-            <a:r>
-              <a:rPr lang="en-US" dirty="0"/>
-              <a:t>Fourth level</a:t>
-            </a:r>
-          </a:p>
-          <a:p>
-            <a:pPr lvl="4"/>
-            <a:r>
-              <a:rPr lang="en-US" dirty="0"/>
-              <a:t>Fifth level</a:t>
-            </a:r>
-            <a:endParaRPr lang="en-IN" dirty="0"/>
           </a:p>
         </p:txBody>
       </p:sp>
@@ -778,7 +719,7 @@
           <a:p>
             <a:fld id="{48A87A34-81AB-432B-8DAE-1953F412C126}" type="datetimeFigureOut">
               <a:rPr lang="en-US" dirty="0"/>
-              <a:t>5/17/2021</a:t>
+              <a:t>6/3/2021</a:t>
             </a:fld>
             <a:endParaRPr lang="en-US" dirty="0"/>
           </a:p>
@@ -995,7 +936,7 @@
           <a:p>
             <a:fld id="{48A87A34-81AB-432B-8DAE-1953F412C126}" type="datetimeFigureOut">
               <a:rPr lang="en-US" dirty="0"/>
-              <a:t>5/17/2021</a:t>
+              <a:t>6/3/2021</a:t>
             </a:fld>
             <a:endParaRPr lang="en-US" dirty="0"/>
           </a:p>
@@ -1281,7 +1222,7 @@
           <a:p>
             <a:fld id="{48A87A34-81AB-432B-8DAE-1953F412C126}" type="datetimeFigureOut">
               <a:rPr lang="en-US" dirty="0"/>
-              <a:t>5/17/2021</a:t>
+              <a:t>6/3/2021</a:t>
             </a:fld>
             <a:endParaRPr lang="en-US" dirty="0"/>
           </a:p>
@@ -1730,7 +1671,7 @@
           <a:p>
             <a:fld id="{48A87A34-81AB-432B-8DAE-1953F412C126}" type="datetimeFigureOut">
               <a:rPr lang="en-US" dirty="0"/>
-              <a:t>5/17/2021</a:t>
+              <a:t>6/3/2021</a:t>
             </a:fld>
             <a:endParaRPr lang="en-US" dirty="0"/>
           </a:p>
@@ -2301,7 +2242,7 @@
           <a:p>
             <a:fld id="{48A87A34-81AB-432B-8DAE-1953F412C126}" type="datetimeFigureOut">
               <a:rPr lang="en-US" dirty="0"/>
-              <a:t>5/17/2021</a:t>
+              <a:t>6/3/2021</a:t>
             </a:fld>
             <a:endParaRPr lang="en-US" dirty="0"/>
           </a:p>
@@ -3148,7 +3089,7 @@
           <a:p>
             <a:fld id="{48A87A34-81AB-432B-8DAE-1953F412C126}" type="datetimeFigureOut">
               <a:rPr lang="en-US" dirty="0"/>
-              <a:t>5/17/2021</a:t>
+              <a:t>6/3/2021</a:t>
             </a:fld>
             <a:endParaRPr lang="en-US" dirty="0"/>
           </a:p>
@@ -3348,7 +3289,7 @@
           <a:p>
             <a:fld id="{48A87A34-81AB-432B-8DAE-1953F412C126}" type="datetimeFigureOut">
               <a:rPr lang="en-US" dirty="0"/>
-              <a:t>5/17/2021</a:t>
+              <a:t>6/3/2021</a:t>
             </a:fld>
             <a:endParaRPr lang="en-US" dirty="0"/>
           </a:p>
@@ -3557,7 +3498,7 @@
           <a:p>
             <a:fld id="{48A87A34-81AB-432B-8DAE-1953F412C126}" type="datetimeFigureOut">
               <a:rPr lang="en-US" dirty="0"/>
-              <a:t>5/17/2021</a:t>
+              <a:t>6/3/2021</a:t>
             </a:fld>
             <a:endParaRPr lang="en-US" dirty="0"/>
           </a:p>
@@ -3760,7 +3701,7 @@
           <a:p>
             <a:fld id="{48A87A34-81AB-432B-8DAE-1953F412C126}" type="datetimeFigureOut">
               <a:rPr lang="en-US" dirty="0"/>
-              <a:t>5/17/2021</a:t>
+              <a:t>6/3/2021</a:t>
             </a:fld>
             <a:endParaRPr lang="en-US" dirty="0"/>
           </a:p>
@@ -4065,7 +4006,7 @@
           <a:p>
             <a:fld id="{48A87A34-81AB-432B-8DAE-1953F412C126}" type="datetimeFigureOut">
               <a:rPr lang="en-US" dirty="0"/>
-              <a:t>5/17/2021</a:t>
+              <a:t>6/3/2021</a:t>
             </a:fld>
             <a:endParaRPr lang="en-US" dirty="0"/>
           </a:p>
@@ -4327,7 +4268,7 @@
           <a:p>
             <a:fld id="{48A87A34-81AB-432B-8DAE-1953F412C126}" type="datetimeFigureOut">
               <a:rPr lang="en-US" dirty="0"/>
-              <a:t>5/17/2021</a:t>
+              <a:t>6/3/2021</a:t>
             </a:fld>
             <a:endParaRPr lang="en-US" dirty="0"/>
           </a:p>
@@ -4737,7 +4678,7 @@
           <a:p>
             <a:fld id="{48A87A34-81AB-432B-8DAE-1953F412C126}" type="datetimeFigureOut">
               <a:rPr lang="en-US" dirty="0"/>
-              <a:t>5/17/2021</a:t>
+              <a:t>6/3/2021</a:t>
             </a:fld>
             <a:endParaRPr lang="en-US" dirty="0"/>
           </a:p>
@@ -4880,7 +4821,7 @@
           <a:p>
             <a:fld id="{48A87A34-81AB-432B-8DAE-1953F412C126}" type="datetimeFigureOut">
               <a:rPr lang="en-US" dirty="0"/>
-              <a:t>5/17/2021</a:t>
+              <a:t>6/3/2021</a:t>
             </a:fld>
             <a:endParaRPr lang="en-US" dirty="0"/>
           </a:p>
@@ -5000,7 +4941,7 @@
           <a:p>
             <a:fld id="{48A87A34-81AB-432B-8DAE-1953F412C126}" type="datetimeFigureOut">
               <a:rPr lang="en-US" dirty="0"/>
-              <a:t>5/17/2021</a:t>
+              <a:t>6/3/2021</a:t>
             </a:fld>
             <a:endParaRPr lang="en-US" dirty="0"/>
           </a:p>
@@ -5274,7 +5215,7 @@
           <a:p>
             <a:fld id="{48A87A34-81AB-432B-8DAE-1953F412C126}" type="datetimeFigureOut">
               <a:rPr lang="en-US" dirty="0"/>
-              <a:t>5/17/2021</a:t>
+              <a:t>6/3/2021</a:t>
             </a:fld>
             <a:endParaRPr lang="en-US" dirty="0"/>
           </a:p>
@@ -5581,7 +5522,7 @@
           <a:p>
             <a:fld id="{48A87A34-81AB-432B-8DAE-1953F412C126}" type="datetimeFigureOut">
               <a:rPr lang="en-US" dirty="0"/>
-              <a:t>5/17/2021</a:t>
+              <a:t>6/3/2021</a:t>
             </a:fld>
             <a:endParaRPr lang="en-US" dirty="0"/>
           </a:p>
@@ -5830,7 +5771,7 @@
             <a:fld id="{48A87A34-81AB-432B-8DAE-1953F412C126}" type="datetimeFigureOut">
               <a:rPr lang="en-US" dirty="0"/>
               <a:pPr/>
-              <a:t>5/17/2021</a:t>
+              <a:t>6/3/2021</a:t>
             </a:fld>
             <a:endParaRPr lang="en-US" dirty="0"/>
           </a:p>
@@ -6279,7 +6220,7 @@
           <a:lstStyle/>
           <a:p>
             <a:r>
-              <a:t>bucknell test</a:t>
+              <a:t>iot presentation</a:t>
             </a:r>
           </a:p>
         </p:txBody>
@@ -6298,25 +6239,84 @@
         <p:txBody>
           <a:bodyPr/>
           <a:lstStyle/>
-          <a:p/>
-        </p:txBody>
-      </p:sp>
-      <p:sp>
-        <p:nvSpPr>
-          <p:cNvPr id="4" name="Text Placeholder 3"/>
-          <p:cNvSpPr>
-            <a:spLocks noGrp="1"/>
-          </p:cNvSpPr>
-          <p:nvPr>
-            <p:ph type="body" idx="13" sz="quarter"/>
+          <a:p>
+            <a:r>
+              <a:t>made by group 15</a:t>
+            </a:r>
+          </a:p>
+        </p:txBody>
+      </p:sp>
+    </p:spTree>
+  </p:cSld>
+  <p:clrMapOvr>
+    <a:masterClrMapping/>
+  </p:clrMapOvr>
+</p:sld>
+</file>
+
+<file path=ppt/slides/slide2.xml><?xml version="1.0" encoding="utf-8"?>
+<p:sld xmlns:a="http://schemas.openxmlformats.org/drawingml/2006/main" xmlns:p="http://schemas.openxmlformats.org/presentationml/2006/main" xmlns:r="http://schemas.openxmlformats.org/officeDocument/2006/relationships">
+  <p:cSld>
+    <p:spTree>
+      <p:nvGrpSpPr>
+        <p:cNvPr id="1" name=""/>
+        <p:cNvGrpSpPr/>
+        <p:nvPr/>
+      </p:nvGrpSpPr>
+      <p:grpSpPr/>
+      <p:sp>
+        <p:nvSpPr>
+          <p:cNvPr id="2" name="Title 1"/>
+          <p:cNvSpPr>
+            <a:spLocks noGrp="1"/>
+          </p:cNvSpPr>
+          <p:nvPr>
+            <p:ph type="title"/>
           </p:nvPr>
         </p:nvSpPr>
         <p:spPr/>
         <p:txBody>
           <a:bodyPr/>
           <a:lstStyle/>
-          <a:p/>
-        </p:txBody>
+          <a:p>
+            <a:r>
+              <a:t>introduction</a:t>
+            </a:r>
+          </a:p>
+        </p:txBody>
+      </p:sp>
+      <p:sp>
+        <p:nvSpPr>
+          <p:cNvPr id="3" name="Content Placeholder 2"/>
+          <p:cNvSpPr>
+            <a:spLocks noGrp="1"/>
+          </p:cNvSpPr>
+          <p:nvPr>
+            <p:ph idx="13" sz="quarter"/>
+          </p:nvPr>
+        </p:nvSpPr>
+        <p:spPr/>
+        <p:txBody>
+          <a:bodyPr/>
+          <a:lstStyle/>
+          <a:p>
+            <a:r>
+              <a:t>iot is the most used one of the best technology used around the world it has a lot of scope in the coming future</a:t>
+            </a:r>
+          </a:p>
+        </p:txBody>
+      </p:sp>
+      <p:sp>
+        <p:nvSpPr>
+          <p:cNvPr id="4" name="Picture Placeholder 3"/>
+          <p:cNvSpPr>
+            <a:spLocks noGrp="1"/>
+          </p:cNvSpPr>
+          <p:nvPr>
+            <p:ph type="pic" idx="14" sz="quarter"/>
+          </p:nvPr>
+        </p:nvSpPr>
+        <p:spPr/>
       </p:sp>
     </p:spTree>
   </p:cSld>

--- a/static/test1.pptx
+++ b/static/test1.pptx
@@ -4,6 +4,9 @@
   <p:sldMasterIdLst>
     <p:sldMasterId id="2147483648" r:id="rId1"/>
   </p:sldMasterIdLst>
+  <p:handoutMasterIdLst>
+    <p:handoutMasterId r:id="rId2"/>
+  </p:handoutMasterIdLst>
   <p:sldIdLst>
     <p:sldId id="256" r:id="rId7"/>
     <p:sldId id="257" r:id="rId8"/>
@@ -109,20 +112,204 @@
     <p:ext uri="{EFAFB233-063F-42B5-8137-9DF3F51BA10A}">
       <p15:sldGuideLst xmlns:p15="http://schemas.microsoft.com/office/powerpoint/2012/main"/>
     </p:ext>
+    <p:ext uri="{2D200454-40CA-4A62-9FC3-DE9A4176ACB9}">
+      <p15:notesGuideLst xmlns:p15="http://schemas.microsoft.com/office/powerpoint/2012/main"/>
+    </p:ext>
   </p:extLst>
 </p:presentation>
 </file>
 
-<file path=ppt/revisionInfo.xml><?xml version="1.0" encoding="utf-8"?>
-<p1510:revInfo xmlns:a="http://schemas.openxmlformats.org/drawingml/2006/main" xmlns:r="http://schemas.openxmlformats.org/officeDocument/2006/relationships" xmlns:p1510="http://schemas.microsoft.com/office/powerpoint/2015/10/main">
-  <p1510:revLst>
-    <p1510:client id="{A488D076-6B3F-45DE-934A-1EC204396E9B}" v="603" dt="2021-05-16T06:48:36.583"/>
-  </p1510:revLst>
-</p1510:revInfo>
+<file path=ppt/handoutMasters/handoutMaster1.xml><?xml version="1.0" encoding="utf-8"?>
+<p:handoutMaster xmlns:a="http://schemas.openxmlformats.org/drawingml/2006/main" xmlns:r="http://schemas.openxmlformats.org/officeDocument/2006/relationships" xmlns:p="http://schemas.openxmlformats.org/presentationml/2006/main">
+  <p:cSld>
+    <p:bg>
+      <p:bgRef idx="1001">
+        <a:schemeClr val="bg1"/>
+      </p:bgRef>
+    </p:bg>
+    <p:spTree>
+      <p:nvGrpSpPr>
+        <p:cNvPr id="1" name=""/>
+        <p:cNvGrpSpPr/>
+        <p:nvPr/>
+      </p:nvGrpSpPr>
+      <p:grpSpPr>
+        <a:xfrm>
+          <a:off x="0" y="0"/>
+          <a:ext cx="0" cy="0"/>
+          <a:chOff x="0" y="0"/>
+          <a:chExt cx="0" cy="0"/>
+        </a:xfrm>
+      </p:grpSpPr>
+      <p:sp>
+        <p:nvSpPr>
+          <p:cNvPr id="2" name="Header Placeholder 1">
+            <a:extLst>
+              <a:ext uri="{FF2B5EF4-FFF2-40B4-BE49-F238E27FC236}">
+                <a16:creationId xmlns:a16="http://schemas.microsoft.com/office/drawing/2014/main" id="{C8ACBE9D-E281-42B0-87D7-D1A8758488FA}"/>
+              </a:ext>
+            </a:extLst>
+          </p:cNvPr>
+          <p:cNvSpPr>
+            <a:spLocks noGrp="1"/>
+          </p:cNvSpPr>
+          <p:nvPr>
+            <p:ph type="hdr" sz="quarter"/>
+          </p:nvPr>
+        </p:nvSpPr>
+        <p:spPr>
+          <a:xfrm>
+            <a:off x="0" y="0"/>
+            <a:ext cx="2971800" cy="458788"/>
+          </a:xfrm>
+          <a:prstGeom prst="rect">
+            <a:avLst/>
+          </a:prstGeom>
+        </p:spPr>
+        <p:txBody>
+          <a:bodyPr vert="horz" lIns="91440" tIns="45720" rIns="91440" bIns="45720" rtlCol="0"/>
+          <a:lstStyle>
+            <a:lvl1pPr algn="l">
+              <a:defRPr sz="1200"/>
+            </a:lvl1pPr>
+          </a:lstStyle>
+          <a:p>
+            <a:endParaRPr lang="en-IN"/>
+          </a:p>
+        </p:txBody>
+      </p:sp>
+      <p:sp>
+        <p:nvSpPr>
+          <p:cNvPr id="3" name="Date Placeholder 2">
+            <a:extLst>
+              <a:ext uri="{FF2B5EF4-FFF2-40B4-BE49-F238E27FC236}">
+                <a16:creationId xmlns:a16="http://schemas.microsoft.com/office/drawing/2014/main" id="{1FFF9132-9CE3-4302-B1BD-04182684603F}"/>
+              </a:ext>
+            </a:extLst>
+          </p:cNvPr>
+          <p:cNvSpPr>
+            <a:spLocks noGrp="1"/>
+          </p:cNvSpPr>
+          <p:nvPr>
+            <p:ph type="dt" sz="quarter" idx="1"/>
+          </p:nvPr>
+        </p:nvSpPr>
+        <p:spPr>
+          <a:xfrm>
+            <a:off x="3884613" y="0"/>
+            <a:ext cx="2971800" cy="458788"/>
+          </a:xfrm>
+          <a:prstGeom prst="rect">
+            <a:avLst/>
+          </a:prstGeom>
+        </p:spPr>
+        <p:txBody>
+          <a:bodyPr vert="horz" lIns="91440" tIns="45720" rIns="91440" bIns="45720" rtlCol="0"/>
+          <a:lstStyle>
+            <a:lvl1pPr algn="r">
+              <a:defRPr sz="1200"/>
+            </a:lvl1pPr>
+          </a:lstStyle>
+          <a:p>
+            <a:fld id="{3AC4FCB6-2190-420D-B390-995D93DABF2A}" type="datetimeFigureOut">
+              <a:rPr lang="en-IN" smtClean="0"/>
+              <a:t>05-06-2021</a:t>
+            </a:fld>
+            <a:endParaRPr lang="en-IN"/>
+          </a:p>
+        </p:txBody>
+      </p:sp>
+      <p:sp>
+        <p:nvSpPr>
+          <p:cNvPr id="4" name="Footer Placeholder 3">
+            <a:extLst>
+              <a:ext uri="{FF2B5EF4-FFF2-40B4-BE49-F238E27FC236}">
+                <a16:creationId xmlns:a16="http://schemas.microsoft.com/office/drawing/2014/main" id="{2DD53C67-E715-4785-8A7C-18E1FA6D8604}"/>
+              </a:ext>
+            </a:extLst>
+          </p:cNvPr>
+          <p:cNvSpPr>
+            <a:spLocks noGrp="1"/>
+          </p:cNvSpPr>
+          <p:nvPr>
+            <p:ph type="ftr" sz="quarter" idx="2"/>
+          </p:nvPr>
+        </p:nvSpPr>
+        <p:spPr>
+          <a:xfrm>
+            <a:off x="0" y="8685213"/>
+            <a:ext cx="2971800" cy="458787"/>
+          </a:xfrm>
+          <a:prstGeom prst="rect">
+            <a:avLst/>
+          </a:prstGeom>
+        </p:spPr>
+        <p:txBody>
+          <a:bodyPr vert="horz" lIns="91440" tIns="45720" rIns="91440" bIns="45720" rtlCol="0" anchor="b"/>
+          <a:lstStyle>
+            <a:lvl1pPr algn="l">
+              <a:defRPr sz="1200"/>
+            </a:lvl1pPr>
+          </a:lstStyle>
+          <a:p>
+            <a:endParaRPr lang="en-IN"/>
+          </a:p>
+        </p:txBody>
+      </p:sp>
+      <p:sp>
+        <p:nvSpPr>
+          <p:cNvPr id="5" name="Slide Number Placeholder 4">
+            <a:extLst>
+              <a:ext uri="{FF2B5EF4-FFF2-40B4-BE49-F238E27FC236}">
+                <a16:creationId xmlns:a16="http://schemas.microsoft.com/office/drawing/2014/main" id="{A1081CAA-AB90-41EB-91FB-BBFA5FACE0F8}"/>
+              </a:ext>
+            </a:extLst>
+          </p:cNvPr>
+          <p:cNvSpPr>
+            <a:spLocks noGrp="1"/>
+          </p:cNvSpPr>
+          <p:nvPr>
+            <p:ph type="sldNum" sz="quarter" idx="3"/>
+          </p:nvPr>
+        </p:nvSpPr>
+        <p:spPr>
+          <a:xfrm>
+            <a:off x="3884613" y="8685213"/>
+            <a:ext cx="2971800" cy="458787"/>
+          </a:xfrm>
+          <a:prstGeom prst="rect">
+            <a:avLst/>
+          </a:prstGeom>
+        </p:spPr>
+        <p:txBody>
+          <a:bodyPr vert="horz" lIns="91440" tIns="45720" rIns="91440" bIns="45720" rtlCol="0" anchor="b"/>
+          <a:lstStyle>
+            <a:lvl1pPr algn="r">
+              <a:defRPr sz="1200"/>
+            </a:lvl1pPr>
+          </a:lstStyle>
+          <a:p>
+            <a:fld id="{319E797E-A5BF-4C93-856F-E6630D3890A1}" type="slidenum">
+              <a:rPr lang="en-IN" smtClean="0"/>
+              <a:t>‹#›</a:t>
+            </a:fld>
+            <a:endParaRPr lang="en-IN"/>
+          </a:p>
+        </p:txBody>
+      </p:sp>
+    </p:spTree>
+    <p:extLst>
+      <p:ext uri="{BB962C8B-B14F-4D97-AF65-F5344CB8AC3E}">
+        <p14:creationId xmlns:p14="http://schemas.microsoft.com/office/powerpoint/2010/main" val="153473303"/>
+      </p:ext>
+    </p:extLst>
+  </p:cSld>
+  <p:clrMap bg1="lt1" tx1="dk1" bg2="lt2" tx2="dk2" accent1="accent1" accent2="accent2" accent3="accent3" accent4="accent4" accent5="accent5" accent6="accent6" hlink="hlink" folHlink="folHlink"/>
+</p:handoutMaster>
 </file>
 
 <file path=ppt/slideLayouts/slideLayout1.xml><?xml version="1.0" encoding="utf-8"?>
-<p:sldLayout xmlns:a="http://schemas.openxmlformats.org/drawingml/2006/main" xmlns:r="http://schemas.openxmlformats.org/officeDocument/2006/relationships" xmlns:p="http://schemas.openxmlformats.org/presentationml/2006/main" type="title" preserve="1">
+<p:sldLayout xmlns:a="http://schemas.openxmlformats.org/drawingml/2006/main" xmlns:r="http://schemas.openxmlformats.org/officeDocument/2006/relationships" xmlns:p="http://schemas.openxmlformats.org/presentationml/2006/main" preserve="1" userDrawn="1">
   <p:cSld name="Title Slide">
     <p:spTree>
       <p:nvGrpSpPr>
@@ -138,6 +325,36 @@
           <a:chExt cx="0" cy="0"/>
         </a:xfrm>
       </p:grpSpPr>
+      <p:pic>
+        <p:nvPicPr>
+          <p:cNvPr id="7" name="Picture 6" descr="Droplets-HD-Title-R1d.png"/>
+          <p:cNvPicPr>
+            <a:picLocks noChangeAspect="1"/>
+          </p:cNvPicPr>
+          <p:nvPr/>
+        </p:nvPicPr>
+        <p:blipFill>
+          <a:blip r:embed="rId2">
+            <a:extLst>
+              <a:ext uri="{28A0092B-C50C-407E-A947-70E740481C1C}">
+                <a14:useLocalDpi xmlns:a14="http://schemas.microsoft.com/office/drawing/2010/main" val="0"/>
+              </a:ext>
+            </a:extLst>
+          </a:blip>
+          <a:stretch>
+            <a:fillRect/>
+          </a:stretch>
+        </p:blipFill>
+        <p:spPr>
+          <a:xfrm>
+            <a:off x="0" y="-157316"/>
+            <a:ext cx="12192000" cy="6858000"/>
+          </a:xfrm>
+          <a:prstGeom prst="rect">
+            <a:avLst/>
+          </a:prstGeom>
+        </p:spPr>
+      </p:pic>
       <p:sp>
         <p:nvSpPr>
           <p:cNvPr id="2" name="Title 1"/>
@@ -150,23 +367,24 @@
         </p:nvSpPr>
         <p:spPr>
           <a:xfrm>
-            <a:off x="1154955" y="1447800"/>
-            <a:ext cx="8825658" cy="3329581"/>
-          </a:xfrm>
-        </p:spPr>
-        <p:txBody>
-          <a:bodyPr anchor="b"/>
+            <a:off x="1824035" y="1"/>
+            <a:ext cx="8106546" cy="1465006"/>
+          </a:xfrm>
+        </p:spPr>
+        <p:txBody>
+          <a:bodyPr anchor="b">
+            <a:normAutofit/>
+          </a:bodyPr>
           <a:lstStyle>
-            <a:lvl1pPr>
-              <a:defRPr sz="7200"/>
+            <a:lvl1pPr algn="ctr">
+              <a:defRPr sz="4800"/>
             </a:lvl1pPr>
           </a:lstStyle>
           <a:p>
             <a:r>
-              <a:rPr lang="en-US"/>
+              <a:rPr lang="en-US" dirty="0"/>
               <a:t>Click to edit Master title style</a:t>
             </a:r>
-            <a:endParaRPr lang="en-US" dirty="0"/>
           </a:p>
         </p:txBody>
       </p:sp>
@@ -182,176 +400,63 @@
         </p:nvSpPr>
         <p:spPr>
           <a:xfrm>
-            <a:off x="1154955" y="4777380"/>
-            <a:ext cx="8825658" cy="861420"/>
-          </a:xfrm>
-        </p:spPr>
-        <p:txBody>
-          <a:bodyPr anchor="t"/>
+            <a:off x="3215148" y="2920181"/>
+            <a:ext cx="5565058" cy="2143432"/>
+          </a:xfrm>
+        </p:spPr>
+        <p:txBody>
+          <a:bodyPr>
+            <a:normAutofit/>
+          </a:bodyPr>
           <a:lstStyle>
-            <a:lvl1pPr marL="0" indent="0" algn="l">
-              <a:buNone/>
-              <a:defRPr cap="all">
+            <a:lvl1pPr marL="0" indent="0" algn="ctr">
+              <a:buNone/>
+              <a:defRPr sz="2200">
                 <a:solidFill>
-                  <a:schemeClr val="bg2">
-                    <a:lumMod val="40000"/>
-                    <a:lumOff val="60000"/>
+                  <a:schemeClr val="bg1">
+                    <a:lumMod val="50000"/>
                   </a:schemeClr>
                 </a:solidFill>
               </a:defRPr>
             </a:lvl1pPr>
             <a:lvl2pPr marL="457200" indent="0" algn="ctr">
               <a:buNone/>
-              <a:defRPr>
-                <a:solidFill>
-                  <a:schemeClr val="tx1">
-                    <a:tint val="75000"/>
-                  </a:schemeClr>
-                </a:solidFill>
-              </a:defRPr>
+              <a:defRPr sz="2000"/>
             </a:lvl2pPr>
             <a:lvl3pPr marL="914400" indent="0" algn="ctr">
               <a:buNone/>
-              <a:defRPr>
-                <a:solidFill>
-                  <a:schemeClr val="tx1">
-                    <a:tint val="75000"/>
-                  </a:schemeClr>
-                </a:solidFill>
-              </a:defRPr>
+              <a:defRPr sz="1800"/>
             </a:lvl3pPr>
             <a:lvl4pPr marL="1371600" indent="0" algn="ctr">
               <a:buNone/>
-              <a:defRPr>
-                <a:solidFill>
-                  <a:schemeClr val="tx1">
-                    <a:tint val="75000"/>
-                  </a:schemeClr>
-                </a:solidFill>
-              </a:defRPr>
+              <a:defRPr sz="1600"/>
             </a:lvl4pPr>
             <a:lvl5pPr marL="1828800" indent="0" algn="ctr">
               <a:buNone/>
-              <a:defRPr>
-                <a:solidFill>
-                  <a:schemeClr val="tx1">
-                    <a:tint val="75000"/>
-                  </a:schemeClr>
-                </a:solidFill>
-              </a:defRPr>
+              <a:defRPr sz="1600"/>
             </a:lvl5pPr>
             <a:lvl6pPr marL="2286000" indent="0" algn="ctr">
               <a:buNone/>
-              <a:defRPr>
-                <a:solidFill>
-                  <a:schemeClr val="tx1">
-                    <a:tint val="75000"/>
-                  </a:schemeClr>
-                </a:solidFill>
-              </a:defRPr>
+              <a:defRPr sz="1600"/>
             </a:lvl6pPr>
             <a:lvl7pPr marL="2743200" indent="0" algn="ctr">
               <a:buNone/>
-              <a:defRPr>
-                <a:solidFill>
-                  <a:schemeClr val="tx1">
-                    <a:tint val="75000"/>
-                  </a:schemeClr>
-                </a:solidFill>
-              </a:defRPr>
+              <a:defRPr sz="1600"/>
             </a:lvl7pPr>
             <a:lvl8pPr marL="3200400" indent="0" algn="ctr">
               <a:buNone/>
-              <a:defRPr>
-                <a:solidFill>
-                  <a:schemeClr val="tx1">
-                    <a:tint val="75000"/>
-                  </a:schemeClr>
-                </a:solidFill>
-              </a:defRPr>
+              <a:defRPr sz="1600"/>
             </a:lvl8pPr>
             <a:lvl9pPr marL="3657600" indent="0" algn="ctr">
               <a:buNone/>
-              <a:defRPr>
-                <a:solidFill>
-                  <a:schemeClr val="tx1">
-                    <a:tint val="75000"/>
-                  </a:schemeClr>
-                </a:solidFill>
-              </a:defRPr>
+              <a:defRPr sz="1600"/>
             </a:lvl9pPr>
           </a:lstStyle>
           <a:p>
             <a:r>
-              <a:rPr lang="en-US"/>
+              <a:rPr lang="en-US" dirty="0"/>
               <a:t>Click to edit Master subtitle style</a:t>
             </a:r>
-            <a:endParaRPr lang="en-US" dirty="0"/>
-          </a:p>
-        </p:txBody>
-      </p:sp>
-      <p:sp>
-        <p:nvSpPr>
-          <p:cNvPr id="4" name="Date Placeholder 3"/>
-          <p:cNvSpPr>
-            <a:spLocks noGrp="1"/>
-          </p:cNvSpPr>
-          <p:nvPr>
-            <p:ph type="dt" sz="half" idx="10"/>
-          </p:nvPr>
-        </p:nvSpPr>
-        <p:spPr/>
-        <p:txBody>
-          <a:bodyPr/>
-          <a:lstStyle/>
-          <a:p>
-            <a:fld id="{4AAD347D-5ACD-4C99-B74B-A9C85AD731AF}" type="datetimeFigureOut">
-              <a:rPr lang="en-US" dirty="0"/>
-              <a:t>5/31/2021</a:t>
-            </a:fld>
-            <a:endParaRPr lang="en-US" dirty="0"/>
-          </a:p>
-        </p:txBody>
-      </p:sp>
-      <p:sp>
-        <p:nvSpPr>
-          <p:cNvPr id="5" name="Footer Placeholder 4"/>
-          <p:cNvSpPr>
-            <a:spLocks noGrp="1"/>
-          </p:cNvSpPr>
-          <p:nvPr>
-            <p:ph type="ftr" sz="quarter" idx="11"/>
-          </p:nvPr>
-        </p:nvSpPr>
-        <p:spPr/>
-        <p:txBody>
-          <a:bodyPr/>
-          <a:lstStyle/>
-          <a:p>
-            <a:endParaRPr lang="en-US" dirty="0"/>
-          </a:p>
-        </p:txBody>
-      </p:sp>
-      <p:sp>
-        <p:nvSpPr>
-          <p:cNvPr id="6" name="Slide Number Placeholder 5"/>
-          <p:cNvSpPr>
-            <a:spLocks noGrp="1"/>
-          </p:cNvSpPr>
-          <p:nvPr>
-            <p:ph type="sldNum" sz="quarter" idx="12"/>
-          </p:nvPr>
-        </p:nvSpPr>
-        <p:spPr/>
-        <p:txBody>
-          <a:bodyPr/>
-          <a:lstStyle/>
-          <a:p>
-            <a:fld id="{D57F1E4F-1CFF-5643-939E-02111984F565}" type="slidenum">
-              <a:rPr lang="en-US" dirty="0"/>
-              <a:t>‹#›</a:t>
-            </a:fld>
-            <a:endParaRPr lang="en-US" dirty="0"/>
           </a:p>
         </p:txBody>
       </p:sp>
@@ -380,6 +485,36 @@
           <a:chExt cx="0" cy="0"/>
         </a:xfrm>
       </p:grpSpPr>
+      <p:pic>
+        <p:nvPicPr>
+          <p:cNvPr id="10" name="Picture 9" descr="Droplets-HD-Content-R1d.png"/>
+          <p:cNvPicPr>
+            <a:picLocks noChangeAspect="1"/>
+          </p:cNvPicPr>
+          <p:nvPr/>
+        </p:nvPicPr>
+        <p:blipFill>
+          <a:blip r:embed="rId2">
+            <a:extLst>
+              <a:ext uri="{28A0092B-C50C-407E-A947-70E740481C1C}">
+                <a14:useLocalDpi xmlns:a14="http://schemas.microsoft.com/office/drawing/2010/main" val="0"/>
+              </a:ext>
+            </a:extLst>
+          </a:blip>
+          <a:stretch>
+            <a:fillRect/>
+          </a:stretch>
+        </p:blipFill>
+        <p:spPr>
+          <a:xfrm>
+            <a:off x="0" y="0"/>
+            <a:ext cx="12192000" cy="6858000"/>
+          </a:xfrm>
+          <a:prstGeom prst="rect">
+            <a:avLst/>
+          </a:prstGeom>
+        </p:spPr>
+      </p:pic>
       <p:sp>
         <p:nvSpPr>
           <p:cNvPr id="2" name="Title 1"/>
@@ -392,17 +527,15 @@
         </p:nvSpPr>
         <p:spPr>
           <a:xfrm>
-            <a:off x="1154956" y="4800587"/>
-            <a:ext cx="8825657" cy="566738"/>
-          </a:xfrm>
-        </p:spPr>
-        <p:txBody>
-          <a:bodyPr anchor="b">
-            <a:normAutofit/>
-          </a:bodyPr>
+            <a:off x="913794" y="4289374"/>
+            <a:ext cx="10364432" cy="811610"/>
+          </a:xfrm>
+        </p:spPr>
+        <p:txBody>
+          <a:bodyPr anchor="b"/>
           <a:lstStyle>
-            <a:lvl1pPr algn="l">
-              <a:defRPr sz="2400" b="0"/>
+            <a:lvl1pPr>
+              <a:defRPr sz="3200"/>
             </a:lvl1pPr>
           </a:lstStyle>
           <a:p>
@@ -426,26 +559,102 @@
         </p:nvSpPr>
         <p:spPr>
           <a:xfrm>
-            <a:off x="1154955" y="685800"/>
-            <a:ext cx="8825658" cy="3640666"/>
+            <a:off x="1184744" y="698261"/>
+            <a:ext cx="9822532" cy="3214136"/>
           </a:xfrm>
           <a:prstGeom prst="roundRect">
             <a:avLst>
-              <a:gd name="adj" fmla="val 1858"/>
+              <a:gd name="adj" fmla="val 4944"/>
             </a:avLst>
           </a:prstGeom>
-          <a:effectLst>
-            <a:outerShdw blurRad="50800" dist="50800" dir="5400000" algn="tl" rotWithShape="0">
-              <a:srgbClr val="000000">
-                <a:alpha val="43000"/>
-              </a:srgbClr>
-            </a:outerShdw>
-          </a:effectLst>
-        </p:spPr>
-        <p:txBody>
-          <a:bodyPr anchor="t">
-            <a:normAutofit/>
-          </a:bodyPr>
+          <a:noFill/>
+          <a:ln w="82550" cap="sq">
+            <a:solidFill>
+              <a:srgbClr val="EAEAEA"/>
+            </a:solidFill>
+            <a:miter lim="800000"/>
+          </a:ln>
+          <a:effectLst/>
+          <a:scene3d>
+            <a:camera prst="orthographicFront"/>
+            <a:lightRig rig="threePt" dir="t">
+              <a:rot lat="0" lon="0" rev="2700000"/>
+            </a:lightRig>
+          </a:scene3d>
+          <a:sp3d contourW="6350">
+            <a:bevelT h="38100"/>
+            <a:contourClr>
+              <a:srgbClr val="C0C0C0"/>
+            </a:contourClr>
+          </a:sp3d>
+        </p:spPr>
+        <p:txBody>
+          <a:bodyPr anchor="t"/>
+          <a:lstStyle>
+            <a:lvl1pPr marL="0" indent="0" algn="ctr">
+              <a:buNone/>
+              <a:defRPr sz="3200"/>
+            </a:lvl1pPr>
+            <a:lvl2pPr marL="457200" indent="0">
+              <a:buNone/>
+              <a:defRPr sz="2800"/>
+            </a:lvl2pPr>
+            <a:lvl3pPr marL="914400" indent="0">
+              <a:buNone/>
+              <a:defRPr sz="2400"/>
+            </a:lvl3pPr>
+            <a:lvl4pPr marL="1371600" indent="0">
+              <a:buNone/>
+              <a:defRPr sz="2000"/>
+            </a:lvl4pPr>
+            <a:lvl5pPr marL="1828800" indent="0">
+              <a:buNone/>
+              <a:defRPr sz="2000"/>
+            </a:lvl5pPr>
+            <a:lvl6pPr marL="2286000" indent="0">
+              <a:buNone/>
+              <a:defRPr sz="2000"/>
+            </a:lvl6pPr>
+            <a:lvl7pPr marL="2743200" indent="0">
+              <a:buNone/>
+              <a:defRPr sz="2000"/>
+            </a:lvl7pPr>
+            <a:lvl8pPr marL="3200400" indent="0">
+              <a:buNone/>
+              <a:defRPr sz="2000"/>
+            </a:lvl8pPr>
+            <a:lvl9pPr marL="3657600" indent="0">
+              <a:buNone/>
+              <a:defRPr sz="2000"/>
+            </a:lvl9pPr>
+          </a:lstStyle>
+          <a:p>
+            <a:r>
+              <a:rPr lang="en-US"/>
+              <a:t>Click icon to add picture</a:t>
+            </a:r>
+            <a:endParaRPr lang="en-US" dirty="0"/>
+          </a:p>
+        </p:txBody>
+      </p:sp>
+      <p:sp>
+        <p:nvSpPr>
+          <p:cNvPr id="4" name="Text Placeholder 3"/>
+          <p:cNvSpPr>
+            <a:spLocks noGrp="1"/>
+          </p:cNvSpPr>
+          <p:nvPr>
+            <p:ph type="body" sz="half" idx="2"/>
+          </p:nvPr>
+        </p:nvSpPr>
+        <p:spPr>
+          <a:xfrm>
+            <a:off x="913774" y="5108728"/>
+            <a:ext cx="10364452" cy="682472"/>
+          </a:xfrm>
+        </p:spPr>
+        <p:txBody>
+          <a:bodyPr/>
           <a:lstStyle>
             <a:lvl1pPr marL="0" indent="0" algn="ctr">
               <a:buNone/>
@@ -453,105 +662,38 @@
             </a:lvl1pPr>
             <a:lvl2pPr marL="457200" indent="0">
               <a:buNone/>
-              <a:defRPr sz="1600"/>
+              <a:defRPr sz="1400"/>
             </a:lvl2pPr>
             <a:lvl3pPr marL="914400" indent="0">
               <a:buNone/>
-              <a:defRPr sz="1600"/>
+              <a:defRPr sz="1200"/>
             </a:lvl3pPr>
             <a:lvl4pPr marL="1371600" indent="0">
               <a:buNone/>
-              <a:defRPr sz="1600"/>
+              <a:defRPr sz="1000"/>
             </a:lvl4pPr>
             <a:lvl5pPr marL="1828800" indent="0">
               <a:buNone/>
-              <a:defRPr sz="1600"/>
+              <a:defRPr sz="1000"/>
             </a:lvl5pPr>
             <a:lvl6pPr marL="2286000" indent="0">
               <a:buNone/>
-              <a:defRPr sz="1600"/>
+              <a:defRPr sz="1000"/>
             </a:lvl6pPr>
             <a:lvl7pPr marL="2743200" indent="0">
               <a:buNone/>
-              <a:defRPr sz="1600"/>
+              <a:defRPr sz="1000"/>
             </a:lvl7pPr>
             <a:lvl8pPr marL="3200400" indent="0">
               <a:buNone/>
-              <a:defRPr sz="1600"/>
+              <a:defRPr sz="1000"/>
             </a:lvl8pPr>
             <a:lvl9pPr marL="3657600" indent="0">
               <a:buNone/>
-              <a:defRPr sz="1600"/>
+              <a:defRPr sz="1000"/>
             </a:lvl9pPr>
           </a:lstStyle>
           <a:p>
-            <a:r>
-              <a:rPr lang="en-US"/>
-              <a:t>Click icon to add picture</a:t>
-            </a:r>
-            <a:endParaRPr lang="en-US" dirty="0"/>
-          </a:p>
-        </p:txBody>
-      </p:sp>
-      <p:sp>
-        <p:nvSpPr>
-          <p:cNvPr id="4" name="Text Placeholder 3"/>
-          <p:cNvSpPr>
-            <a:spLocks noGrp="1"/>
-          </p:cNvSpPr>
-          <p:nvPr>
-            <p:ph type="body" sz="half" idx="2"/>
-          </p:nvPr>
-        </p:nvSpPr>
-        <p:spPr>
-          <a:xfrm>
-            <a:off x="1154956" y="5367325"/>
-            <a:ext cx="8825656" cy="493712"/>
-          </a:xfrm>
-        </p:spPr>
-        <p:txBody>
-          <a:bodyPr>
-            <a:normAutofit/>
-          </a:bodyPr>
-          <a:lstStyle>
-            <a:lvl1pPr marL="0" indent="0">
-              <a:buNone/>
-              <a:defRPr sz="1200"/>
-            </a:lvl1pPr>
-            <a:lvl2pPr marL="457200" indent="0">
-              <a:buNone/>
-              <a:defRPr sz="1200"/>
-            </a:lvl2pPr>
-            <a:lvl3pPr marL="914400" indent="0">
-              <a:buNone/>
-              <a:defRPr sz="1000"/>
-            </a:lvl3pPr>
-            <a:lvl4pPr marL="1371600" indent="0">
-              <a:buNone/>
-              <a:defRPr sz="900"/>
-            </a:lvl4pPr>
-            <a:lvl5pPr marL="1828800" indent="0">
-              <a:buNone/>
-              <a:defRPr sz="900"/>
-            </a:lvl5pPr>
-            <a:lvl6pPr marL="2286000" indent="0">
-              <a:buNone/>
-              <a:defRPr sz="900"/>
-            </a:lvl6pPr>
-            <a:lvl7pPr marL="2743200" indent="0">
-              <a:buNone/>
-              <a:defRPr sz="900"/>
-            </a:lvl7pPr>
-            <a:lvl8pPr marL="3200400" indent="0">
-              <a:buNone/>
-              <a:defRPr sz="900"/>
-            </a:lvl8pPr>
-            <a:lvl9pPr marL="3657600" indent="0">
-              <a:buNone/>
-              <a:defRPr sz="900"/>
-            </a:lvl9pPr>
-          </a:lstStyle>
-          <a:p>
             <a:pPr lvl="0"/>
             <a:r>
               <a:rPr lang="en-US"/>
@@ -575,9 +717,9 @@
           <a:bodyPr/>
           <a:lstStyle/>
           <a:p>
-            <a:fld id="{4509A250-FF31-4206-8172-F9D3106AACB1}" type="datetimeFigureOut">
+            <a:fld id="{48A87A34-81AB-432B-8DAE-1953F412C126}" type="datetimeFigureOut">
               <a:rPr lang="en-US" dirty="0"/>
-              <a:t>5/31/2021</a:t>
+              <a:t>6/5/2021</a:t>
             </a:fld>
             <a:endParaRPr lang="en-US" dirty="0"/>
           </a:p>
@@ -617,7 +759,7 @@
           <a:bodyPr/>
           <a:lstStyle/>
           <a:p>
-            <a:fld id="{D57F1E4F-1CFF-5643-939E-02111984F565}" type="slidenum">
+            <a:fld id="{6D22F896-40B5-4ADD-8801-0D06FADFA095}" type="slidenum">
               <a:rPr lang="en-US" dirty="0"/>
               <a:t>‹#›</a:t>
             </a:fld>
@@ -650,6 +792,36 @@
           <a:chExt cx="0" cy="0"/>
         </a:xfrm>
       </p:grpSpPr>
+      <p:pic>
+        <p:nvPicPr>
+          <p:cNvPr id="8" name="Picture 7" descr="Droplets-HD-Content-R1d.png"/>
+          <p:cNvPicPr>
+            <a:picLocks noChangeAspect="1"/>
+          </p:cNvPicPr>
+          <p:nvPr/>
+        </p:nvPicPr>
+        <p:blipFill>
+          <a:blip r:embed="rId2">
+            <a:extLst>
+              <a:ext uri="{28A0092B-C50C-407E-A947-70E740481C1C}">
+                <a14:useLocalDpi xmlns:a14="http://schemas.microsoft.com/office/drawing/2010/main" val="0"/>
+              </a:ext>
+            </a:extLst>
+          </a:blip>
+          <a:stretch>
+            <a:fillRect/>
+          </a:stretch>
+        </p:blipFill>
+        <p:spPr>
+          <a:xfrm>
+            <a:off x="0" y="0"/>
+            <a:ext cx="12192000" cy="6858000"/>
+          </a:xfrm>
+          <a:prstGeom prst="rect">
+            <a:avLst/>
+          </a:prstGeom>
+        </p:spPr>
+      </p:pic>
       <p:sp>
         <p:nvSpPr>
           <p:cNvPr id="2" name="Title 1"/>
@@ -662,15 +834,15 @@
         </p:nvSpPr>
         <p:spPr>
           <a:xfrm>
-            <a:off x="1154954" y="1447800"/>
-            <a:ext cx="8825659" cy="1981200"/>
-          </a:xfrm>
-        </p:spPr>
-        <p:txBody>
-          <a:bodyPr/>
+            <a:off x="913774" y="609599"/>
+            <a:ext cx="10364452" cy="3427245"/>
+          </a:xfrm>
+        </p:spPr>
+        <p:txBody>
+          <a:bodyPr anchor="ctr"/>
           <a:lstStyle>
-            <a:lvl1pPr>
-              <a:defRPr sz="4800"/>
+            <a:lvl1pPr algn="ctr">
+              <a:defRPr sz="3200"/>
             </a:lvl1pPr>
           </a:lstStyle>
           <a:p>
@@ -684,7 +856,7 @@
       </p:sp>
       <p:sp>
         <p:nvSpPr>
-          <p:cNvPr id="8" name="Text Placeholder 3"/>
+          <p:cNvPr id="4" name="Text Placeholder 3"/>
           <p:cNvSpPr>
             <a:spLocks noGrp="1"/>
           </p:cNvSpPr>
@@ -694,50 +866,48 @@
         </p:nvSpPr>
         <p:spPr>
           <a:xfrm>
-            <a:off x="1154954" y="3657600"/>
-            <a:ext cx="8825659" cy="2362200"/>
-          </a:xfrm>
-        </p:spPr>
-        <p:txBody>
-          <a:bodyPr anchor="ctr">
-            <a:normAutofit/>
-          </a:bodyPr>
+            <a:off x="913775" y="4204821"/>
+            <a:ext cx="10364452" cy="1586380"/>
+          </a:xfrm>
+        </p:spPr>
+        <p:txBody>
+          <a:bodyPr anchor="ctr"/>
           <a:lstStyle>
-            <a:lvl1pPr marL="0" indent="0">
-              <a:buNone/>
-              <a:defRPr sz="1800"/>
+            <a:lvl1pPr marL="0" indent="0" algn="ctr">
+              <a:buNone/>
+              <a:defRPr sz="1600"/>
             </a:lvl1pPr>
             <a:lvl2pPr marL="457200" indent="0">
               <a:buNone/>
-              <a:defRPr sz="1200"/>
+              <a:defRPr sz="1400"/>
             </a:lvl2pPr>
             <a:lvl3pPr marL="914400" indent="0">
               <a:buNone/>
-              <a:defRPr sz="1000"/>
+              <a:defRPr sz="1200"/>
             </a:lvl3pPr>
             <a:lvl4pPr marL="1371600" indent="0">
               <a:buNone/>
-              <a:defRPr sz="900"/>
+              <a:defRPr sz="1000"/>
             </a:lvl4pPr>
             <a:lvl5pPr marL="1828800" indent="0">
               <a:buNone/>
-              <a:defRPr sz="900"/>
+              <a:defRPr sz="1000"/>
             </a:lvl5pPr>
             <a:lvl6pPr marL="2286000" indent="0">
               <a:buNone/>
-              <a:defRPr sz="900"/>
+              <a:defRPr sz="1000"/>
             </a:lvl6pPr>
             <a:lvl7pPr marL="2743200" indent="0">
               <a:buNone/>
-              <a:defRPr sz="900"/>
+              <a:defRPr sz="1000"/>
             </a:lvl7pPr>
             <a:lvl8pPr marL="3200400" indent="0">
               <a:buNone/>
-              <a:defRPr sz="900"/>
+              <a:defRPr sz="1000"/>
             </a:lvl8pPr>
             <a:lvl9pPr marL="3657600" indent="0">
               <a:buNone/>
-              <a:defRPr sz="900"/>
+              <a:defRPr sz="1000"/>
             </a:lvl9pPr>
           </a:lstStyle>
           <a:p>
@@ -751,7 +921,7 @@
       </p:sp>
       <p:sp>
         <p:nvSpPr>
-          <p:cNvPr id="4" name="Date Placeholder 3"/>
+          <p:cNvPr id="5" name="Date Placeholder 4"/>
           <p:cNvSpPr>
             <a:spLocks noGrp="1"/>
           </p:cNvSpPr>
@@ -764,9 +934,9 @@
           <a:bodyPr/>
           <a:lstStyle/>
           <a:p>
-            <a:fld id="{4509A250-FF31-4206-8172-F9D3106AACB1}" type="datetimeFigureOut">
+            <a:fld id="{48A87A34-81AB-432B-8DAE-1953F412C126}" type="datetimeFigureOut">
               <a:rPr lang="en-US" dirty="0"/>
-              <a:t>5/31/2021</a:t>
+              <a:t>6/5/2021</a:t>
             </a:fld>
             <a:endParaRPr lang="en-US" dirty="0"/>
           </a:p>
@@ -774,7 +944,7 @@
       </p:sp>
       <p:sp>
         <p:nvSpPr>
-          <p:cNvPr id="5" name="Footer Placeholder 4"/>
+          <p:cNvPr id="6" name="Footer Placeholder 5"/>
           <p:cNvSpPr>
             <a:spLocks noGrp="1"/>
           </p:cNvSpPr>
@@ -793,7 +963,7 @@
       </p:sp>
       <p:sp>
         <p:nvSpPr>
-          <p:cNvPr id="6" name="Slide Number Placeholder 5"/>
+          <p:cNvPr id="7" name="Slide Number Placeholder 6"/>
           <p:cNvSpPr>
             <a:spLocks noGrp="1"/>
           </p:cNvSpPr>
@@ -806,7 +976,7 @@
           <a:bodyPr/>
           <a:lstStyle/>
           <a:p>
-            <a:fld id="{D57F1E4F-1CFF-5643-939E-02111984F565}" type="slidenum">
+            <a:fld id="{6D22F896-40B5-4ADD-8801-0D06FADFA095}" type="slidenum">
               <a:rPr lang="en-US" dirty="0"/>
               <a:t>‹#›</a:t>
             </a:fld>
@@ -839,6 +1009,36 @@
           <a:chExt cx="0" cy="0"/>
         </a:xfrm>
       </p:grpSpPr>
+      <p:pic>
+        <p:nvPicPr>
+          <p:cNvPr id="11" name="Picture 10" descr="Droplets-HD-Content-R1d.png"/>
+          <p:cNvPicPr>
+            <a:picLocks noChangeAspect="1"/>
+          </p:cNvPicPr>
+          <p:nvPr/>
+        </p:nvPicPr>
+        <p:blipFill>
+          <a:blip r:embed="rId2">
+            <a:extLst>
+              <a:ext uri="{28A0092B-C50C-407E-A947-70E740481C1C}">
+                <a14:useLocalDpi xmlns:a14="http://schemas.microsoft.com/office/drawing/2010/main" val="0"/>
+              </a:ext>
+            </a:extLst>
+          </a:blip>
+          <a:stretch>
+            <a:fillRect/>
+          </a:stretch>
+        </p:blipFill>
+        <p:spPr>
+          <a:xfrm>
+            <a:off x="0" y="0"/>
+            <a:ext cx="12192000" cy="6858000"/>
+          </a:xfrm>
+          <a:prstGeom prst="rect">
+            <a:avLst/>
+          </a:prstGeom>
+        </p:spPr>
+      </p:pic>
       <p:sp>
         <p:nvSpPr>
           <p:cNvPr id="2" name="Title 1"/>
@@ -851,15 +1051,15 @@
         </p:nvSpPr>
         <p:spPr>
           <a:xfrm>
-            <a:off x="1574801" y="1447800"/>
-            <a:ext cx="7999315" cy="2323374"/>
-          </a:xfrm>
-        </p:spPr>
-        <p:txBody>
-          <a:bodyPr/>
+            <a:off x="1446212" y="609600"/>
+            <a:ext cx="9302752" cy="2992904"/>
+          </a:xfrm>
+        </p:spPr>
+        <p:txBody>
+          <a:bodyPr anchor="ctr"/>
           <a:lstStyle>
             <a:lvl1pPr>
-              <a:defRPr sz="4800"/>
+              <a:defRPr sz="3200"/>
             </a:lvl1pPr>
           </a:lstStyle>
           <a:p>
@@ -873,76 +1073,64 @@
       </p:sp>
       <p:sp>
         <p:nvSpPr>
-          <p:cNvPr id="11" name="Text Placeholder 3"/>
-          <p:cNvSpPr>
-            <a:spLocks noGrp="1"/>
-          </p:cNvSpPr>
-          <p:nvPr>
-            <p:ph type="body" sz="half" idx="14"/>
-          </p:nvPr>
-        </p:nvSpPr>
-        <p:spPr>
-          <a:xfrm>
-            <a:off x="1930400" y="3771174"/>
-            <a:ext cx="7279649" cy="342174"/>
-          </a:xfrm>
-        </p:spPr>
-        <p:txBody>
-          <a:bodyPr vert="horz" lIns="91440" tIns="45720" rIns="91440" bIns="45720" rtlCol="0" anchor="t">
+          <p:cNvPr id="12" name="Text Placeholder 3"/>
+          <p:cNvSpPr>
+            <a:spLocks noGrp="1"/>
+          </p:cNvSpPr>
+          <p:nvPr>
+            <p:ph type="body" sz="half" idx="13"/>
+          </p:nvPr>
+        </p:nvSpPr>
+        <p:spPr>
+          <a:xfrm>
+            <a:off x="1720644" y="3610032"/>
+            <a:ext cx="8752299" cy="594788"/>
+          </a:xfrm>
+        </p:spPr>
+        <p:txBody>
+          <a:bodyPr anchor="t">
             <a:normAutofit/>
           </a:bodyPr>
           <a:lstStyle>
             <a:lvl1pPr marL="0" indent="0">
               <a:buNone/>
-              <a:defRPr lang="en-US" sz="1400" b="0" i="0" kern="1200" cap="small" dirty="0">
-                <a:solidFill>
-                  <a:schemeClr val="bg2">
-                    <a:lumMod val="40000"/>
-                    <a:lumOff val="60000"/>
-                  </a:schemeClr>
-                </a:solidFill>
-                <a:latin typeface="+mj-lt"/>
-                <a:ea typeface="+mj-ea"/>
-                <a:cs typeface="+mj-cs"/>
-              </a:defRPr>
+              <a:defRPr sz="1400"/>
             </a:lvl1pPr>
             <a:lvl2pPr marL="457200" indent="0">
               <a:buNone/>
-              <a:defRPr sz="1200"/>
+              <a:defRPr sz="1400"/>
             </a:lvl2pPr>
             <a:lvl3pPr marL="914400" indent="0">
               <a:buNone/>
-              <a:defRPr sz="1000"/>
+              <a:defRPr sz="1200"/>
             </a:lvl3pPr>
             <a:lvl4pPr marL="1371600" indent="0">
               <a:buNone/>
-              <a:defRPr sz="900"/>
+              <a:defRPr sz="1000"/>
             </a:lvl4pPr>
             <a:lvl5pPr marL="1828800" indent="0">
               <a:buNone/>
-              <a:defRPr sz="900"/>
+              <a:defRPr sz="1000"/>
             </a:lvl5pPr>
             <a:lvl6pPr marL="2286000" indent="0">
               <a:buNone/>
-              <a:defRPr sz="900"/>
+              <a:defRPr sz="1000"/>
             </a:lvl6pPr>
             <a:lvl7pPr marL="2743200" indent="0">
               <a:buNone/>
-              <a:defRPr sz="900"/>
+              <a:defRPr sz="1000"/>
             </a:lvl7pPr>
             <a:lvl8pPr marL="3200400" indent="0">
               <a:buNone/>
-              <a:defRPr sz="900"/>
+              <a:defRPr sz="1000"/>
             </a:lvl8pPr>
             <a:lvl9pPr marL="3657600" indent="0">
               <a:buNone/>
-              <a:defRPr sz="900"/>
+              <a:defRPr sz="1000"/>
             </a:lvl9pPr>
           </a:lstStyle>
           <a:p>
-            <a:pPr marL="0" lvl="0" indent="0">
-              <a:buNone/>
-            </a:pPr>
+            <a:pPr lvl="0"/>
             <a:r>
               <a:rPr lang="en-US"/>
               <a:t>Click to edit Master text styles</a:t>
@@ -952,7 +1140,7 @@
       </p:sp>
       <p:sp>
         <p:nvSpPr>
-          <p:cNvPr id="10" name="Text Placeholder 3"/>
+          <p:cNvPr id="4" name="Text Placeholder 3"/>
           <p:cNvSpPr>
             <a:spLocks noGrp="1"/>
           </p:cNvSpPr>
@@ -962,8 +1150,8 @@
         </p:nvSpPr>
         <p:spPr>
           <a:xfrm>
-            <a:off x="1154954" y="4350657"/>
-            <a:ext cx="8825659" cy="1676400"/>
+            <a:off x="913774" y="4372796"/>
+            <a:ext cx="10364452" cy="1421053"/>
           </a:xfrm>
         </p:spPr>
         <p:txBody>
@@ -971,41 +1159,41 @@
             <a:normAutofit/>
           </a:bodyPr>
           <a:lstStyle>
-            <a:lvl1pPr marL="0" indent="0">
-              <a:buNone/>
-              <a:defRPr sz="1800"/>
+            <a:lvl1pPr marL="0" indent="0" algn="ctr">
+              <a:buNone/>
+              <a:defRPr sz="1600"/>
             </a:lvl1pPr>
             <a:lvl2pPr marL="457200" indent="0">
               <a:buNone/>
-              <a:defRPr sz="1200"/>
+              <a:defRPr sz="1400"/>
             </a:lvl2pPr>
             <a:lvl3pPr marL="914400" indent="0">
               <a:buNone/>
-              <a:defRPr sz="1000"/>
+              <a:defRPr sz="1200"/>
             </a:lvl3pPr>
             <a:lvl4pPr marL="1371600" indent="0">
               <a:buNone/>
-              <a:defRPr sz="900"/>
+              <a:defRPr sz="1000"/>
             </a:lvl4pPr>
             <a:lvl5pPr marL="1828800" indent="0">
               <a:buNone/>
-              <a:defRPr sz="900"/>
+              <a:defRPr sz="1000"/>
             </a:lvl5pPr>
             <a:lvl6pPr marL="2286000" indent="0">
               <a:buNone/>
-              <a:defRPr sz="900"/>
+              <a:defRPr sz="1000"/>
             </a:lvl6pPr>
             <a:lvl7pPr marL="2743200" indent="0">
               <a:buNone/>
-              <a:defRPr sz="900"/>
+              <a:defRPr sz="1000"/>
             </a:lvl7pPr>
             <a:lvl8pPr marL="3200400" indent="0">
               <a:buNone/>
-              <a:defRPr sz="900"/>
+              <a:defRPr sz="1000"/>
             </a:lvl8pPr>
             <a:lvl9pPr marL="3657600" indent="0">
               <a:buNone/>
-              <a:defRPr sz="900"/>
+              <a:defRPr sz="1000"/>
             </a:lvl9pPr>
           </a:lstStyle>
           <a:p>
@@ -1019,7 +1207,7 @@
       </p:sp>
       <p:sp>
         <p:nvSpPr>
-          <p:cNvPr id="4" name="Date Placeholder 3"/>
+          <p:cNvPr id="5" name="Date Placeholder 4"/>
           <p:cNvSpPr>
             <a:spLocks noGrp="1"/>
           </p:cNvSpPr>
@@ -1032,9 +1220,9 @@
           <a:bodyPr/>
           <a:lstStyle/>
           <a:p>
-            <a:fld id="{4509A250-FF31-4206-8172-F9D3106AACB1}" type="datetimeFigureOut">
+            <a:fld id="{48A87A34-81AB-432B-8DAE-1953F412C126}" type="datetimeFigureOut">
               <a:rPr lang="en-US" dirty="0"/>
-              <a:t>5/31/2021</a:t>
+              <a:t>6/5/2021</a:t>
             </a:fld>
             <a:endParaRPr lang="en-US" dirty="0"/>
           </a:p>
@@ -1042,7 +1230,7 @@
       </p:sp>
       <p:sp>
         <p:nvSpPr>
-          <p:cNvPr id="5" name="Footer Placeholder 4"/>
+          <p:cNvPr id="6" name="Footer Placeholder 5"/>
           <p:cNvSpPr>
             <a:spLocks noGrp="1"/>
           </p:cNvSpPr>
@@ -1061,7 +1249,7 @@
       </p:sp>
       <p:sp>
         <p:nvSpPr>
-          <p:cNvPr id="6" name="Slide Number Placeholder 5"/>
+          <p:cNvPr id="7" name="Slide Number Placeholder 6"/>
           <p:cNvSpPr>
             <a:spLocks noGrp="1"/>
           </p:cNvSpPr>
@@ -1074,7 +1262,7 @@
           <a:bodyPr/>
           <a:lstStyle/>
           <a:p>
-            <a:fld id="{D57F1E4F-1CFF-5643-939E-02111984F565}" type="slidenum">
+            <a:fld id="{6D22F896-40B5-4ADD-8801-0D06FADFA095}" type="slidenum">
               <a:rPr lang="en-US" dirty="0"/>
               <a:t>‹#›</a:t>
             </a:fld>
@@ -1084,46 +1272,115 @@
       </p:sp>
       <p:sp>
         <p:nvSpPr>
-          <p:cNvPr id="12" name="TextBox 11"/>
+          <p:cNvPr id="13" name="TextBox 12"/>
           <p:cNvSpPr txBox="1"/>
           <p:nvPr/>
         </p:nvSpPr>
         <p:spPr>
           <a:xfrm>
-            <a:off x="898295" y="971253"/>
-            <a:ext cx="801912" cy="1969770"/>
+            <a:off x="1001488" y="754166"/>
+            <a:ext cx="609600" cy="584776"/>
           </a:xfrm>
           <a:prstGeom prst="rect">
             <a:avLst/>
           </a:prstGeom>
-          <a:noFill/>
-        </p:spPr>
-        <p:txBody>
-          <a:bodyPr wrap="square" rtlCol="0">
-            <a:spAutoFit/>
+        </p:spPr>
+        <p:txBody>
+          <a:bodyPr vert="horz" lIns="91440" tIns="45720" rIns="91440" bIns="45720" rtlCol="0" anchor="ctr">
+            <a:noAutofit/>
           </a:bodyPr>
           <a:lstStyle>
-            <a:defPPr>
-              <a:defRPr lang="en-US"/>
-            </a:defPPr>
-            <a:lvl1pPr algn="r">
-              <a:defRPr sz="12200" b="0" i="0">
-                <a:solidFill>
-                  <a:schemeClr val="bg2">
-                    <a:lumMod val="40000"/>
-                    <a:lumOff val="60000"/>
-                  </a:schemeClr>
-                </a:solidFill>
-                <a:latin typeface="Arial"/>
-                <a:ea typeface="+mj-ea"/>
-                <a:cs typeface="+mj-cs"/>
+            <a:lvl1pPr>
+              <a:spcBef>
+                <a:spcPct val="0"/>
+              </a:spcBef>
+              <a:buNone/>
+              <a:defRPr sz="3200" b="0" cap="all">
+                <a:ln w="3175" cmpd="sng">
+                  <a:noFill/>
+                </a:ln>
+                <a:effectLst>
+                  <a:glow rad="38100">
+                    <a:schemeClr val="bg1">
+                      <a:lumMod val="65000"/>
+                      <a:lumOff val="35000"/>
+                      <a:alpha val="40000"/>
+                    </a:schemeClr>
+                  </a:glow>
+                  <a:outerShdw blurRad="28575" dist="38100" dir="14040000" algn="tl" rotWithShape="0">
+                    <a:srgbClr val="000000">
+                      <a:alpha val="25000"/>
+                    </a:srgbClr>
+                  </a:outerShdw>
+                </a:effectLst>
               </a:defRPr>
             </a:lvl1pPr>
+            <a:lvl2pPr>
+              <a:defRPr>
+                <a:solidFill>
+                  <a:schemeClr val="tx2"/>
+                </a:solidFill>
+              </a:defRPr>
+            </a:lvl2pPr>
+            <a:lvl3pPr>
+              <a:defRPr>
+                <a:solidFill>
+                  <a:schemeClr val="tx2"/>
+                </a:solidFill>
+              </a:defRPr>
+            </a:lvl3pPr>
+            <a:lvl4pPr>
+              <a:defRPr>
+                <a:solidFill>
+                  <a:schemeClr val="tx2"/>
+                </a:solidFill>
+              </a:defRPr>
+            </a:lvl4pPr>
+            <a:lvl5pPr>
+              <a:defRPr>
+                <a:solidFill>
+                  <a:schemeClr val="tx2"/>
+                </a:solidFill>
+              </a:defRPr>
+            </a:lvl5pPr>
+            <a:lvl6pPr>
+              <a:defRPr>
+                <a:solidFill>
+                  <a:schemeClr val="tx2"/>
+                </a:solidFill>
+              </a:defRPr>
+            </a:lvl6pPr>
+            <a:lvl7pPr>
+              <a:defRPr>
+                <a:solidFill>
+                  <a:schemeClr val="tx2"/>
+                </a:solidFill>
+              </a:defRPr>
+            </a:lvl7pPr>
+            <a:lvl8pPr>
+              <a:defRPr>
+                <a:solidFill>
+                  <a:schemeClr val="tx2"/>
+                </a:solidFill>
+              </a:defRPr>
+            </a:lvl8pPr>
+            <a:lvl9pPr>
+              <a:defRPr>
+                <a:solidFill>
+                  <a:schemeClr val="tx2"/>
+                </a:solidFill>
+              </a:defRPr>
+            </a:lvl9pPr>
           </a:lstStyle>
           <a:p>
             <a:pPr lvl="0"/>
             <a:r>
-              <a:rPr lang="en-US" dirty="0"/>
+              <a:rPr lang="en-US" sz="8000" dirty="0">
+                <a:solidFill>
+                  <a:schemeClr val="tx1"/>
+                </a:solidFill>
+                <a:effectLst/>
+              </a:rPr>
               <a:t>“</a:t>
             </a:r>
           </a:p>
@@ -1131,46 +1388,115 @@
       </p:sp>
       <p:sp>
         <p:nvSpPr>
-          <p:cNvPr id="15" name="TextBox 14"/>
+          <p:cNvPr id="14" name="TextBox 13"/>
           <p:cNvSpPr txBox="1"/>
           <p:nvPr/>
         </p:nvSpPr>
         <p:spPr>
           <a:xfrm>
-            <a:off x="9330490" y="2613787"/>
-            <a:ext cx="801912" cy="1969770"/>
+            <a:off x="10557558" y="2993578"/>
+            <a:ext cx="609600" cy="584776"/>
           </a:xfrm>
           <a:prstGeom prst="rect">
             <a:avLst/>
           </a:prstGeom>
-          <a:noFill/>
-        </p:spPr>
-        <p:txBody>
-          <a:bodyPr wrap="square" rtlCol="0">
-            <a:spAutoFit/>
+        </p:spPr>
+        <p:txBody>
+          <a:bodyPr vert="horz" lIns="91440" tIns="45720" rIns="91440" bIns="45720" rtlCol="0" anchor="ctr">
+            <a:noAutofit/>
           </a:bodyPr>
           <a:lstStyle>
-            <a:defPPr>
-              <a:defRPr lang="en-US"/>
-            </a:defPPr>
-            <a:lvl1pPr algn="r">
-              <a:defRPr sz="12200" b="0" i="0">
-                <a:solidFill>
-                  <a:schemeClr val="bg2">
-                    <a:lumMod val="40000"/>
-                    <a:lumOff val="60000"/>
-                  </a:schemeClr>
-                </a:solidFill>
-                <a:latin typeface="Arial"/>
-                <a:ea typeface="+mj-ea"/>
-                <a:cs typeface="+mj-cs"/>
+            <a:lvl1pPr>
+              <a:spcBef>
+                <a:spcPct val="0"/>
+              </a:spcBef>
+              <a:buNone/>
+              <a:defRPr sz="3200" b="0" cap="all">
+                <a:ln w="3175" cmpd="sng">
+                  <a:noFill/>
+                </a:ln>
+                <a:effectLst>
+                  <a:glow rad="38100">
+                    <a:schemeClr val="bg1">
+                      <a:lumMod val="65000"/>
+                      <a:lumOff val="35000"/>
+                      <a:alpha val="40000"/>
+                    </a:schemeClr>
+                  </a:glow>
+                  <a:outerShdw blurRad="28575" dist="38100" dir="14040000" algn="tl" rotWithShape="0">
+                    <a:srgbClr val="000000">
+                      <a:alpha val="25000"/>
+                    </a:srgbClr>
+                  </a:outerShdw>
+                </a:effectLst>
               </a:defRPr>
             </a:lvl1pPr>
+            <a:lvl2pPr>
+              <a:defRPr>
+                <a:solidFill>
+                  <a:schemeClr val="tx2"/>
+                </a:solidFill>
+              </a:defRPr>
+            </a:lvl2pPr>
+            <a:lvl3pPr>
+              <a:defRPr>
+                <a:solidFill>
+                  <a:schemeClr val="tx2"/>
+                </a:solidFill>
+              </a:defRPr>
+            </a:lvl3pPr>
+            <a:lvl4pPr>
+              <a:defRPr>
+                <a:solidFill>
+                  <a:schemeClr val="tx2"/>
+                </a:solidFill>
+              </a:defRPr>
+            </a:lvl4pPr>
+            <a:lvl5pPr>
+              <a:defRPr>
+                <a:solidFill>
+                  <a:schemeClr val="tx2"/>
+                </a:solidFill>
+              </a:defRPr>
+            </a:lvl5pPr>
+            <a:lvl6pPr>
+              <a:defRPr>
+                <a:solidFill>
+                  <a:schemeClr val="tx2"/>
+                </a:solidFill>
+              </a:defRPr>
+            </a:lvl6pPr>
+            <a:lvl7pPr>
+              <a:defRPr>
+                <a:solidFill>
+                  <a:schemeClr val="tx2"/>
+                </a:solidFill>
+              </a:defRPr>
+            </a:lvl7pPr>
+            <a:lvl8pPr>
+              <a:defRPr>
+                <a:solidFill>
+                  <a:schemeClr val="tx2"/>
+                </a:solidFill>
+              </a:defRPr>
+            </a:lvl8pPr>
+            <a:lvl9pPr>
+              <a:defRPr>
+                <a:solidFill>
+                  <a:schemeClr val="tx2"/>
+                </a:solidFill>
+              </a:defRPr>
+            </a:lvl9pPr>
           </a:lstStyle>
           <a:p>
-            <a:pPr lvl="0"/>
-            <a:r>
-              <a:rPr lang="en-US" dirty="0"/>
+            <a:pPr lvl="0" algn="r"/>
+            <a:r>
+              <a:rPr lang="en-US" sz="8000" dirty="0">
+                <a:solidFill>
+                  <a:schemeClr val="tx1"/>
+                </a:solidFill>
+                <a:effectLst/>
+              </a:rPr>
               <a:t>”</a:t>
             </a:r>
           </a:p>
@@ -1201,6 +1527,36 @@
           <a:chExt cx="0" cy="0"/>
         </a:xfrm>
       </p:grpSpPr>
+      <p:pic>
+        <p:nvPicPr>
+          <p:cNvPr id="8" name="Picture 7" descr="Droplets-HD-Content-R1d.png"/>
+          <p:cNvPicPr>
+            <a:picLocks noChangeAspect="1"/>
+          </p:cNvPicPr>
+          <p:nvPr/>
+        </p:nvPicPr>
+        <p:blipFill>
+          <a:blip r:embed="rId2">
+            <a:extLst>
+              <a:ext uri="{28A0092B-C50C-407E-A947-70E740481C1C}">
+                <a14:useLocalDpi xmlns:a14="http://schemas.microsoft.com/office/drawing/2010/main" val="0"/>
+              </a:ext>
+            </a:extLst>
+          </a:blip>
+          <a:stretch>
+            <a:fillRect/>
+          </a:stretch>
+        </p:blipFill>
+        <p:spPr>
+          <a:xfrm>
+            <a:off x="0" y="0"/>
+            <a:ext cx="12192000" cy="6858000"/>
+          </a:xfrm>
+          <a:prstGeom prst="rect">
+            <a:avLst/>
+          </a:prstGeom>
+        </p:spPr>
+      </p:pic>
       <p:sp>
         <p:nvSpPr>
           <p:cNvPr id="2" name="Title 1"/>
@@ -1213,15 +1569,15 @@
         </p:nvSpPr>
         <p:spPr>
           <a:xfrm>
-            <a:off x="1154954" y="3124201"/>
-            <a:ext cx="8825660" cy="1653180"/>
+            <a:off x="913775" y="2138721"/>
+            <a:ext cx="10364452" cy="2511835"/>
           </a:xfrm>
         </p:spPr>
         <p:txBody>
           <a:bodyPr anchor="b"/>
           <a:lstStyle>
-            <a:lvl1pPr algn="l">
-              <a:defRPr sz="4000" b="0" cap="none"/>
+            <a:lvl1pPr algn="ctr">
+              <a:defRPr sz="3200"/>
             </a:lvl1pPr>
           </a:lstStyle>
           <a:p>
@@ -1235,113 +1591,58 @@
       </p:sp>
       <p:sp>
         <p:nvSpPr>
-          <p:cNvPr id="3" name="Text Placeholder 2"/>
-          <p:cNvSpPr>
-            <a:spLocks noGrp="1"/>
-          </p:cNvSpPr>
-          <p:nvPr>
-            <p:ph type="body" idx="1"/>
-          </p:nvPr>
-        </p:nvSpPr>
-        <p:spPr>
-          <a:xfrm>
-            <a:off x="1154954" y="4777381"/>
-            <a:ext cx="8825659" cy="860400"/>
+          <p:cNvPr id="4" name="Text Placeholder 3"/>
+          <p:cNvSpPr>
+            <a:spLocks noGrp="1"/>
+          </p:cNvSpPr>
+          <p:nvPr>
+            <p:ph type="body" sz="half" idx="2"/>
+          </p:nvPr>
+        </p:nvSpPr>
+        <p:spPr>
+          <a:xfrm>
+            <a:off x="913775" y="4662335"/>
+            <a:ext cx="10364452" cy="1140644"/>
           </a:xfrm>
         </p:spPr>
         <p:txBody>
           <a:bodyPr anchor="t"/>
           <a:lstStyle>
-            <a:lvl1pPr marL="0" indent="0" algn="l">
-              <a:buNone/>
-              <a:defRPr sz="2000" cap="none">
-                <a:solidFill>
-                  <a:schemeClr val="bg2">
-                    <a:lumMod val="40000"/>
-                    <a:lumOff val="60000"/>
-                  </a:schemeClr>
-                </a:solidFill>
-              </a:defRPr>
+            <a:lvl1pPr marL="0" indent="0" algn="ctr">
+              <a:buNone/>
+              <a:defRPr sz="1600"/>
             </a:lvl1pPr>
             <a:lvl2pPr marL="457200" indent="0">
               <a:buNone/>
-              <a:defRPr sz="1800">
-                <a:solidFill>
-                  <a:schemeClr val="tx1">
-                    <a:tint val="75000"/>
-                  </a:schemeClr>
-                </a:solidFill>
-              </a:defRPr>
+              <a:defRPr sz="1400"/>
             </a:lvl2pPr>
             <a:lvl3pPr marL="914400" indent="0">
               <a:buNone/>
-              <a:defRPr sz="1600">
-                <a:solidFill>
-                  <a:schemeClr val="tx1">
-                    <a:tint val="75000"/>
-                  </a:schemeClr>
-                </a:solidFill>
-              </a:defRPr>
+              <a:defRPr sz="1200"/>
             </a:lvl3pPr>
             <a:lvl4pPr marL="1371600" indent="0">
               <a:buNone/>
-              <a:defRPr sz="1400">
-                <a:solidFill>
-                  <a:schemeClr val="tx1">
-                    <a:tint val="75000"/>
-                  </a:schemeClr>
-                </a:solidFill>
-              </a:defRPr>
+              <a:defRPr sz="1000"/>
             </a:lvl4pPr>
             <a:lvl5pPr marL="1828800" indent="0">
               <a:buNone/>
-              <a:defRPr sz="1400">
-                <a:solidFill>
-                  <a:schemeClr val="tx1">
-                    <a:tint val="75000"/>
-                  </a:schemeClr>
-                </a:solidFill>
-              </a:defRPr>
+              <a:defRPr sz="1000"/>
             </a:lvl5pPr>
             <a:lvl6pPr marL="2286000" indent="0">
               <a:buNone/>
-              <a:defRPr sz="1400">
-                <a:solidFill>
-                  <a:schemeClr val="tx1">
-                    <a:tint val="75000"/>
-                  </a:schemeClr>
-                </a:solidFill>
-              </a:defRPr>
+              <a:defRPr sz="1000"/>
             </a:lvl6pPr>
             <a:lvl7pPr marL="2743200" indent="0">
               <a:buNone/>
-              <a:defRPr sz="1400">
-                <a:solidFill>
-                  <a:schemeClr val="tx1">
-                    <a:tint val="75000"/>
-                  </a:schemeClr>
-                </a:solidFill>
-              </a:defRPr>
+              <a:defRPr sz="1000"/>
             </a:lvl7pPr>
             <a:lvl8pPr marL="3200400" indent="0">
               <a:buNone/>
-              <a:defRPr sz="1400">
-                <a:solidFill>
-                  <a:schemeClr val="tx1">
-                    <a:tint val="75000"/>
-                  </a:schemeClr>
-                </a:solidFill>
-              </a:defRPr>
+              <a:defRPr sz="1000"/>
             </a:lvl8pPr>
             <a:lvl9pPr marL="3657600" indent="0">
               <a:buNone/>
-              <a:defRPr sz="1400">
-                <a:solidFill>
-                  <a:schemeClr val="tx1">
-                    <a:tint val="75000"/>
-                  </a:schemeClr>
-                </a:solidFill>
-              </a:defRPr>
+              <a:defRPr sz="1000"/>
             </a:lvl9pPr>
           </a:lstStyle>
           <a:p>
@@ -1355,7 +1656,7 @@
       </p:sp>
       <p:sp>
         <p:nvSpPr>
-          <p:cNvPr id="4" name="Date Placeholder 3"/>
+          <p:cNvPr id="5" name="Date Placeholder 4"/>
           <p:cNvSpPr>
             <a:spLocks noGrp="1"/>
           </p:cNvSpPr>
@@ -1368,9 +1669,9 @@
           <a:bodyPr/>
           <a:lstStyle/>
           <a:p>
-            <a:fld id="{4509A250-FF31-4206-8172-F9D3106AACB1}" type="datetimeFigureOut">
+            <a:fld id="{48A87A34-81AB-432B-8DAE-1953F412C126}" type="datetimeFigureOut">
               <a:rPr lang="en-US" dirty="0"/>
-              <a:t>5/31/2021</a:t>
+              <a:t>6/5/2021</a:t>
             </a:fld>
             <a:endParaRPr lang="en-US" dirty="0"/>
           </a:p>
@@ -1378,7 +1679,7 @@
       </p:sp>
       <p:sp>
         <p:nvSpPr>
-          <p:cNvPr id="5" name="Footer Placeholder 4"/>
+          <p:cNvPr id="6" name="Footer Placeholder 5"/>
           <p:cNvSpPr>
             <a:spLocks noGrp="1"/>
           </p:cNvSpPr>
@@ -1397,7 +1698,7 @@
       </p:sp>
       <p:sp>
         <p:nvSpPr>
-          <p:cNvPr id="6" name="Slide Number Placeholder 5"/>
+          <p:cNvPr id="7" name="Slide Number Placeholder 6"/>
           <p:cNvSpPr>
             <a:spLocks noGrp="1"/>
           </p:cNvSpPr>
@@ -1410,7 +1711,7 @@
           <a:bodyPr/>
           <a:lstStyle/>
           <a:p>
-            <a:fld id="{D57F1E4F-1CFF-5643-939E-02111984F565}" type="slidenum">
+            <a:fld id="{6D22F896-40B5-4ADD-8801-0D06FADFA095}" type="slidenum">
               <a:rPr lang="en-US" dirty="0"/>
               <a:t>‹#›</a:t>
             </a:fld>
@@ -1443,9 +1744,39 @@
           <a:chExt cx="0" cy="0"/>
         </a:xfrm>
       </p:grpSpPr>
-      <p:sp>
-        <p:nvSpPr>
-          <p:cNvPr id="2" name="Title 1"/>
+      <p:pic>
+        <p:nvPicPr>
+          <p:cNvPr id="13" name="Picture 12" descr="Droplets-HD-Content-R1d.png"/>
+          <p:cNvPicPr>
+            <a:picLocks noChangeAspect="1"/>
+          </p:cNvPicPr>
+          <p:nvPr/>
+        </p:nvPicPr>
+        <p:blipFill>
+          <a:blip r:embed="rId2">
+            <a:extLst>
+              <a:ext uri="{28A0092B-C50C-407E-A947-70E740481C1C}">
+                <a14:useLocalDpi xmlns:a14="http://schemas.microsoft.com/office/drawing/2010/main" val="0"/>
+              </a:ext>
+            </a:extLst>
+          </a:blip>
+          <a:stretch>
+            <a:fillRect/>
+          </a:stretch>
+        </p:blipFill>
+        <p:spPr>
+          <a:xfrm>
+            <a:off x="0" y="0"/>
+            <a:ext cx="12192000" cy="6858000"/>
+          </a:xfrm>
+          <a:prstGeom prst="rect">
+            <a:avLst/>
+          </a:prstGeom>
+        </p:spPr>
+      </p:pic>
+      <p:sp>
+        <p:nvSpPr>
+          <p:cNvPr id="15" name="Title 1"/>
           <p:cNvSpPr>
             <a:spLocks noGrp="1"/>
           </p:cNvSpPr>
@@ -1453,14 +1784,15 @@
             <p:ph type="title"/>
           </p:nvPr>
         </p:nvSpPr>
-        <p:spPr/>
+        <p:spPr>
+          <a:xfrm>
+            <a:off x="913774" y="609600"/>
+            <a:ext cx="10364452" cy="1605094"/>
+          </a:xfrm>
+        </p:spPr>
         <p:txBody>
           <a:bodyPr/>
-          <a:lstStyle>
-            <a:lvl1pPr>
-              <a:defRPr sz="4200"/>
-            </a:lvl1pPr>
-          </a:lstStyle>
+          <a:lstStyle/>
           <a:p>
             <a:r>
               <a:rPr lang="en-US"/>
@@ -1472,7 +1804,7 @@
       </p:sp>
       <p:sp>
         <p:nvSpPr>
-          <p:cNvPr id="3" name="Text Placeholder 2"/>
+          <p:cNvPr id="7" name="Text Placeholder 2"/>
           <p:cNvSpPr>
             <a:spLocks noGrp="1"/>
           </p:cNvSpPr>
@@ -1482,8 +1814,8 @@
         </p:nvSpPr>
         <p:spPr>
           <a:xfrm>
-            <a:off x="632947" y="1981200"/>
-            <a:ext cx="2946866" cy="576262"/>
+            <a:off x="913774" y="2367093"/>
+            <a:ext cx="3298976" cy="576262"/>
           </a:xfrm>
         </p:spPr>
         <p:txBody>
@@ -1491,14 +1823,14 @@
             <a:noAutofit/>
           </a:bodyPr>
           <a:lstStyle>
-            <a:lvl1pPr marL="0" indent="0">
+            <a:lvl1pPr marL="0" indent="0" algn="ctr">
+              <a:lnSpc>
+                <a:spcPct val="85000"/>
+              </a:lnSpc>
               <a:buNone/>
               <a:defRPr sz="2400" b="0">
                 <a:solidFill>
-                  <a:schemeClr val="bg2">
-                    <a:lumMod val="40000"/>
-                    <a:lumOff val="60000"/>
-                  </a:schemeClr>
+                  <a:schemeClr val="tx1"/>
                 </a:solidFill>
               </a:defRPr>
             </a:lvl1pPr>
@@ -1546,7 +1878,7 @@
       </p:sp>
       <p:sp>
         <p:nvSpPr>
-          <p:cNvPr id="16" name="Text Placeholder 3"/>
+          <p:cNvPr id="8" name="Text Placeholder 3"/>
           <p:cNvSpPr>
             <a:spLocks noGrp="1"/>
           </p:cNvSpPr>
@@ -1556,8 +1888,8 @@
         </p:nvSpPr>
         <p:spPr>
           <a:xfrm>
-            <a:off x="652463" y="2667000"/>
-            <a:ext cx="2927350" cy="3589338"/>
+            <a:off x="913774" y="2943355"/>
+            <a:ext cx="3298976" cy="2847845"/>
           </a:xfrm>
         </p:spPr>
         <p:txBody>
@@ -1565,7 +1897,7 @@
             <a:normAutofit/>
           </a:bodyPr>
           <a:lstStyle>
-            <a:lvl1pPr marL="0" indent="0">
+            <a:lvl1pPr marL="0" indent="0" algn="ctr">
               <a:buNone/>
               <a:defRPr sz="1400"/>
             </a:lvl1pPr>
@@ -1613,7 +1945,7 @@
       </p:sp>
       <p:sp>
         <p:nvSpPr>
-          <p:cNvPr id="5" name="Text Placeholder 4"/>
+          <p:cNvPr id="9" name="Text Placeholder 4"/>
           <p:cNvSpPr>
             <a:spLocks noGrp="1"/>
           </p:cNvSpPr>
@@ -1623,8 +1955,8 @@
         </p:nvSpPr>
         <p:spPr>
           <a:xfrm>
-            <a:off x="3883659" y="1981200"/>
-            <a:ext cx="2936241" cy="576262"/>
+            <a:off x="4452389" y="2367093"/>
+            <a:ext cx="3291521" cy="576262"/>
           </a:xfrm>
         </p:spPr>
         <p:txBody>
@@ -1632,14 +1964,14 @@
             <a:noAutofit/>
           </a:bodyPr>
           <a:lstStyle>
-            <a:lvl1pPr marL="0" indent="0">
+            <a:lvl1pPr marL="0" indent="0" algn="ctr">
+              <a:lnSpc>
+                <a:spcPct val="85000"/>
+              </a:lnSpc>
               <a:buNone/>
               <a:defRPr sz="2400" b="0">
                 <a:solidFill>
-                  <a:schemeClr val="bg2">
-                    <a:lumMod val="40000"/>
-                    <a:lumOff val="60000"/>
-                  </a:schemeClr>
+                  <a:schemeClr val="tx1"/>
                 </a:solidFill>
               </a:defRPr>
             </a:lvl1pPr>
@@ -1687,7 +2019,7 @@
       </p:sp>
       <p:sp>
         <p:nvSpPr>
-          <p:cNvPr id="19" name="Text Placeholder 3"/>
+          <p:cNvPr id="10" name="Text Placeholder 3"/>
           <p:cNvSpPr>
             <a:spLocks noGrp="1"/>
           </p:cNvSpPr>
@@ -1697,8 +2029,8 @@
         </p:nvSpPr>
         <p:spPr>
           <a:xfrm>
-            <a:off x="3873106" y="2667000"/>
-            <a:ext cx="2946794" cy="3589338"/>
+            <a:off x="4441348" y="2943355"/>
+            <a:ext cx="3303351" cy="2847845"/>
           </a:xfrm>
         </p:spPr>
         <p:txBody>
@@ -1706,7 +2038,7 @@
             <a:normAutofit/>
           </a:bodyPr>
           <a:lstStyle>
-            <a:lvl1pPr marL="0" indent="0">
+            <a:lvl1pPr marL="0" indent="0" algn="ctr">
               <a:buNone/>
               <a:defRPr sz="1400"/>
             </a:lvl1pPr>
@@ -1754,7 +2086,7 @@
       </p:sp>
       <p:sp>
         <p:nvSpPr>
-          <p:cNvPr id="14" name="Text Placeholder 4"/>
+          <p:cNvPr id="11" name="Text Placeholder 4"/>
           <p:cNvSpPr>
             <a:spLocks noGrp="1"/>
           </p:cNvSpPr>
@@ -1764,8 +2096,8 @@
         </p:nvSpPr>
         <p:spPr>
           <a:xfrm>
-            <a:off x="7124700" y="1981200"/>
-            <a:ext cx="2932113" cy="576262"/>
+            <a:off x="7973298" y="2367093"/>
+            <a:ext cx="3304928" cy="576262"/>
           </a:xfrm>
         </p:spPr>
         <p:txBody>
@@ -1773,14 +2105,14 @@
             <a:noAutofit/>
           </a:bodyPr>
           <a:lstStyle>
-            <a:lvl1pPr marL="0" indent="0">
+            <a:lvl1pPr marL="0" indent="0" algn="ctr">
+              <a:lnSpc>
+                <a:spcPct val="85000"/>
+              </a:lnSpc>
               <a:buNone/>
               <a:defRPr sz="2400" b="0">
                 <a:solidFill>
-                  <a:schemeClr val="bg2">
-                    <a:lumMod val="40000"/>
-                    <a:lumOff val="60000"/>
-                  </a:schemeClr>
+                  <a:schemeClr val="tx1"/>
                 </a:solidFill>
               </a:defRPr>
             </a:lvl1pPr>
@@ -1828,7 +2160,7 @@
       </p:sp>
       <p:sp>
         <p:nvSpPr>
-          <p:cNvPr id="20" name="Text Placeholder 3"/>
+          <p:cNvPr id="12" name="Text Placeholder 3"/>
           <p:cNvSpPr>
             <a:spLocks noGrp="1"/>
           </p:cNvSpPr>
@@ -1838,8 +2170,8 @@
         </p:nvSpPr>
         <p:spPr>
           <a:xfrm>
-            <a:off x="7124700" y="2667000"/>
-            <a:ext cx="2932113" cy="3589338"/>
+            <a:off x="7973298" y="2943355"/>
+            <a:ext cx="3304928" cy="2847845"/>
           </a:xfrm>
         </p:spPr>
         <p:txBody>
@@ -1847,7 +2179,7 @@
             <a:normAutofit/>
           </a:bodyPr>
           <a:lstStyle>
-            <a:lvl1pPr marL="0" indent="0">
+            <a:lvl1pPr marL="0" indent="0" algn="ctr">
               <a:buNone/>
               <a:defRPr sz="1400"/>
             </a:lvl1pPr>
@@ -1893,87 +2225,9 @@
           </a:p>
         </p:txBody>
       </p:sp>
-      <p:cxnSp>
-        <p:nvCxnSpPr>
-          <p:cNvPr id="17" name="Straight Connector 16"/>
-          <p:cNvCxnSpPr/>
-          <p:nvPr/>
-        </p:nvCxnSpPr>
-        <p:spPr>
-          <a:xfrm>
-            <a:off x="3726142" y="2133600"/>
-            <a:ext cx="0" cy="3962400"/>
-          </a:xfrm>
-          <a:prstGeom prst="line">
-            <a:avLst/>
-          </a:prstGeom>
-          <a:ln w="12700" cmpd="sng">
-            <a:solidFill>
-              <a:schemeClr val="bg2">
-                <a:lumMod val="40000"/>
-                <a:lumOff val="60000"/>
-                <a:alpha val="40000"/>
-              </a:schemeClr>
-            </a:solidFill>
-          </a:ln>
-        </p:spPr>
-        <p:style>
-          <a:lnRef idx="2">
-            <a:schemeClr val="accent1"/>
-          </a:lnRef>
-          <a:fillRef idx="0">
-            <a:schemeClr val="accent1"/>
-          </a:fillRef>
-          <a:effectRef idx="1">
-            <a:schemeClr val="accent1"/>
-          </a:effectRef>
-          <a:fontRef idx="minor">
-            <a:schemeClr val="tx1"/>
-          </a:fontRef>
-        </p:style>
-      </p:cxnSp>
-      <p:cxnSp>
-        <p:nvCxnSpPr>
-          <p:cNvPr id="18" name="Straight Connector 17"/>
-          <p:cNvCxnSpPr/>
-          <p:nvPr/>
-        </p:nvCxnSpPr>
-        <p:spPr>
-          <a:xfrm>
-            <a:off x="6962227" y="2133600"/>
-            <a:ext cx="0" cy="3966882"/>
-          </a:xfrm>
-          <a:prstGeom prst="line">
-            <a:avLst/>
-          </a:prstGeom>
-          <a:ln w="12700" cmpd="sng">
-            <a:solidFill>
-              <a:schemeClr val="bg2">
-                <a:lumMod val="40000"/>
-                <a:lumOff val="60000"/>
-                <a:alpha val="40000"/>
-              </a:schemeClr>
-            </a:solidFill>
-          </a:ln>
-        </p:spPr>
-        <p:style>
-          <a:lnRef idx="2">
-            <a:schemeClr val="accent1"/>
-          </a:lnRef>
-          <a:fillRef idx="0">
-            <a:schemeClr val="accent1"/>
-          </a:fillRef>
-          <a:effectRef idx="1">
-            <a:schemeClr val="accent1"/>
-          </a:effectRef>
-          <a:fontRef idx="minor">
-            <a:schemeClr val="tx1"/>
-          </a:fontRef>
-        </p:style>
-      </p:cxnSp>
-      <p:sp>
-        <p:nvSpPr>
-          <p:cNvPr id="7" name="Date Placeholder 3"/>
+      <p:sp>
+        <p:nvSpPr>
+          <p:cNvPr id="3" name="Date Placeholder 2"/>
           <p:cNvSpPr>
             <a:spLocks noGrp="1"/>
           </p:cNvSpPr>
@@ -1986,9 +2240,9 @@
           <a:bodyPr/>
           <a:lstStyle/>
           <a:p>
-            <a:fld id="{4509A250-FF31-4206-8172-F9D3106AACB1}" type="datetimeFigureOut">
+            <a:fld id="{48A87A34-81AB-432B-8DAE-1953F412C126}" type="datetimeFigureOut">
               <a:rPr lang="en-US" dirty="0"/>
-              <a:t>5/31/2021</a:t>
+              <a:t>6/5/2021</a:t>
             </a:fld>
             <a:endParaRPr lang="en-US" dirty="0"/>
           </a:p>
@@ -1996,7 +2250,7 @@
       </p:sp>
       <p:sp>
         <p:nvSpPr>
-          <p:cNvPr id="4" name="Footer Placeholder 4"/>
+          <p:cNvPr id="4" name="Footer Placeholder 3"/>
           <p:cNvSpPr>
             <a:spLocks noGrp="1"/>
           </p:cNvSpPr>
@@ -2015,7 +2269,7 @@
       </p:sp>
       <p:sp>
         <p:nvSpPr>
-          <p:cNvPr id="6" name="Slide Number Placeholder 5"/>
+          <p:cNvPr id="5" name="Slide Number Placeholder 4"/>
           <p:cNvSpPr>
             <a:spLocks noGrp="1"/>
           </p:cNvSpPr>
@@ -2028,7 +2282,7 @@
           <a:bodyPr/>
           <a:lstStyle/>
           <a:p>
-            <a:fld id="{D57F1E4F-1CFF-5643-939E-02111984F565}" type="slidenum">
+            <a:fld id="{6D22F896-40B5-4ADD-8801-0D06FADFA095}" type="slidenum">
               <a:rPr lang="en-US" dirty="0"/>
               <a:t>‹#›</a:t>
             </a:fld>
@@ -2061,9 +2315,39 @@
           <a:chExt cx="0" cy="0"/>
         </a:xfrm>
       </p:grpSpPr>
-      <p:sp>
-        <p:nvSpPr>
-          <p:cNvPr id="2" name="Title 1"/>
+      <p:pic>
+        <p:nvPicPr>
+          <p:cNvPr id="16" name="Picture 15" descr="Droplets-HD-Content-R1d.png"/>
+          <p:cNvPicPr>
+            <a:picLocks noChangeAspect="1"/>
+          </p:cNvPicPr>
+          <p:nvPr/>
+        </p:nvPicPr>
+        <p:blipFill>
+          <a:blip r:embed="rId2">
+            <a:extLst>
+              <a:ext uri="{28A0092B-C50C-407E-A947-70E740481C1C}">
+                <a14:useLocalDpi xmlns:a14="http://schemas.microsoft.com/office/drawing/2010/main" val="0"/>
+              </a:ext>
+            </a:extLst>
+          </a:blip>
+          <a:stretch>
+            <a:fillRect/>
+          </a:stretch>
+        </p:blipFill>
+        <p:spPr>
+          <a:xfrm>
+            <a:off x="0" y="0"/>
+            <a:ext cx="12192000" cy="6858000"/>
+          </a:xfrm>
+          <a:prstGeom prst="rect">
+            <a:avLst/>
+          </a:prstGeom>
+        </p:spPr>
+      </p:pic>
+      <p:sp>
+        <p:nvSpPr>
+          <p:cNvPr id="30" name="Title 1"/>
           <p:cNvSpPr>
             <a:spLocks noGrp="1"/>
           </p:cNvSpPr>
@@ -2071,14 +2355,15 @@
             <p:ph type="title"/>
           </p:nvPr>
         </p:nvSpPr>
-        <p:spPr/>
+        <p:spPr>
+          <a:xfrm>
+            <a:off x="913774" y="610772"/>
+            <a:ext cx="10364452" cy="1603922"/>
+          </a:xfrm>
+        </p:spPr>
         <p:txBody>
           <a:bodyPr/>
-          <a:lstStyle>
-            <a:lvl1pPr>
-              <a:defRPr sz="4200"/>
-            </a:lvl1pPr>
-          </a:lstStyle>
+          <a:lstStyle/>
           <a:p>
             <a:r>
               <a:rPr lang="en-US"/>
@@ -2090,7 +2375,7 @@
       </p:sp>
       <p:sp>
         <p:nvSpPr>
-          <p:cNvPr id="3" name="Text Placeholder 2"/>
+          <p:cNvPr id="19" name="Text Placeholder 2"/>
           <p:cNvSpPr>
             <a:spLocks noGrp="1"/>
           </p:cNvSpPr>
@@ -2100,8 +2385,8 @@
         </p:nvSpPr>
         <p:spPr>
           <a:xfrm>
-            <a:off x="652463" y="4250949"/>
-            <a:ext cx="2940050" cy="576262"/>
+            <a:off x="913774" y="4204820"/>
+            <a:ext cx="3296409" cy="576262"/>
           </a:xfrm>
         </p:spPr>
         <p:txBody>
@@ -2109,14 +2394,14 @@
             <a:noAutofit/>
           </a:bodyPr>
           <a:lstStyle>
-            <a:lvl1pPr marL="0" indent="0">
-              <a:buNone/>
-              <a:defRPr sz="2400" b="0">
+            <a:lvl1pPr marL="0" indent="0" algn="ctr">
+              <a:lnSpc>
+                <a:spcPct val="85000"/>
+              </a:lnSpc>
+              <a:buNone/>
+              <a:defRPr sz="2200" b="0">
                 <a:solidFill>
-                  <a:schemeClr val="bg2">
-                    <a:lumMod val="40000"/>
-                    <a:lumOff val="60000"/>
-                  </a:schemeClr>
+                  <a:schemeClr val="tx1"/>
                 </a:solidFill>
               </a:defRPr>
             </a:lvl1pPr>
@@ -2164,7 +2449,7 @@
       </p:sp>
       <p:sp>
         <p:nvSpPr>
-          <p:cNvPr id="29" name="Picture Placeholder 2"/>
+          <p:cNvPr id="20" name="Picture Placeholder 2"/>
           <p:cNvSpPr>
             <a:spLocks noGrp="1" noChangeAspect="1"/>
           </p:cNvSpPr>
@@ -2174,21 +2459,34 @@
         </p:nvSpPr>
         <p:spPr>
           <a:xfrm>
-            <a:off x="652463" y="2209800"/>
-            <a:ext cx="2940050" cy="1524000"/>
+            <a:off x="913774" y="2367093"/>
+            <a:ext cx="3296409" cy="1524000"/>
           </a:xfrm>
           <a:prstGeom prst="roundRect">
             <a:avLst>
-              <a:gd name="adj" fmla="val 1858"/>
+              <a:gd name="adj" fmla="val 9363"/>
             </a:avLst>
           </a:prstGeom>
-          <a:effectLst>
-            <a:outerShdw blurRad="50800" dist="50800" dir="5400000" algn="tl" rotWithShape="0">
-              <a:srgbClr val="000000">
-                <a:alpha val="43000"/>
-              </a:srgbClr>
-            </a:outerShdw>
-          </a:effectLst>
+          <a:noFill/>
+          <a:ln w="82550" cap="sq">
+            <a:solidFill>
+              <a:srgbClr val="EAEAEA"/>
+            </a:solidFill>
+            <a:miter lim="800000"/>
+          </a:ln>
+          <a:effectLst/>
+          <a:scene3d>
+            <a:camera prst="orthographicFront"/>
+            <a:lightRig rig="threePt" dir="t">
+              <a:rot lat="0" lon="0" rev="2700000"/>
+            </a:lightRig>
+          </a:scene3d>
+          <a:sp3d contourW="6350">
+            <a:bevelT h="38100"/>
+            <a:contourClr>
+              <a:srgbClr val="C0C0C0"/>
+            </a:contourClr>
+          </a:sp3d>
         </p:spPr>
         <p:txBody>
           <a:bodyPr anchor="t">
@@ -2243,7 +2541,7 @@
       </p:sp>
       <p:sp>
         <p:nvSpPr>
-          <p:cNvPr id="22" name="Text Placeholder 3"/>
+          <p:cNvPr id="21" name="Text Placeholder 3"/>
           <p:cNvSpPr>
             <a:spLocks noGrp="1"/>
           </p:cNvSpPr>
@@ -2253,162 +2551,9 @@
         </p:nvSpPr>
         <p:spPr>
           <a:xfrm>
-            <a:off x="652463" y="4827211"/>
-            <a:ext cx="2940050" cy="659189"/>
-          </a:xfrm>
-        </p:spPr>
-        <p:txBody>
-          <a:bodyPr anchor="t">
-            <a:normAutofit/>
-          </a:bodyPr>
-          <a:lstStyle>
-            <a:lvl1pPr marL="0" indent="0">
-              <a:buNone/>
-              <a:defRPr sz="1400"/>
-            </a:lvl1pPr>
-            <a:lvl2pPr marL="457200" indent="0">
-              <a:buNone/>
-              <a:defRPr sz="1200"/>
-            </a:lvl2pPr>
-            <a:lvl3pPr marL="914400" indent="0">
-              <a:buNone/>
-              <a:defRPr sz="1000"/>
-            </a:lvl3pPr>
-            <a:lvl4pPr marL="1371600" indent="0">
-              <a:buNone/>
-              <a:defRPr sz="900"/>
-            </a:lvl4pPr>
-            <a:lvl5pPr marL="1828800" indent="0">
-              <a:buNone/>
-              <a:defRPr sz="900"/>
-            </a:lvl5pPr>
-            <a:lvl6pPr marL="2286000" indent="0">
-              <a:buNone/>
-              <a:defRPr sz="900"/>
-            </a:lvl6pPr>
-            <a:lvl7pPr marL="2743200" indent="0">
-              <a:buNone/>
-              <a:defRPr sz="900"/>
-            </a:lvl7pPr>
-            <a:lvl8pPr marL="3200400" indent="0">
-              <a:buNone/>
-              <a:defRPr sz="900"/>
-            </a:lvl8pPr>
-            <a:lvl9pPr marL="3657600" indent="0">
-              <a:buNone/>
-              <a:defRPr sz="900"/>
-            </a:lvl9pPr>
-          </a:lstStyle>
-          <a:p>
-            <a:pPr lvl="0"/>
-            <a:r>
-              <a:rPr lang="en-US"/>
-              <a:t>Click to edit Master text styles</a:t>
-            </a:r>
-          </a:p>
-        </p:txBody>
-      </p:sp>
-      <p:sp>
-        <p:nvSpPr>
-          <p:cNvPr id="5" name="Text Placeholder 4"/>
-          <p:cNvSpPr>
-            <a:spLocks noGrp="1"/>
-          </p:cNvSpPr>
-          <p:nvPr>
-            <p:ph type="body" sz="quarter" idx="3"/>
-          </p:nvPr>
-        </p:nvSpPr>
-        <p:spPr>
-          <a:xfrm>
-            <a:off x="3889375" y="4250949"/>
-            <a:ext cx="2930525" cy="576262"/>
-          </a:xfrm>
-        </p:spPr>
-        <p:txBody>
-          <a:bodyPr anchor="b">
-            <a:noAutofit/>
-          </a:bodyPr>
-          <a:lstStyle>
-            <a:lvl1pPr marL="0" indent="0">
-              <a:buNone/>
-              <a:defRPr sz="2400" b="0">
-                <a:solidFill>
-                  <a:schemeClr val="bg2">
-                    <a:lumMod val="40000"/>
-                    <a:lumOff val="60000"/>
-                  </a:schemeClr>
-                </a:solidFill>
-              </a:defRPr>
-            </a:lvl1pPr>
-            <a:lvl2pPr marL="457200" indent="0">
-              <a:buNone/>
-              <a:defRPr sz="2000" b="1"/>
-            </a:lvl2pPr>
-            <a:lvl3pPr marL="914400" indent="0">
-              <a:buNone/>
-              <a:defRPr sz="1800" b="1"/>
-            </a:lvl3pPr>
-            <a:lvl4pPr marL="1371600" indent="0">
-              <a:buNone/>
-              <a:defRPr sz="1600" b="1"/>
-            </a:lvl4pPr>
-            <a:lvl5pPr marL="1828800" indent="0">
-              <a:buNone/>
-              <a:defRPr sz="1600" b="1"/>
-            </a:lvl5pPr>
-            <a:lvl6pPr marL="2286000" indent="0">
-              <a:buNone/>
-              <a:defRPr sz="1600" b="1"/>
-            </a:lvl6pPr>
-            <a:lvl7pPr marL="2743200" indent="0">
-              <a:buNone/>
-              <a:defRPr sz="1600" b="1"/>
-            </a:lvl7pPr>
-            <a:lvl8pPr marL="3200400" indent="0">
-              <a:buNone/>
-              <a:defRPr sz="1600" b="1"/>
-            </a:lvl8pPr>
-            <a:lvl9pPr marL="3657600" indent="0">
-              <a:buNone/>
-              <a:defRPr sz="1600" b="1"/>
-            </a:lvl9pPr>
-          </a:lstStyle>
-          <a:p>
-            <a:pPr lvl="0"/>
-            <a:r>
-              <a:rPr lang="en-US"/>
-              <a:t>Click to edit Master text styles</a:t>
-            </a:r>
-          </a:p>
-        </p:txBody>
-      </p:sp>
-      <p:sp>
-        <p:nvSpPr>
-          <p:cNvPr id="30" name="Picture Placeholder 2"/>
-          <p:cNvSpPr>
-            <a:spLocks noGrp="1" noChangeAspect="1"/>
-          </p:cNvSpPr>
-          <p:nvPr>
-            <p:ph type="pic" idx="21"/>
-          </p:nvPr>
-        </p:nvSpPr>
-        <p:spPr>
-          <a:xfrm>
-            <a:off x="3889374" y="2209800"/>
-            <a:ext cx="2930525" cy="1524000"/>
-          </a:xfrm>
-          <a:prstGeom prst="roundRect">
-            <a:avLst>
-              <a:gd name="adj" fmla="val 1858"/>
-            </a:avLst>
-          </a:prstGeom>
-          <a:effectLst>
-            <a:outerShdw blurRad="50800" dist="50800" dir="5400000" algn="tl" rotWithShape="0">
-              <a:srgbClr val="000000">
-                <a:alpha val="43000"/>
-              </a:srgbClr>
-            </a:outerShdw>
-          </a:effectLst>
+            <a:off x="913774" y="4781082"/>
+            <a:ext cx="3296409" cy="1010118"/>
+          </a:xfrm>
         </p:spPr>
         <p:txBody>
           <a:bodyPr anchor="t">
@@ -2417,73 +2562,6 @@
           <a:lstStyle>
             <a:lvl1pPr marL="0" indent="0" algn="ctr">
               <a:buNone/>
-              <a:defRPr sz="1600"/>
-            </a:lvl1pPr>
-            <a:lvl2pPr marL="457200" indent="0">
-              <a:buNone/>
-              <a:defRPr sz="1600"/>
-            </a:lvl2pPr>
-            <a:lvl3pPr marL="914400" indent="0">
-              <a:buNone/>
-              <a:defRPr sz="1600"/>
-            </a:lvl3pPr>
-            <a:lvl4pPr marL="1371600" indent="0">
-              <a:buNone/>
-              <a:defRPr sz="1600"/>
-            </a:lvl4pPr>
-            <a:lvl5pPr marL="1828800" indent="0">
-              <a:buNone/>
-              <a:defRPr sz="1600"/>
-            </a:lvl5pPr>
-            <a:lvl6pPr marL="2286000" indent="0">
-              <a:buNone/>
-              <a:defRPr sz="1600"/>
-            </a:lvl6pPr>
-            <a:lvl7pPr marL="2743200" indent="0">
-              <a:buNone/>
-              <a:defRPr sz="1600"/>
-            </a:lvl7pPr>
-            <a:lvl8pPr marL="3200400" indent="0">
-              <a:buNone/>
-              <a:defRPr sz="1600"/>
-            </a:lvl8pPr>
-            <a:lvl9pPr marL="3657600" indent="0">
-              <a:buNone/>
-              <a:defRPr sz="1600"/>
-            </a:lvl9pPr>
-          </a:lstStyle>
-          <a:p>
-            <a:r>
-              <a:rPr lang="en-US"/>
-              <a:t>Click icon to add picture</a:t>
-            </a:r>
-            <a:endParaRPr lang="en-US" dirty="0"/>
-          </a:p>
-        </p:txBody>
-      </p:sp>
-      <p:sp>
-        <p:nvSpPr>
-          <p:cNvPr id="23" name="Text Placeholder 3"/>
-          <p:cNvSpPr>
-            <a:spLocks noGrp="1"/>
-          </p:cNvSpPr>
-          <p:nvPr>
-            <p:ph type="body" sz="half" idx="19"/>
-          </p:nvPr>
-        </p:nvSpPr>
-        <p:spPr>
-          <a:xfrm>
-            <a:off x="3888022" y="4827210"/>
-            <a:ext cx="2934406" cy="659189"/>
-          </a:xfrm>
-        </p:spPr>
-        <p:txBody>
-          <a:bodyPr anchor="t">
-            <a:normAutofit/>
-          </a:bodyPr>
-          <a:lstStyle>
-            <a:lvl1pPr marL="0" indent="0">
-              <a:buNone/>
               <a:defRPr sz="1400"/>
             </a:lvl1pPr>
             <a:lvl2pPr marL="457200" indent="0">
@@ -2530,18 +2608,18 @@
       </p:sp>
       <p:sp>
         <p:nvSpPr>
-          <p:cNvPr id="14" name="Text Placeholder 4"/>
-          <p:cNvSpPr>
-            <a:spLocks noGrp="1"/>
-          </p:cNvSpPr>
-          <p:nvPr>
-            <p:ph type="body" sz="quarter" idx="13"/>
-          </p:nvPr>
-        </p:nvSpPr>
-        <p:spPr>
-          <a:xfrm>
-            <a:off x="7124700" y="4250949"/>
-            <a:ext cx="2932113" cy="576262"/>
+          <p:cNvPr id="22" name="Text Placeholder 4"/>
+          <p:cNvSpPr>
+            <a:spLocks noGrp="1"/>
+          </p:cNvSpPr>
+          <p:nvPr>
+            <p:ph type="body" sz="quarter" idx="3"/>
+          </p:nvPr>
+        </p:nvSpPr>
+        <p:spPr>
+          <a:xfrm>
+            <a:off x="4442759" y="4204820"/>
+            <a:ext cx="3301828" cy="576262"/>
           </a:xfrm>
         </p:spPr>
         <p:txBody>
@@ -2549,14 +2627,14 @@
             <a:noAutofit/>
           </a:bodyPr>
           <a:lstStyle>
-            <a:lvl1pPr marL="0" indent="0">
-              <a:buNone/>
-              <a:defRPr sz="2400" b="0">
+            <a:lvl1pPr marL="0" indent="0" algn="ctr">
+              <a:lnSpc>
+                <a:spcPct val="85000"/>
+              </a:lnSpc>
+              <a:buNone/>
+              <a:defRPr sz="2200" b="0">
                 <a:solidFill>
-                  <a:schemeClr val="bg2">
-                    <a:lumMod val="40000"/>
-                    <a:lumOff val="60000"/>
-                  </a:schemeClr>
+                  <a:schemeClr val="tx1"/>
                 </a:solidFill>
               </a:defRPr>
             </a:lvl1pPr>
@@ -2604,31 +2682,44 @@
       </p:sp>
       <p:sp>
         <p:nvSpPr>
-          <p:cNvPr id="31" name="Picture Placeholder 2"/>
+          <p:cNvPr id="23" name="Picture Placeholder 2"/>
           <p:cNvSpPr>
             <a:spLocks noGrp="1" noChangeAspect="1"/>
           </p:cNvSpPr>
           <p:nvPr>
-            <p:ph type="pic" idx="22"/>
-          </p:nvPr>
-        </p:nvSpPr>
-        <p:spPr>
-          <a:xfrm>
-            <a:off x="7124699" y="2209800"/>
-            <a:ext cx="2932113" cy="1524000"/>
+            <p:ph type="pic" idx="21"/>
+          </p:nvPr>
+        </p:nvSpPr>
+        <p:spPr>
+          <a:xfrm>
+            <a:off x="4441348" y="2367093"/>
+            <a:ext cx="3303352" cy="1524000"/>
           </a:xfrm>
           <a:prstGeom prst="roundRect">
             <a:avLst>
-              <a:gd name="adj" fmla="val 1858"/>
+              <a:gd name="adj" fmla="val 8841"/>
             </a:avLst>
           </a:prstGeom>
-          <a:effectLst>
-            <a:outerShdw blurRad="50800" dist="50800" dir="5400000" algn="tl" rotWithShape="0">
-              <a:srgbClr val="000000">
-                <a:alpha val="43000"/>
-              </a:srgbClr>
-            </a:outerShdw>
-          </a:effectLst>
+          <a:noFill/>
+          <a:ln w="82550" cap="sq">
+            <a:solidFill>
+              <a:srgbClr val="EAEAEA"/>
+            </a:solidFill>
+            <a:miter lim="800000"/>
+          </a:ln>
+          <a:effectLst/>
+          <a:scene3d>
+            <a:camera prst="orthographicFront"/>
+            <a:lightRig rig="threePt" dir="t">
+              <a:rot lat="0" lon="0" rev="2700000"/>
+            </a:lightRig>
+          </a:scene3d>
+          <a:sp3d contourW="6350">
+            <a:bevelT h="38100"/>
+            <a:contourClr>
+              <a:srgbClr val="C0C0C0"/>
+            </a:contourClr>
+          </a:sp3d>
         </p:spPr>
         <p:txBody>
           <a:bodyPr anchor="t">
@@ -2688,13 +2779,13 @@
             <a:spLocks noGrp="1"/>
           </p:cNvSpPr>
           <p:nvPr>
-            <p:ph type="body" sz="half" idx="20"/>
-          </p:nvPr>
-        </p:nvSpPr>
-        <p:spPr>
-          <a:xfrm>
-            <a:off x="7124575" y="4827208"/>
-            <a:ext cx="2935997" cy="659189"/>
+            <p:ph type="body" sz="half" idx="19"/>
+          </p:nvPr>
+        </p:nvSpPr>
+        <p:spPr>
+          <a:xfrm>
+            <a:off x="4441348" y="4781080"/>
+            <a:ext cx="3303352" cy="1010119"/>
           </a:xfrm>
         </p:spPr>
         <p:txBody>
@@ -2702,7 +2793,7 @@
             <a:normAutofit/>
           </a:bodyPr>
           <a:lstStyle>
-            <a:lvl1pPr marL="0" indent="0">
+            <a:lvl1pPr marL="0" indent="0" algn="ctr">
               <a:buNone/>
               <a:defRPr sz="1400"/>
             </a:lvl1pPr>
@@ -2748,87 +2839,242 @@
           </a:p>
         </p:txBody>
       </p:sp>
-      <p:cxnSp>
-        <p:nvCxnSpPr>
-          <p:cNvPr id="19" name="Straight Connector 18"/>
-          <p:cNvCxnSpPr/>
-          <p:nvPr/>
-        </p:nvCxnSpPr>
-        <p:spPr>
-          <a:xfrm>
-            <a:off x="3726142" y="2133600"/>
-            <a:ext cx="0" cy="3962400"/>
-          </a:xfrm>
-          <a:prstGeom prst="line">
-            <a:avLst/>
+      <p:sp>
+        <p:nvSpPr>
+          <p:cNvPr id="25" name="Text Placeholder 4"/>
+          <p:cNvSpPr>
+            <a:spLocks noGrp="1"/>
+          </p:cNvSpPr>
+          <p:nvPr>
+            <p:ph type="body" sz="quarter" idx="13"/>
+          </p:nvPr>
+        </p:nvSpPr>
+        <p:spPr>
+          <a:xfrm>
+            <a:off x="7973298" y="4204820"/>
+            <a:ext cx="3300681" cy="576262"/>
+          </a:xfrm>
+        </p:spPr>
+        <p:txBody>
+          <a:bodyPr anchor="b">
+            <a:noAutofit/>
+          </a:bodyPr>
+          <a:lstStyle>
+            <a:lvl1pPr marL="0" indent="0" algn="ctr">
+              <a:lnSpc>
+                <a:spcPct val="85000"/>
+              </a:lnSpc>
+              <a:buNone/>
+              <a:defRPr sz="2200" b="0">
+                <a:solidFill>
+                  <a:schemeClr val="tx1"/>
+                </a:solidFill>
+              </a:defRPr>
+            </a:lvl1pPr>
+            <a:lvl2pPr marL="457200" indent="0">
+              <a:buNone/>
+              <a:defRPr sz="2000" b="1"/>
+            </a:lvl2pPr>
+            <a:lvl3pPr marL="914400" indent="0">
+              <a:buNone/>
+              <a:defRPr sz="1800" b="1"/>
+            </a:lvl3pPr>
+            <a:lvl4pPr marL="1371600" indent="0">
+              <a:buNone/>
+              <a:defRPr sz="1600" b="1"/>
+            </a:lvl4pPr>
+            <a:lvl5pPr marL="1828800" indent="0">
+              <a:buNone/>
+              <a:defRPr sz="1600" b="1"/>
+            </a:lvl5pPr>
+            <a:lvl6pPr marL="2286000" indent="0">
+              <a:buNone/>
+              <a:defRPr sz="1600" b="1"/>
+            </a:lvl6pPr>
+            <a:lvl7pPr marL="2743200" indent="0">
+              <a:buNone/>
+              <a:defRPr sz="1600" b="1"/>
+            </a:lvl7pPr>
+            <a:lvl8pPr marL="3200400" indent="0">
+              <a:buNone/>
+              <a:defRPr sz="1600" b="1"/>
+            </a:lvl8pPr>
+            <a:lvl9pPr marL="3657600" indent="0">
+              <a:buNone/>
+              <a:defRPr sz="1600" b="1"/>
+            </a:lvl9pPr>
+          </a:lstStyle>
+          <a:p>
+            <a:pPr lvl="0"/>
+            <a:r>
+              <a:rPr lang="en-US"/>
+              <a:t>Click to edit Master text styles</a:t>
+            </a:r>
+          </a:p>
+        </p:txBody>
+      </p:sp>
+      <p:sp>
+        <p:nvSpPr>
+          <p:cNvPr id="26" name="Picture Placeholder 2"/>
+          <p:cNvSpPr>
+            <a:spLocks noGrp="1" noChangeAspect="1"/>
+          </p:cNvSpPr>
+          <p:nvPr>
+            <p:ph type="pic" idx="22"/>
+          </p:nvPr>
+        </p:nvSpPr>
+        <p:spPr>
+          <a:xfrm>
+            <a:off x="7973298" y="2367093"/>
+            <a:ext cx="3304928" cy="1524000"/>
+          </a:xfrm>
+          <a:prstGeom prst="roundRect">
+            <a:avLst>
+              <a:gd name="adj" fmla="val 8841"/>
+            </a:avLst>
           </a:prstGeom>
-          <a:ln w="12700" cmpd="sng">
+          <a:noFill/>
+          <a:ln w="82550" cap="sq">
             <a:solidFill>
-              <a:schemeClr val="bg2">
-                <a:lumMod val="40000"/>
-                <a:lumOff val="60000"/>
-                <a:alpha val="40000"/>
-              </a:schemeClr>
+              <a:srgbClr val="EAEAEA"/>
             </a:solidFill>
+            <a:miter lim="800000"/>
           </a:ln>
-        </p:spPr>
-        <p:style>
-          <a:lnRef idx="2">
-            <a:schemeClr val="accent1"/>
-          </a:lnRef>
-          <a:fillRef idx="0">
-            <a:schemeClr val="accent1"/>
-          </a:fillRef>
-          <a:effectRef idx="1">
-            <a:schemeClr val="accent1"/>
-          </a:effectRef>
-          <a:fontRef idx="minor">
-            <a:schemeClr val="tx1"/>
-          </a:fontRef>
-        </p:style>
-      </p:cxnSp>
-      <p:cxnSp>
-        <p:nvCxnSpPr>
-          <p:cNvPr id="20" name="Straight Connector 19"/>
-          <p:cNvCxnSpPr/>
-          <p:nvPr/>
-        </p:nvCxnSpPr>
-        <p:spPr>
-          <a:xfrm>
-            <a:off x="6962227" y="2133600"/>
-            <a:ext cx="0" cy="3966882"/>
-          </a:xfrm>
-          <a:prstGeom prst="line">
-            <a:avLst/>
-          </a:prstGeom>
-          <a:ln w="12700" cmpd="sng">
-            <a:solidFill>
-              <a:schemeClr val="bg2">
-                <a:lumMod val="40000"/>
-                <a:lumOff val="60000"/>
-                <a:alpha val="40000"/>
-              </a:schemeClr>
-            </a:solidFill>
-          </a:ln>
-        </p:spPr>
-        <p:style>
-          <a:lnRef idx="2">
-            <a:schemeClr val="accent1"/>
-          </a:lnRef>
-          <a:fillRef idx="0">
-            <a:schemeClr val="accent1"/>
-          </a:fillRef>
-          <a:effectRef idx="1">
-            <a:schemeClr val="accent1"/>
-          </a:effectRef>
-          <a:fontRef idx="minor">
-            <a:schemeClr val="tx1"/>
-          </a:fontRef>
-        </p:style>
-      </p:cxnSp>
-      <p:sp>
-        <p:nvSpPr>
-          <p:cNvPr id="7" name="Date Placeholder 3"/>
+          <a:effectLst/>
+          <a:scene3d>
+            <a:camera prst="orthographicFront"/>
+            <a:lightRig rig="threePt" dir="t">
+              <a:rot lat="0" lon="0" rev="2700000"/>
+            </a:lightRig>
+          </a:scene3d>
+          <a:sp3d contourW="6350">
+            <a:bevelT h="38100"/>
+            <a:contourClr>
+              <a:srgbClr val="C0C0C0"/>
+            </a:contourClr>
+          </a:sp3d>
+        </p:spPr>
+        <p:txBody>
+          <a:bodyPr anchor="t">
+            <a:normAutofit/>
+          </a:bodyPr>
+          <a:lstStyle>
+            <a:lvl1pPr marL="0" indent="0" algn="ctr">
+              <a:buNone/>
+              <a:defRPr sz="1600"/>
+            </a:lvl1pPr>
+            <a:lvl2pPr marL="457200" indent="0">
+              <a:buNone/>
+              <a:defRPr sz="1600"/>
+            </a:lvl2pPr>
+            <a:lvl3pPr marL="914400" indent="0">
+              <a:buNone/>
+              <a:defRPr sz="1600"/>
+            </a:lvl3pPr>
+            <a:lvl4pPr marL="1371600" indent="0">
+              <a:buNone/>
+              <a:defRPr sz="1600"/>
+            </a:lvl4pPr>
+            <a:lvl5pPr marL="1828800" indent="0">
+              <a:buNone/>
+              <a:defRPr sz="1600"/>
+            </a:lvl5pPr>
+            <a:lvl6pPr marL="2286000" indent="0">
+              <a:buNone/>
+              <a:defRPr sz="1600"/>
+            </a:lvl6pPr>
+            <a:lvl7pPr marL="2743200" indent="0">
+              <a:buNone/>
+              <a:defRPr sz="1600"/>
+            </a:lvl7pPr>
+            <a:lvl8pPr marL="3200400" indent="0">
+              <a:buNone/>
+              <a:defRPr sz="1600"/>
+            </a:lvl8pPr>
+            <a:lvl9pPr marL="3657600" indent="0">
+              <a:buNone/>
+              <a:defRPr sz="1600"/>
+            </a:lvl9pPr>
+          </a:lstStyle>
+          <a:p>
+            <a:r>
+              <a:rPr lang="en-US"/>
+              <a:t>Click icon to add picture</a:t>
+            </a:r>
+            <a:endParaRPr lang="en-US" dirty="0"/>
+          </a:p>
+        </p:txBody>
+      </p:sp>
+      <p:sp>
+        <p:nvSpPr>
+          <p:cNvPr id="27" name="Text Placeholder 3"/>
+          <p:cNvSpPr>
+            <a:spLocks noGrp="1"/>
+          </p:cNvSpPr>
+          <p:nvPr>
+            <p:ph type="body" sz="half" idx="20"/>
+          </p:nvPr>
+        </p:nvSpPr>
+        <p:spPr>
+          <a:xfrm>
+            <a:off x="7973173" y="4781078"/>
+            <a:ext cx="3305053" cy="1010121"/>
+          </a:xfrm>
+        </p:spPr>
+        <p:txBody>
+          <a:bodyPr anchor="t">
+            <a:normAutofit/>
+          </a:bodyPr>
+          <a:lstStyle>
+            <a:lvl1pPr marL="0" indent="0" algn="ctr">
+              <a:buNone/>
+              <a:defRPr sz="1400"/>
+            </a:lvl1pPr>
+            <a:lvl2pPr marL="457200" indent="0">
+              <a:buNone/>
+              <a:defRPr sz="1200"/>
+            </a:lvl2pPr>
+            <a:lvl3pPr marL="914400" indent="0">
+              <a:buNone/>
+              <a:defRPr sz="1000"/>
+            </a:lvl3pPr>
+            <a:lvl4pPr marL="1371600" indent="0">
+              <a:buNone/>
+              <a:defRPr sz="900"/>
+            </a:lvl4pPr>
+            <a:lvl5pPr marL="1828800" indent="0">
+              <a:buNone/>
+              <a:defRPr sz="900"/>
+            </a:lvl5pPr>
+            <a:lvl6pPr marL="2286000" indent="0">
+              <a:buNone/>
+              <a:defRPr sz="900"/>
+            </a:lvl6pPr>
+            <a:lvl7pPr marL="2743200" indent="0">
+              <a:buNone/>
+              <a:defRPr sz="900"/>
+            </a:lvl7pPr>
+            <a:lvl8pPr marL="3200400" indent="0">
+              <a:buNone/>
+              <a:defRPr sz="900"/>
+            </a:lvl8pPr>
+            <a:lvl9pPr marL="3657600" indent="0">
+              <a:buNone/>
+              <a:defRPr sz="900"/>
+            </a:lvl9pPr>
+          </a:lstStyle>
+          <a:p>
+            <a:pPr lvl="0"/>
+            <a:r>
+              <a:rPr lang="en-US"/>
+              <a:t>Click to edit Master text styles</a:t>
+            </a:r>
+          </a:p>
+        </p:txBody>
+      </p:sp>
+      <p:sp>
+        <p:nvSpPr>
+          <p:cNvPr id="3" name="Date Placeholder 2"/>
           <p:cNvSpPr>
             <a:spLocks noGrp="1"/>
           </p:cNvSpPr>
@@ -2841,9 +3087,9 @@
           <a:bodyPr/>
           <a:lstStyle/>
           <a:p>
-            <a:fld id="{4509A250-FF31-4206-8172-F9D3106AACB1}" type="datetimeFigureOut">
+            <a:fld id="{48A87A34-81AB-432B-8DAE-1953F412C126}" type="datetimeFigureOut">
               <a:rPr lang="en-US" dirty="0"/>
-              <a:t>5/31/2021</a:t>
+              <a:t>6/5/2021</a:t>
             </a:fld>
             <a:endParaRPr lang="en-US" dirty="0"/>
           </a:p>
@@ -2851,7 +3097,7 @@
       </p:sp>
       <p:sp>
         <p:nvSpPr>
-          <p:cNvPr id="4" name="Footer Placeholder 4"/>
+          <p:cNvPr id="4" name="Footer Placeholder 3"/>
           <p:cNvSpPr>
             <a:spLocks noGrp="1"/>
           </p:cNvSpPr>
@@ -2870,7 +3116,7 @@
       </p:sp>
       <p:sp>
         <p:nvSpPr>
-          <p:cNvPr id="6" name="Slide Number Placeholder 5"/>
+          <p:cNvPr id="5" name="Slide Number Placeholder 4"/>
           <p:cNvSpPr>
             <a:spLocks noGrp="1"/>
           </p:cNvSpPr>
@@ -2883,7 +3129,7 @@
           <a:bodyPr/>
           <a:lstStyle/>
           <a:p>
-            <a:fld id="{D57F1E4F-1CFF-5643-939E-02111984F565}" type="slidenum">
+            <a:fld id="{6D22F896-40B5-4ADD-8801-0D06FADFA095}" type="slidenum">
               <a:rPr lang="en-US" dirty="0"/>
               <a:t>‹#›</a:t>
             </a:fld>
@@ -2916,6 +3162,36 @@
           <a:chExt cx="0" cy="0"/>
         </a:xfrm>
       </p:grpSpPr>
+      <p:pic>
+        <p:nvPicPr>
+          <p:cNvPr id="8" name="Picture 7" descr="Droplets-HD-Content-R1d.png"/>
+          <p:cNvPicPr>
+            <a:picLocks noChangeAspect="1"/>
+          </p:cNvPicPr>
+          <p:nvPr/>
+        </p:nvPicPr>
+        <p:blipFill>
+          <a:blip r:embed="rId2">
+            <a:extLst>
+              <a:ext uri="{28A0092B-C50C-407E-A947-70E740481C1C}">
+                <a14:useLocalDpi xmlns:a14="http://schemas.microsoft.com/office/drawing/2010/main" val="0"/>
+              </a:ext>
+            </a:extLst>
+          </a:blip>
+          <a:stretch>
+            <a:fillRect/>
+          </a:stretch>
+        </p:blipFill>
+        <p:spPr>
+          <a:xfrm>
+            <a:off x="0" y="0"/>
+            <a:ext cx="12192000" cy="6858000"/>
+          </a:xfrm>
+          <a:prstGeom prst="rect">
+            <a:avLst/>
+          </a:prstGeom>
+        </p:spPr>
+      </p:pic>
       <p:sp>
         <p:nvSpPr>
           <p:cNvPr id="2" name="Title 1"/>
@@ -2941,17 +3217,22 @@
       </p:sp>
       <p:sp>
         <p:nvSpPr>
-          <p:cNvPr id="3" name="Vertical Text Placeholder 2"/>
-          <p:cNvSpPr>
-            <a:spLocks noGrp="1"/>
-          </p:cNvSpPr>
-          <p:nvPr>
-            <p:ph type="body" orient="vert" idx="1"/>
-          </p:nvPr>
-        </p:nvSpPr>
-        <p:spPr/>
-        <p:txBody>
-          <a:bodyPr vert="eaVert" anchor="t" anchorCtr="0"/>
+          <p:cNvPr id="11" name="Vertical Text Placeholder 2"/>
+          <p:cNvSpPr>
+            <a:spLocks noGrp="1"/>
+          </p:cNvSpPr>
+          <p:nvPr>
+            <p:ph type="body" orient="vert" sz="quarter" idx="13"/>
+          </p:nvPr>
+        </p:nvSpPr>
+        <p:spPr>
+          <a:xfrm>
+            <a:off x="913775" y="2367093"/>
+            <a:ext cx="10364452" cy="3424107"/>
+          </a:xfrm>
+        </p:spPr>
+        <p:txBody>
+          <a:bodyPr vert="eaVert"/>
           <a:lstStyle/>
           <a:p>
             <a:pPr lvl="0"/>
@@ -3006,9 +3287,9 @@
           <a:bodyPr/>
           <a:lstStyle/>
           <a:p>
-            <a:fld id="{4509A250-FF31-4206-8172-F9D3106AACB1}" type="datetimeFigureOut">
+            <a:fld id="{48A87A34-81AB-432B-8DAE-1953F412C126}" type="datetimeFigureOut">
               <a:rPr lang="en-US" dirty="0"/>
-              <a:t>5/31/2021</a:t>
+              <a:t>6/5/2021</a:t>
             </a:fld>
             <a:endParaRPr lang="en-US" dirty="0"/>
           </a:p>
@@ -3048,7 +3329,7 @@
           <a:bodyPr/>
           <a:lstStyle/>
           <a:p>
-            <a:fld id="{D57F1E4F-1CFF-5643-939E-02111984F565}" type="slidenum">
+            <a:fld id="{6D22F896-40B5-4ADD-8801-0D06FADFA095}" type="slidenum">
               <a:rPr lang="en-US" dirty="0"/>
               <a:t>‹#›</a:t>
             </a:fld>
@@ -3081,6 +3362,36 @@
           <a:chExt cx="0" cy="0"/>
         </a:xfrm>
       </p:grpSpPr>
+      <p:pic>
+        <p:nvPicPr>
+          <p:cNvPr id="9" name="Picture 8" descr="Droplets-HD-Content-R1d.png"/>
+          <p:cNvPicPr>
+            <a:picLocks noChangeAspect="1"/>
+          </p:cNvPicPr>
+          <p:nvPr/>
+        </p:nvPicPr>
+        <p:blipFill>
+          <a:blip r:embed="rId2">
+            <a:extLst>
+              <a:ext uri="{28A0092B-C50C-407E-A947-70E740481C1C}">
+                <a14:useLocalDpi xmlns:a14="http://schemas.microsoft.com/office/drawing/2010/main" val="0"/>
+              </a:ext>
+            </a:extLst>
+          </a:blip>
+          <a:stretch>
+            <a:fillRect/>
+          </a:stretch>
+        </p:blipFill>
+        <p:spPr>
+          <a:xfrm>
+            <a:off x="0" y="0"/>
+            <a:ext cx="12192000" cy="6858000"/>
+          </a:xfrm>
+          <a:prstGeom prst="rect">
+            <a:avLst/>
+          </a:prstGeom>
+        </p:spPr>
+      </p:pic>
       <p:sp>
         <p:nvSpPr>
           <p:cNvPr id="2" name="Vertical Title 1"/>
@@ -3093,13 +3404,17 @@
         </p:nvSpPr>
         <p:spPr>
           <a:xfrm>
-            <a:off x="8304212" y="430213"/>
-            <a:ext cx="1752601" cy="5826125"/>
-          </a:xfrm>
-        </p:spPr>
-        <p:txBody>
-          <a:bodyPr vert="eaVert" anchor="b" anchorCtr="0"/>
-          <a:lstStyle/>
+            <a:off x="8724900" y="609601"/>
+            <a:ext cx="2553326" cy="5181599"/>
+          </a:xfrm>
+        </p:spPr>
+        <p:txBody>
+          <a:bodyPr vert="eaVert"/>
+          <a:lstStyle>
+            <a:lvl1pPr algn="l">
+              <a:defRPr/>
+            </a:lvl1pPr>
+          </a:lstStyle>
           <a:p>
             <a:r>
               <a:rPr lang="en-US"/>
@@ -3111,18 +3426,18 @@
       </p:sp>
       <p:sp>
         <p:nvSpPr>
-          <p:cNvPr id="3" name="Vertical Text Placeholder 2"/>
-          <p:cNvSpPr>
-            <a:spLocks noGrp="1"/>
-          </p:cNvSpPr>
-          <p:nvPr>
-            <p:ph type="body" orient="vert" idx="1"/>
-          </p:nvPr>
-        </p:nvSpPr>
-        <p:spPr>
-          <a:xfrm>
-            <a:off x="652463" y="887414"/>
-            <a:ext cx="7423149" cy="5368924"/>
+          <p:cNvPr id="8" name="Vertical Text Placeholder 2"/>
+          <p:cNvSpPr>
+            <a:spLocks noGrp="1"/>
+          </p:cNvSpPr>
+          <p:nvPr>
+            <p:ph type="body" orient="vert" sz="quarter" idx="13"/>
+          </p:nvPr>
+        </p:nvSpPr>
+        <p:spPr>
+          <a:xfrm>
+            <a:off x="913775" y="609601"/>
+            <a:ext cx="7658724" cy="5181599"/>
           </a:xfrm>
         </p:spPr>
         <p:txBody>
@@ -3181,9 +3496,9 @@
           <a:bodyPr/>
           <a:lstStyle/>
           <a:p>
-            <a:fld id="{4509A250-FF31-4206-8172-F9D3106AACB1}" type="datetimeFigureOut">
+            <a:fld id="{48A87A34-81AB-432B-8DAE-1953F412C126}" type="datetimeFigureOut">
               <a:rPr lang="en-US" dirty="0"/>
-              <a:t>5/31/2021</a:t>
+              <a:t>6/5/2021</a:t>
             </a:fld>
             <a:endParaRPr lang="en-US" dirty="0"/>
           </a:p>
@@ -3223,7 +3538,7 @@
           <a:bodyPr/>
           <a:lstStyle/>
           <a:p>
-            <a:fld id="{D57F1E4F-1CFF-5643-939E-02111984F565}" type="slidenum">
+            <a:fld id="{6D22F896-40B5-4ADD-8801-0D06FADFA095}" type="slidenum">
               <a:rPr lang="en-US" dirty="0"/>
               <a:t>‹#›</a:t>
             </a:fld>
@@ -3240,7 +3555,7 @@
 </file>
 
 <file path=ppt/slideLayouts/slideLayout2.xml><?xml version="1.0" encoding="utf-8"?>
-<p:sldLayout xmlns:a="http://schemas.openxmlformats.org/drawingml/2006/main" xmlns:r="http://schemas.openxmlformats.org/officeDocument/2006/relationships" xmlns:p="http://schemas.openxmlformats.org/presentationml/2006/main" type="obj" preserve="1">
+<p:sldLayout xmlns:a="http://schemas.openxmlformats.org/drawingml/2006/main" xmlns:r="http://schemas.openxmlformats.org/officeDocument/2006/relationships" xmlns:p="http://schemas.openxmlformats.org/presentationml/2006/main" preserve="1" userDrawn="1">
   <p:cSld name="Title and Content">
     <p:spTree>
       <p:nvGrpSpPr>
@@ -3256,6 +3571,36 @@
           <a:chExt cx="0" cy="0"/>
         </a:xfrm>
       </p:grpSpPr>
+      <p:pic>
+        <p:nvPicPr>
+          <p:cNvPr id="3" name="Picture 2" descr="Droplets-HD-Content-R1d.png"/>
+          <p:cNvPicPr>
+            <a:picLocks noChangeAspect="1"/>
+          </p:cNvPicPr>
+          <p:nvPr/>
+        </p:nvPicPr>
+        <p:blipFill>
+          <a:blip r:embed="rId2">
+            <a:extLst>
+              <a:ext uri="{28A0092B-C50C-407E-A947-70E740481C1C}">
+                <a14:useLocalDpi xmlns:a14="http://schemas.microsoft.com/office/drawing/2010/main" val="0"/>
+              </a:ext>
+            </a:extLst>
+          </a:blip>
+          <a:stretch>
+            <a:fillRect/>
+          </a:stretch>
+        </p:blipFill>
+        <p:spPr>
+          <a:xfrm>
+            <a:off x="0" y="0"/>
+            <a:ext cx="12192000" cy="6858000"/>
+          </a:xfrm>
+          <a:prstGeom prst="rect">
+            <a:avLst/>
+          </a:prstGeom>
+        </p:spPr>
+      </p:pic>
       <p:sp>
         <p:nvSpPr>
           <p:cNvPr id="2" name="Title 1"/>
@@ -3266,7 +3611,12 @@
             <p:ph type="title"/>
           </p:nvPr>
         </p:nvSpPr>
-        <p:spPr/>
+        <p:spPr>
+          <a:xfrm>
+            <a:off x="2536097" y="212110"/>
+            <a:ext cx="6672887" cy="934065"/>
+          </a:xfrm>
+        </p:spPr>
         <p:txBody>
           <a:bodyPr/>
           <a:lstStyle/>
@@ -3280,12 +3630,12 @@
       </p:sp>
       <p:sp>
         <p:nvSpPr>
-          <p:cNvPr id="3" name="Content Placeholder 2"/>
-          <p:cNvSpPr>
-            <a:spLocks noGrp="1"/>
-          </p:cNvSpPr>
-          <p:nvPr>
-            <p:ph idx="1"/>
+          <p:cNvPr id="4" name="Date Placeholder 3"/>
+          <p:cNvSpPr>
+            <a:spLocks noGrp="1"/>
+          </p:cNvSpPr>
+          <p:nvPr>
+            <p:ph type="dt" sz="half" idx="10"/>
           </p:nvPr>
         </p:nvSpPr>
         <p:spPr/>
@@ -3293,50 +3643,22 @@
           <a:bodyPr/>
           <a:lstStyle/>
           <a:p>
-            <a:pPr lvl="0"/>
-            <a:r>
+            <a:fld id="{48A87A34-81AB-432B-8DAE-1953F412C126}" type="datetimeFigureOut">
               <a:rPr lang="en-US" dirty="0"/>
-              <a:t>Click to edit Master text styles</a:t>
-            </a:r>
-          </a:p>
-          <a:p>
-            <a:pPr lvl="1"/>
-            <a:r>
-              <a:rPr lang="en-US" dirty="0"/>
-              <a:t>Second level</a:t>
-            </a:r>
-          </a:p>
-          <a:p>
-            <a:pPr lvl="2"/>
-            <a:r>
-              <a:rPr lang="en-US" dirty="0"/>
-              <a:t>Third level</a:t>
-            </a:r>
-          </a:p>
-          <a:p>
-            <a:pPr lvl="3"/>
-            <a:r>
-              <a:rPr lang="en-US" dirty="0"/>
-              <a:t>Fourth level</a:t>
-            </a:r>
-          </a:p>
-          <a:p>
-            <a:pPr lvl="4"/>
-            <a:r>
-              <a:rPr lang="en-US" dirty="0"/>
-              <a:t>Fifth level</a:t>
-            </a:r>
-          </a:p>
-        </p:txBody>
-      </p:sp>
-      <p:sp>
-        <p:nvSpPr>
-          <p:cNvPr id="7" name="Date Placeholder 3"/>
-          <p:cNvSpPr>
-            <a:spLocks noGrp="1"/>
-          </p:cNvSpPr>
-          <p:nvPr>
-            <p:ph type="dt" sz="half" idx="10"/>
+              <a:t>6/5/2021</a:t>
+            </a:fld>
+            <a:endParaRPr lang="en-US" dirty="0"/>
+          </a:p>
+        </p:txBody>
+      </p:sp>
+      <p:sp>
+        <p:nvSpPr>
+          <p:cNvPr id="5" name="Footer Placeholder 4"/>
+          <p:cNvSpPr>
+            <a:spLocks noGrp="1"/>
+          </p:cNvSpPr>
+          <p:nvPr>
+            <p:ph type="ftr" sz="quarter" idx="11"/>
           </p:nvPr>
         </p:nvSpPr>
         <p:spPr/>
@@ -3344,22 +3666,18 @@
           <a:bodyPr/>
           <a:lstStyle/>
           <a:p>
-            <a:fld id="{4509A250-FF31-4206-8172-F9D3106AACB1}" type="datetimeFigureOut">
-              <a:rPr lang="en-US" dirty="0"/>
-              <a:t>5/31/2021</a:t>
-            </a:fld>
-            <a:endParaRPr lang="en-US" dirty="0"/>
-          </a:p>
-        </p:txBody>
-      </p:sp>
-      <p:sp>
-        <p:nvSpPr>
-          <p:cNvPr id="5" name="Footer Placeholder 4"/>
-          <p:cNvSpPr>
-            <a:spLocks noGrp="1"/>
-          </p:cNvSpPr>
-          <p:nvPr>
-            <p:ph type="ftr" sz="quarter" idx="11"/>
+            <a:endParaRPr lang="en-US" dirty="0"/>
+          </a:p>
+        </p:txBody>
+      </p:sp>
+      <p:sp>
+        <p:nvSpPr>
+          <p:cNvPr id="6" name="Slide Number Placeholder 5"/>
+          <p:cNvSpPr>
+            <a:spLocks noGrp="1"/>
+          </p:cNvSpPr>
+          <p:nvPr>
+            <p:ph type="sldNum" sz="quarter" idx="12"/>
           </p:nvPr>
         </p:nvSpPr>
         <p:spPr/>
@@ -3367,30 +3685,104 @@
           <a:bodyPr/>
           <a:lstStyle/>
           <a:p>
-            <a:endParaRPr lang="en-US" dirty="0"/>
-          </a:p>
-        </p:txBody>
-      </p:sp>
-      <p:sp>
-        <p:nvSpPr>
-          <p:cNvPr id="6" name="Slide Number Placeholder 5"/>
-          <p:cNvSpPr>
-            <a:spLocks noGrp="1"/>
-          </p:cNvSpPr>
-          <p:nvPr>
-            <p:ph type="sldNum" sz="quarter" idx="12"/>
-          </p:nvPr>
-        </p:nvSpPr>
-        <p:spPr/>
-        <p:txBody>
-          <a:bodyPr/>
-          <a:lstStyle/>
-          <a:p>
-            <a:fld id="{D57F1E4F-1CFF-5643-939E-02111984F565}" type="slidenum">
+            <a:fld id="{6D22F896-40B5-4ADD-8801-0D06FADFA095}" type="slidenum">
               <a:rPr lang="en-US" dirty="0"/>
               <a:t>‹#›</a:t>
             </a:fld>
             <a:endParaRPr lang="en-US" dirty="0"/>
+          </a:p>
+        </p:txBody>
+      </p:sp>
+      <p:sp>
+        <p:nvSpPr>
+          <p:cNvPr id="9" name="Text Placeholder 8">
+            <a:extLst>
+              <a:ext uri="{FF2B5EF4-FFF2-40B4-BE49-F238E27FC236}">
+                <a16:creationId xmlns:a16="http://schemas.microsoft.com/office/drawing/2014/main" id="{050D3CB9-6D27-4417-B930-A8FB6E31AE36}"/>
+              </a:ext>
+            </a:extLst>
+          </p:cNvPr>
+          <p:cNvSpPr>
+            <a:spLocks noGrp="1"/>
+          </p:cNvSpPr>
+          <p:nvPr>
+            <p:ph type="body" sz="quarter" idx="13"/>
+          </p:nvPr>
+        </p:nvSpPr>
+        <p:spPr>
+          <a:xfrm>
+            <a:off x="1071564" y="1789472"/>
+            <a:ext cx="5584876" cy="3922354"/>
+          </a:xfrm>
+        </p:spPr>
+        <p:txBody>
+          <a:bodyPr/>
+          <a:lstStyle/>
+          <a:p>
+            <a:pPr lvl="0"/>
+            <a:r>
+              <a:rPr lang="en-US" dirty="0"/>
+              <a:t>Click to edit Master text styles</a:t>
+            </a:r>
+          </a:p>
+          <a:p>
+            <a:pPr lvl="1"/>
+            <a:r>
+              <a:rPr lang="en-US" dirty="0"/>
+              <a:t>Second level</a:t>
+            </a:r>
+          </a:p>
+          <a:p>
+            <a:pPr lvl="2"/>
+            <a:r>
+              <a:rPr lang="en-US" dirty="0"/>
+              <a:t>Third level</a:t>
+            </a:r>
+          </a:p>
+          <a:p>
+            <a:pPr lvl="3"/>
+            <a:r>
+              <a:rPr lang="en-US" dirty="0"/>
+              <a:t>Fourth level</a:t>
+            </a:r>
+          </a:p>
+          <a:p>
+            <a:pPr lvl="4"/>
+            <a:r>
+              <a:rPr lang="en-US" dirty="0"/>
+              <a:t>Fifth level</a:t>
+            </a:r>
+            <a:endParaRPr lang="en-IN" dirty="0"/>
+          </a:p>
+        </p:txBody>
+      </p:sp>
+      <p:sp>
+        <p:nvSpPr>
+          <p:cNvPr id="8" name="Picture Placeholder 7">
+            <a:extLst>
+              <a:ext uri="{FF2B5EF4-FFF2-40B4-BE49-F238E27FC236}">
+                <a16:creationId xmlns:a16="http://schemas.microsoft.com/office/drawing/2014/main" id="{FA321C93-9EF6-4C6A-AA7E-B0CDFDD82042}"/>
+              </a:ext>
+            </a:extLst>
+          </p:cNvPr>
+          <p:cNvSpPr>
+            <a:spLocks noGrp="1"/>
+          </p:cNvSpPr>
+          <p:nvPr>
+            <p:ph type="pic" sz="quarter" idx="14"/>
+          </p:nvPr>
+        </p:nvSpPr>
+        <p:spPr>
+          <a:xfrm>
+            <a:off x="6970713" y="1789113"/>
+            <a:ext cx="4532312" cy="3922712"/>
+          </a:xfrm>
+        </p:spPr>
+        <p:txBody>
+          <a:bodyPr/>
+          <a:lstStyle/>
+          <a:p>
+            <a:endParaRPr lang="en-IN"/>
           </a:p>
         </p:txBody>
       </p:sp>
@@ -3403,6 +3795,281 @@
 </file>
 
 <file path=ppt/slideLayouts/slideLayout3.xml><?xml version="1.0" encoding="utf-8"?>
+<p:sldLayout xmlns:a="http://schemas.openxmlformats.org/drawingml/2006/main" xmlns:r="http://schemas.openxmlformats.org/officeDocument/2006/relationships" xmlns:p="http://schemas.openxmlformats.org/presentationml/2006/main" type="secHead" preserve="1">
+  <p:cSld name="Section Header">
+    <p:spTree>
+      <p:nvGrpSpPr>
+        <p:cNvPr id="1" name=""/>
+        <p:cNvGrpSpPr/>
+        <p:nvPr/>
+      </p:nvGrpSpPr>
+      <p:grpSpPr>
+        <a:xfrm>
+          <a:off x="0" y="0"/>
+          <a:ext cx="0" cy="0"/>
+          <a:chOff x="0" y="0"/>
+          <a:chExt cx="0" cy="0"/>
+        </a:xfrm>
+      </p:grpSpPr>
+      <p:pic>
+        <p:nvPicPr>
+          <p:cNvPr id="9" name="Picture 8" descr="Droplets-HD-Content-R1d.png"/>
+          <p:cNvPicPr>
+            <a:picLocks noChangeAspect="1"/>
+          </p:cNvPicPr>
+          <p:nvPr/>
+        </p:nvPicPr>
+        <p:blipFill>
+          <a:blip r:embed="rId2">
+            <a:extLst>
+              <a:ext uri="{28A0092B-C50C-407E-A947-70E740481C1C}">
+                <a14:useLocalDpi xmlns:a14="http://schemas.microsoft.com/office/drawing/2010/main" val="0"/>
+              </a:ext>
+            </a:extLst>
+          </a:blip>
+          <a:stretch>
+            <a:fillRect/>
+          </a:stretch>
+        </p:blipFill>
+        <p:spPr>
+          <a:xfrm>
+            <a:off x="0" y="0"/>
+            <a:ext cx="12192000" cy="6858000"/>
+          </a:xfrm>
+          <a:prstGeom prst="rect">
+            <a:avLst/>
+          </a:prstGeom>
+        </p:spPr>
+      </p:pic>
+      <p:sp>
+        <p:nvSpPr>
+          <p:cNvPr id="2" name="Title 1"/>
+          <p:cNvSpPr>
+            <a:spLocks noGrp="1"/>
+          </p:cNvSpPr>
+          <p:nvPr>
+            <p:ph type="title"/>
+          </p:nvPr>
+        </p:nvSpPr>
+        <p:spPr>
+          <a:xfrm>
+            <a:off x="913774" y="828563"/>
+            <a:ext cx="10351752" cy="2736819"/>
+          </a:xfrm>
+        </p:spPr>
+        <p:txBody>
+          <a:bodyPr anchor="b">
+            <a:normAutofit/>
+          </a:bodyPr>
+          <a:lstStyle>
+            <a:lvl1pPr>
+              <a:defRPr sz="4000"/>
+            </a:lvl1pPr>
+          </a:lstStyle>
+          <a:p>
+            <a:r>
+              <a:rPr lang="en-US"/>
+              <a:t>Click to edit Master title style</a:t>
+            </a:r>
+            <a:endParaRPr lang="en-US" dirty="0"/>
+          </a:p>
+        </p:txBody>
+      </p:sp>
+      <p:sp>
+        <p:nvSpPr>
+          <p:cNvPr id="3" name="Text Placeholder 2"/>
+          <p:cNvSpPr>
+            <a:spLocks noGrp="1"/>
+          </p:cNvSpPr>
+          <p:nvPr>
+            <p:ph type="body" idx="1"/>
+          </p:nvPr>
+        </p:nvSpPr>
+        <p:spPr>
+          <a:xfrm>
+            <a:off x="913774" y="3657457"/>
+            <a:ext cx="10351752" cy="1368183"/>
+          </a:xfrm>
+        </p:spPr>
+        <p:txBody>
+          <a:bodyPr>
+            <a:normAutofit/>
+          </a:bodyPr>
+          <a:lstStyle>
+            <a:lvl1pPr marL="0" indent="0" algn="ctr">
+              <a:buNone/>
+              <a:defRPr sz="2000">
+                <a:solidFill>
+                  <a:schemeClr val="bg1">
+                    <a:lumMod val="50000"/>
+                  </a:schemeClr>
+                </a:solidFill>
+              </a:defRPr>
+            </a:lvl1pPr>
+            <a:lvl2pPr marL="457200" indent="0">
+              <a:buNone/>
+              <a:defRPr sz="2000">
+                <a:solidFill>
+                  <a:schemeClr val="tx1">
+                    <a:tint val="75000"/>
+                  </a:schemeClr>
+                </a:solidFill>
+              </a:defRPr>
+            </a:lvl2pPr>
+            <a:lvl3pPr marL="914400" indent="0">
+              <a:buNone/>
+              <a:defRPr sz="1800">
+                <a:solidFill>
+                  <a:schemeClr val="tx1">
+                    <a:tint val="75000"/>
+                  </a:schemeClr>
+                </a:solidFill>
+              </a:defRPr>
+            </a:lvl3pPr>
+            <a:lvl4pPr marL="1371600" indent="0">
+              <a:buNone/>
+              <a:defRPr sz="1600">
+                <a:solidFill>
+                  <a:schemeClr val="tx1">
+                    <a:tint val="75000"/>
+                  </a:schemeClr>
+                </a:solidFill>
+              </a:defRPr>
+            </a:lvl4pPr>
+            <a:lvl5pPr marL="1828800" indent="0">
+              <a:buNone/>
+              <a:defRPr sz="1600">
+                <a:solidFill>
+                  <a:schemeClr val="tx1">
+                    <a:tint val="75000"/>
+                  </a:schemeClr>
+                </a:solidFill>
+              </a:defRPr>
+            </a:lvl5pPr>
+            <a:lvl6pPr marL="2286000" indent="0">
+              <a:buNone/>
+              <a:defRPr sz="1600">
+                <a:solidFill>
+                  <a:schemeClr val="tx1">
+                    <a:tint val="75000"/>
+                  </a:schemeClr>
+                </a:solidFill>
+              </a:defRPr>
+            </a:lvl6pPr>
+            <a:lvl7pPr marL="2743200" indent="0">
+              <a:buNone/>
+              <a:defRPr sz="1600">
+                <a:solidFill>
+                  <a:schemeClr val="tx1">
+                    <a:tint val="75000"/>
+                  </a:schemeClr>
+                </a:solidFill>
+              </a:defRPr>
+            </a:lvl7pPr>
+            <a:lvl8pPr marL="3200400" indent="0">
+              <a:buNone/>
+              <a:defRPr sz="1600">
+                <a:solidFill>
+                  <a:schemeClr val="tx1">
+                    <a:tint val="75000"/>
+                  </a:schemeClr>
+                </a:solidFill>
+              </a:defRPr>
+            </a:lvl8pPr>
+            <a:lvl9pPr marL="3657600" indent="0">
+              <a:buNone/>
+              <a:defRPr sz="1600">
+                <a:solidFill>
+                  <a:schemeClr val="tx1">
+                    <a:tint val="75000"/>
+                  </a:schemeClr>
+                </a:solidFill>
+              </a:defRPr>
+            </a:lvl9pPr>
+          </a:lstStyle>
+          <a:p>
+            <a:pPr lvl="0"/>
+            <a:r>
+              <a:rPr lang="en-US"/>
+              <a:t>Click to edit Master text styles</a:t>
+            </a:r>
+          </a:p>
+        </p:txBody>
+      </p:sp>
+      <p:sp>
+        <p:nvSpPr>
+          <p:cNvPr id="4" name="Date Placeholder 3"/>
+          <p:cNvSpPr>
+            <a:spLocks noGrp="1"/>
+          </p:cNvSpPr>
+          <p:nvPr>
+            <p:ph type="dt" sz="half" idx="10"/>
+          </p:nvPr>
+        </p:nvSpPr>
+        <p:spPr/>
+        <p:txBody>
+          <a:bodyPr/>
+          <a:lstStyle/>
+          <a:p>
+            <a:fld id="{48A87A34-81AB-432B-8DAE-1953F412C126}" type="datetimeFigureOut">
+              <a:rPr lang="en-US" dirty="0"/>
+              <a:t>6/5/2021</a:t>
+            </a:fld>
+            <a:endParaRPr lang="en-US" dirty="0"/>
+          </a:p>
+        </p:txBody>
+      </p:sp>
+      <p:sp>
+        <p:nvSpPr>
+          <p:cNvPr id="5" name="Footer Placeholder 4"/>
+          <p:cNvSpPr>
+            <a:spLocks noGrp="1"/>
+          </p:cNvSpPr>
+          <p:nvPr>
+            <p:ph type="ftr" sz="quarter" idx="11"/>
+          </p:nvPr>
+        </p:nvSpPr>
+        <p:spPr/>
+        <p:txBody>
+          <a:bodyPr/>
+          <a:lstStyle/>
+          <a:p>
+            <a:endParaRPr lang="en-US" dirty="0"/>
+          </a:p>
+        </p:txBody>
+      </p:sp>
+      <p:sp>
+        <p:nvSpPr>
+          <p:cNvPr id="6" name="Slide Number Placeholder 5"/>
+          <p:cNvSpPr>
+            <a:spLocks noGrp="1"/>
+          </p:cNvSpPr>
+          <p:nvPr>
+            <p:ph type="sldNum" sz="quarter" idx="12"/>
+          </p:nvPr>
+        </p:nvSpPr>
+        <p:spPr/>
+        <p:txBody>
+          <a:bodyPr/>
+          <a:lstStyle/>
+          <a:p>
+            <a:fld id="{6D22F896-40B5-4ADD-8801-0D06FADFA095}" type="slidenum">
+              <a:rPr lang="en-US" dirty="0"/>
+              <a:t>‹#›</a:t>
+            </a:fld>
+            <a:endParaRPr lang="en-US" dirty="0"/>
+          </a:p>
+        </p:txBody>
+      </p:sp>
+    </p:spTree>
+  </p:cSld>
+  <p:clrMapOvr>
+    <a:masterClrMapping/>
+  </p:clrMapOvr>
+</p:sldLayout>
+</file>
+
+<file path=ppt/slideLayouts/slideLayout4.xml><?xml version="1.0" encoding="utf-8"?>
 <p:sldLayout xmlns:a="http://schemas.openxmlformats.org/drawingml/2006/main" xmlns:r="http://schemas.openxmlformats.org/officeDocument/2006/relationships" xmlns:p="http://schemas.openxmlformats.org/presentationml/2006/main" type="twoObj" preserve="1">
   <p:cSld name="Two Content">
     <p:spTree>
@@ -3419,9 +4086,39 @@
           <a:chExt cx="0" cy="0"/>
         </a:xfrm>
       </p:grpSpPr>
-      <p:sp>
-        <p:nvSpPr>
-          <p:cNvPr id="2" name="Title 1"/>
+      <p:pic>
+        <p:nvPicPr>
+          <p:cNvPr id="10" name="Picture 9" descr="Droplets-HD-Content-R1d.png"/>
+          <p:cNvPicPr>
+            <a:picLocks noChangeAspect="1"/>
+          </p:cNvPicPr>
+          <p:nvPr/>
+        </p:nvPicPr>
+        <p:blipFill>
+          <a:blip r:embed="rId2">
+            <a:extLst>
+              <a:ext uri="{28A0092B-C50C-407E-A947-70E740481C1C}">
+                <a14:useLocalDpi xmlns:a14="http://schemas.microsoft.com/office/drawing/2010/main" val="0"/>
+              </a:ext>
+            </a:extLst>
+          </a:blip>
+          <a:stretch>
+            <a:fillRect/>
+          </a:stretch>
+        </p:blipFill>
+        <p:spPr>
+          <a:xfrm>
+            <a:off x="0" y="0"/>
+            <a:ext cx="12192000" cy="6858000"/>
+          </a:xfrm>
+          <a:prstGeom prst="rect">
+            <a:avLst/>
+          </a:prstGeom>
+        </p:spPr>
+      </p:pic>
+      <p:sp>
+        <p:nvSpPr>
+          <p:cNvPr id="14" name="Title 1"/>
           <p:cNvSpPr>
             <a:spLocks noGrp="1"/>
           </p:cNvSpPr>
@@ -3429,7 +4126,12 @@
             <p:ph type="title"/>
           </p:nvPr>
         </p:nvSpPr>
-        <p:spPr/>
+        <p:spPr>
+          <a:xfrm>
+            <a:off x="913775" y="618517"/>
+            <a:ext cx="10364451" cy="1596177"/>
+          </a:xfrm>
+        </p:spPr>
         <p:txBody>
           <a:bodyPr/>
           <a:lstStyle/>
@@ -3444,228 +4146,126 @@
       </p:sp>
       <p:sp>
         <p:nvSpPr>
-          <p:cNvPr id="3" name="Content Placeholder 2"/>
-          <p:cNvSpPr>
-            <a:spLocks noGrp="1"/>
-          </p:cNvSpPr>
-          <p:nvPr>
-            <p:ph sz="half" idx="1"/>
-          </p:nvPr>
-        </p:nvSpPr>
-        <p:spPr>
-          <a:xfrm>
-            <a:off x="1103312" y="2060575"/>
-            <a:ext cx="4396339" cy="4195763"/>
-          </a:xfrm>
-        </p:spPr>
-        <p:txBody>
-          <a:bodyPr>
-            <a:normAutofit/>
-          </a:bodyPr>
-          <a:lstStyle>
-            <a:lvl1pPr>
-              <a:defRPr sz="1800"/>
-            </a:lvl1pPr>
-            <a:lvl2pPr>
-              <a:defRPr sz="1600"/>
-            </a:lvl2pPr>
-            <a:lvl3pPr>
-              <a:defRPr sz="1400"/>
-            </a:lvl3pPr>
-            <a:lvl4pPr>
-              <a:defRPr sz="1200"/>
-            </a:lvl4pPr>
-            <a:lvl5pPr>
-              <a:defRPr sz="1200"/>
-            </a:lvl5pPr>
-            <a:lvl6pPr>
-              <a:defRPr sz="1200"/>
-            </a:lvl6pPr>
-            <a:lvl7pPr>
-              <a:defRPr sz="1200"/>
-            </a:lvl7pPr>
-            <a:lvl8pPr>
-              <a:defRPr sz="1200"/>
-            </a:lvl8pPr>
-            <a:lvl9pPr>
-              <a:defRPr sz="1200"/>
-            </a:lvl9pPr>
-          </a:lstStyle>
-          <a:p>
-            <a:pPr lvl="0"/>
-            <a:r>
-              <a:rPr lang="en-US"/>
-              <a:t>Click to edit Master text styles</a:t>
-            </a:r>
-          </a:p>
-          <a:p>
-            <a:pPr lvl="1"/>
-            <a:r>
-              <a:rPr lang="en-US"/>
-              <a:t>Second level</a:t>
-            </a:r>
-          </a:p>
-          <a:p>
-            <a:pPr lvl="2"/>
-            <a:r>
-              <a:rPr lang="en-US"/>
-              <a:t>Third level</a:t>
-            </a:r>
-          </a:p>
-          <a:p>
-            <a:pPr lvl="3"/>
-            <a:r>
-              <a:rPr lang="en-US"/>
-              <a:t>Fourth level</a:t>
-            </a:r>
-          </a:p>
-          <a:p>
-            <a:pPr lvl="4"/>
-            <a:r>
-              <a:rPr lang="en-US"/>
-              <a:t>Fifth level</a:t>
-            </a:r>
-            <a:endParaRPr lang="en-US" dirty="0"/>
-          </a:p>
-        </p:txBody>
-      </p:sp>
-      <p:sp>
-        <p:nvSpPr>
-          <p:cNvPr id="4" name="Content Placeholder 3"/>
-          <p:cNvSpPr>
-            <a:spLocks noGrp="1"/>
-          </p:cNvSpPr>
-          <p:nvPr>
-            <p:ph sz="half" idx="2"/>
-          </p:nvPr>
-        </p:nvSpPr>
-        <p:spPr>
-          <a:xfrm>
-            <a:off x="5654493" y="2056092"/>
-            <a:ext cx="4396341" cy="4200245"/>
-          </a:xfrm>
-        </p:spPr>
-        <p:txBody>
-          <a:bodyPr>
-            <a:normAutofit/>
-          </a:bodyPr>
-          <a:lstStyle>
-            <a:lvl1pPr>
-              <a:defRPr sz="1800"/>
-            </a:lvl1pPr>
-            <a:lvl2pPr>
-              <a:defRPr sz="1600"/>
-            </a:lvl2pPr>
-            <a:lvl3pPr>
-              <a:defRPr sz="1400"/>
-            </a:lvl3pPr>
-            <a:lvl4pPr>
-              <a:defRPr sz="1200"/>
-            </a:lvl4pPr>
-            <a:lvl5pPr>
-              <a:defRPr sz="1200"/>
-            </a:lvl5pPr>
-            <a:lvl6pPr>
-              <a:defRPr sz="1200"/>
-            </a:lvl6pPr>
-            <a:lvl7pPr>
-              <a:defRPr sz="1200"/>
-            </a:lvl7pPr>
-            <a:lvl8pPr>
-              <a:defRPr sz="1200"/>
-            </a:lvl8pPr>
-            <a:lvl9pPr>
-              <a:defRPr sz="1200"/>
-            </a:lvl9pPr>
-          </a:lstStyle>
-          <a:p>
-            <a:pPr lvl="0"/>
-            <a:r>
-              <a:rPr lang="en-US"/>
-              <a:t>Click to edit Master text styles</a:t>
-            </a:r>
-          </a:p>
-          <a:p>
-            <a:pPr lvl="1"/>
-            <a:r>
-              <a:rPr lang="en-US"/>
-              <a:t>Second level</a:t>
-            </a:r>
-          </a:p>
-          <a:p>
-            <a:pPr lvl="2"/>
-            <a:r>
-              <a:rPr lang="en-US"/>
-              <a:t>Third level</a:t>
-            </a:r>
-          </a:p>
-          <a:p>
-            <a:pPr lvl="3"/>
-            <a:r>
-              <a:rPr lang="en-US"/>
-              <a:t>Fourth level</a:t>
-            </a:r>
-          </a:p>
-          <a:p>
-            <a:pPr lvl="4"/>
-            <a:r>
-              <a:rPr lang="en-US"/>
-              <a:t>Fifth level</a:t>
-            </a:r>
-            <a:endParaRPr lang="en-US" dirty="0"/>
-          </a:p>
-        </p:txBody>
-      </p:sp>
-      <p:sp>
-        <p:nvSpPr>
-          <p:cNvPr id="5" name="Date Placeholder 4"/>
-          <p:cNvSpPr>
-            <a:spLocks noGrp="1"/>
-          </p:cNvSpPr>
-          <p:nvPr>
-            <p:ph type="dt" sz="half" idx="10"/>
-          </p:nvPr>
-        </p:nvSpPr>
-        <p:spPr/>
+          <p:cNvPr id="12" name="Content Placeholder 2"/>
+          <p:cNvSpPr>
+            <a:spLocks noGrp="1"/>
+          </p:cNvSpPr>
+          <p:nvPr>
+            <p:ph sz="quarter" idx="13"/>
+          </p:nvPr>
+        </p:nvSpPr>
+        <p:spPr>
+          <a:xfrm>
+            <a:off x="913774" y="2367092"/>
+            <a:ext cx="5106026" cy="3424107"/>
+          </a:xfrm>
+        </p:spPr>
         <p:txBody>
           <a:bodyPr/>
           <a:lstStyle/>
           <a:p>
-            <a:fld id="{9796027F-7875-4030-9381-8BD8C4F21935}" type="datetimeFigureOut">
-              <a:rPr lang="en-US" dirty="0"/>
-              <a:t>5/31/2021</a:t>
-            </a:fld>
-            <a:endParaRPr lang="en-US" dirty="0"/>
-          </a:p>
-        </p:txBody>
-      </p:sp>
-      <p:sp>
-        <p:nvSpPr>
-          <p:cNvPr id="6" name="Footer Placeholder 5"/>
-          <p:cNvSpPr>
-            <a:spLocks noGrp="1"/>
-          </p:cNvSpPr>
-          <p:nvPr>
-            <p:ph type="ftr" sz="quarter" idx="11"/>
-          </p:nvPr>
-        </p:nvSpPr>
-        <p:spPr/>
+            <a:pPr lvl="0"/>
+            <a:r>
+              <a:rPr lang="en-US"/>
+              <a:t>Click to edit Master text styles</a:t>
+            </a:r>
+          </a:p>
+          <a:p>
+            <a:pPr lvl="1"/>
+            <a:r>
+              <a:rPr lang="en-US"/>
+              <a:t>Second level</a:t>
+            </a:r>
+          </a:p>
+          <a:p>
+            <a:pPr lvl="2"/>
+            <a:r>
+              <a:rPr lang="en-US"/>
+              <a:t>Third level</a:t>
+            </a:r>
+          </a:p>
+          <a:p>
+            <a:pPr lvl="3"/>
+            <a:r>
+              <a:rPr lang="en-US"/>
+              <a:t>Fourth level</a:t>
+            </a:r>
+          </a:p>
+          <a:p>
+            <a:pPr lvl="4"/>
+            <a:r>
+              <a:rPr lang="en-US"/>
+              <a:t>Fifth level</a:t>
+            </a:r>
+            <a:endParaRPr lang="en-US" dirty="0"/>
+          </a:p>
+        </p:txBody>
+      </p:sp>
+      <p:sp>
+        <p:nvSpPr>
+          <p:cNvPr id="13" name="Content Placeholder 3"/>
+          <p:cNvSpPr>
+            <a:spLocks noGrp="1"/>
+          </p:cNvSpPr>
+          <p:nvPr>
+            <p:ph sz="quarter" idx="14"/>
+          </p:nvPr>
+        </p:nvSpPr>
+        <p:spPr>
+          <a:xfrm>
+            <a:off x="6172200" y="2367092"/>
+            <a:ext cx="5105400" cy="3424107"/>
+          </a:xfrm>
+        </p:spPr>
         <p:txBody>
           <a:bodyPr/>
           <a:lstStyle/>
           <a:p>
-            <a:endParaRPr lang="en-US" dirty="0"/>
-          </a:p>
-        </p:txBody>
-      </p:sp>
-      <p:sp>
-        <p:nvSpPr>
-          <p:cNvPr id="7" name="Slide Number Placeholder 6"/>
-          <p:cNvSpPr>
-            <a:spLocks noGrp="1"/>
-          </p:cNvSpPr>
-          <p:nvPr>
-            <p:ph type="sldNum" sz="quarter" idx="12"/>
+            <a:pPr lvl="0"/>
+            <a:r>
+              <a:rPr lang="en-US"/>
+              <a:t>Click to edit Master text styles</a:t>
+            </a:r>
+          </a:p>
+          <a:p>
+            <a:pPr lvl="1"/>
+            <a:r>
+              <a:rPr lang="en-US"/>
+              <a:t>Second level</a:t>
+            </a:r>
+          </a:p>
+          <a:p>
+            <a:pPr lvl="2"/>
+            <a:r>
+              <a:rPr lang="en-US"/>
+              <a:t>Third level</a:t>
+            </a:r>
+          </a:p>
+          <a:p>
+            <a:pPr lvl="3"/>
+            <a:r>
+              <a:rPr lang="en-US"/>
+              <a:t>Fourth level</a:t>
+            </a:r>
+          </a:p>
+          <a:p>
+            <a:pPr lvl="4"/>
+            <a:r>
+              <a:rPr lang="en-US"/>
+              <a:t>Fifth level</a:t>
+            </a:r>
+            <a:endParaRPr lang="en-US" dirty="0"/>
+          </a:p>
+        </p:txBody>
+      </p:sp>
+      <p:sp>
+        <p:nvSpPr>
+          <p:cNvPr id="5" name="Date Placeholder 4"/>
+          <p:cNvSpPr>
+            <a:spLocks noGrp="1"/>
+          </p:cNvSpPr>
+          <p:nvPr>
+            <p:ph type="dt" sz="half" idx="10"/>
           </p:nvPr>
         </p:nvSpPr>
         <p:spPr/>
@@ -3673,199 +4273,22 @@
           <a:bodyPr/>
           <a:lstStyle/>
           <a:p>
-            <a:fld id="{D57F1E4F-1CFF-5643-939E-02111984F565}" type="slidenum">
+            <a:fld id="{48A87A34-81AB-432B-8DAE-1953F412C126}" type="datetimeFigureOut">
               <a:rPr lang="en-US" dirty="0"/>
-              <a:t>‹#›</a:t>
+              <a:t>6/5/2021</a:t>
             </a:fld>
             <a:endParaRPr lang="en-US" dirty="0"/>
           </a:p>
         </p:txBody>
       </p:sp>
-    </p:spTree>
-  </p:cSld>
-  <p:clrMapOvr>
-    <a:masterClrMapping/>
-  </p:clrMapOvr>
-</p:sldLayout>
-</file>
-
-<file path=ppt/slideLayouts/slideLayout4.xml><?xml version="1.0" encoding="utf-8"?>
-<p:sldLayout xmlns:a="http://schemas.openxmlformats.org/drawingml/2006/main" xmlns:r="http://schemas.openxmlformats.org/officeDocument/2006/relationships" xmlns:p="http://schemas.openxmlformats.org/presentationml/2006/main" type="secHead" preserve="1">
-  <p:cSld name="Section Header">
-    <p:spTree>
-      <p:nvGrpSpPr>
-        <p:cNvPr id="1" name=""/>
-        <p:cNvGrpSpPr/>
-        <p:nvPr/>
-      </p:nvGrpSpPr>
-      <p:grpSpPr>
-        <a:xfrm>
-          <a:off x="0" y="0"/>
-          <a:ext cx="0" cy="0"/>
-          <a:chOff x="0" y="0"/>
-          <a:chExt cx="0" cy="0"/>
-        </a:xfrm>
-      </p:grpSpPr>
-      <p:sp>
-        <p:nvSpPr>
-          <p:cNvPr id="2" name="Title 1"/>
-          <p:cNvSpPr>
-            <a:spLocks noGrp="1"/>
-          </p:cNvSpPr>
-          <p:nvPr>
-            <p:ph type="title"/>
-          </p:nvPr>
-        </p:nvSpPr>
-        <p:spPr>
-          <a:xfrm>
-            <a:off x="1154956" y="2861733"/>
-            <a:ext cx="8825657" cy="1915647"/>
-          </a:xfrm>
-        </p:spPr>
-        <p:txBody>
-          <a:bodyPr anchor="b"/>
-          <a:lstStyle>
-            <a:lvl1pPr algn="l">
-              <a:defRPr sz="4000" b="0" cap="none"/>
-            </a:lvl1pPr>
-          </a:lstStyle>
-          <a:p>
-            <a:r>
-              <a:rPr lang="en-US"/>
-              <a:t>Click to edit Master title style</a:t>
-            </a:r>
-            <a:endParaRPr lang="en-US" dirty="0"/>
-          </a:p>
-        </p:txBody>
-      </p:sp>
-      <p:sp>
-        <p:nvSpPr>
-          <p:cNvPr id="3" name="Text Placeholder 2"/>
-          <p:cNvSpPr>
-            <a:spLocks noGrp="1"/>
-          </p:cNvSpPr>
-          <p:nvPr>
-            <p:ph type="body" idx="1"/>
-          </p:nvPr>
-        </p:nvSpPr>
-        <p:spPr>
-          <a:xfrm>
-            <a:off x="1154955" y="4777381"/>
-            <a:ext cx="8825658" cy="860400"/>
-          </a:xfrm>
-        </p:spPr>
-        <p:txBody>
-          <a:bodyPr anchor="t"/>
-          <a:lstStyle>
-            <a:lvl1pPr marL="0" indent="0" algn="l">
-              <a:buNone/>
-              <a:defRPr sz="2000" cap="all">
-                <a:solidFill>
-                  <a:schemeClr val="bg2">
-                    <a:lumMod val="40000"/>
-                    <a:lumOff val="60000"/>
-                  </a:schemeClr>
-                </a:solidFill>
-              </a:defRPr>
-            </a:lvl1pPr>
-            <a:lvl2pPr marL="457200" indent="0">
-              <a:buNone/>
-              <a:defRPr sz="1800">
-                <a:solidFill>
-                  <a:schemeClr val="tx1">
-                    <a:tint val="75000"/>
-                  </a:schemeClr>
-                </a:solidFill>
-              </a:defRPr>
-            </a:lvl2pPr>
-            <a:lvl3pPr marL="914400" indent="0">
-              <a:buNone/>
-              <a:defRPr sz="1600">
-                <a:solidFill>
-                  <a:schemeClr val="tx1">
-                    <a:tint val="75000"/>
-                  </a:schemeClr>
-                </a:solidFill>
-              </a:defRPr>
-            </a:lvl3pPr>
-            <a:lvl4pPr marL="1371600" indent="0">
-              <a:buNone/>
-              <a:defRPr sz="1400">
-                <a:solidFill>
-                  <a:schemeClr val="tx1">
-                    <a:tint val="75000"/>
-                  </a:schemeClr>
-                </a:solidFill>
-              </a:defRPr>
-            </a:lvl4pPr>
-            <a:lvl5pPr marL="1828800" indent="0">
-              <a:buNone/>
-              <a:defRPr sz="1400">
-                <a:solidFill>
-                  <a:schemeClr val="tx1">
-                    <a:tint val="75000"/>
-                  </a:schemeClr>
-                </a:solidFill>
-              </a:defRPr>
-            </a:lvl5pPr>
-            <a:lvl6pPr marL="2286000" indent="0">
-              <a:buNone/>
-              <a:defRPr sz="1400">
-                <a:solidFill>
-                  <a:schemeClr val="tx1">
-                    <a:tint val="75000"/>
-                  </a:schemeClr>
-                </a:solidFill>
-              </a:defRPr>
-            </a:lvl6pPr>
-            <a:lvl7pPr marL="2743200" indent="0">
-              <a:buNone/>
-              <a:defRPr sz="1400">
-                <a:solidFill>
-                  <a:schemeClr val="tx1">
-                    <a:tint val="75000"/>
-                  </a:schemeClr>
-                </a:solidFill>
-              </a:defRPr>
-            </a:lvl7pPr>
-            <a:lvl8pPr marL="3200400" indent="0">
-              <a:buNone/>
-              <a:defRPr sz="1400">
-                <a:solidFill>
-                  <a:schemeClr val="tx1">
-                    <a:tint val="75000"/>
-                  </a:schemeClr>
-                </a:solidFill>
-              </a:defRPr>
-            </a:lvl8pPr>
-            <a:lvl9pPr marL="3657600" indent="0">
-              <a:buNone/>
-              <a:defRPr sz="1400">
-                <a:solidFill>
-                  <a:schemeClr val="tx1">
-                    <a:tint val="75000"/>
-                  </a:schemeClr>
-                </a:solidFill>
-              </a:defRPr>
-            </a:lvl9pPr>
-          </a:lstStyle>
-          <a:p>
-            <a:pPr lvl="0"/>
-            <a:r>
-              <a:rPr lang="en-US"/>
-              <a:t>Click to edit Master text styles</a:t>
-            </a:r>
-          </a:p>
-        </p:txBody>
-      </p:sp>
-      <p:sp>
-        <p:nvSpPr>
-          <p:cNvPr id="4" name="Date Placeholder 3"/>
-          <p:cNvSpPr>
-            <a:spLocks noGrp="1"/>
-          </p:cNvSpPr>
-          <p:nvPr>
-            <p:ph type="dt" sz="half" idx="10"/>
+      <p:sp>
+        <p:nvSpPr>
+          <p:cNvPr id="6" name="Footer Placeholder 5"/>
+          <p:cNvSpPr>
+            <a:spLocks noGrp="1"/>
+          </p:cNvSpPr>
+          <p:nvPr>
+            <p:ph type="ftr" sz="quarter" idx="11"/>
           </p:nvPr>
         </p:nvSpPr>
         <p:spPr/>
@@ -3873,22 +4296,18 @@
           <a:bodyPr/>
           <a:lstStyle/>
           <a:p>
-            <a:fld id="{9796027F-7875-4030-9381-8BD8C4F21935}" type="datetimeFigureOut">
-              <a:rPr lang="en-US" dirty="0"/>
-              <a:t>5/31/2021</a:t>
-            </a:fld>
-            <a:endParaRPr lang="en-US" dirty="0"/>
-          </a:p>
-        </p:txBody>
-      </p:sp>
-      <p:sp>
-        <p:nvSpPr>
-          <p:cNvPr id="5" name="Footer Placeholder 4"/>
-          <p:cNvSpPr>
-            <a:spLocks noGrp="1"/>
-          </p:cNvSpPr>
-          <p:nvPr>
-            <p:ph type="ftr" sz="quarter" idx="11"/>
+            <a:endParaRPr lang="en-US" dirty="0"/>
+          </a:p>
+        </p:txBody>
+      </p:sp>
+      <p:sp>
+        <p:nvSpPr>
+          <p:cNvPr id="7" name="Slide Number Placeholder 6"/>
+          <p:cNvSpPr>
+            <a:spLocks noGrp="1"/>
+          </p:cNvSpPr>
+          <p:nvPr>
+            <p:ph type="sldNum" sz="quarter" idx="12"/>
           </p:nvPr>
         </p:nvSpPr>
         <p:spPr/>
@@ -3896,26 +4315,7 @@
           <a:bodyPr/>
           <a:lstStyle/>
           <a:p>
-            <a:endParaRPr lang="en-US" dirty="0"/>
-          </a:p>
-        </p:txBody>
-      </p:sp>
-      <p:sp>
-        <p:nvSpPr>
-          <p:cNvPr id="6" name="Slide Number Placeholder 5"/>
-          <p:cNvSpPr>
-            <a:spLocks noGrp="1"/>
-          </p:cNvSpPr>
-          <p:nvPr>
-            <p:ph type="sldNum" sz="quarter" idx="12"/>
-          </p:nvPr>
-        </p:nvSpPr>
-        <p:spPr/>
-        <p:txBody>
-          <a:bodyPr/>
-          <a:lstStyle/>
-          <a:p>
-            <a:fld id="{D57F1E4F-1CFF-5643-939E-02111984F565}" type="slidenum">
+            <a:fld id="{6D22F896-40B5-4ADD-8801-0D06FADFA095}" type="slidenum">
               <a:rPr lang="en-US" dirty="0"/>
               <a:t>‹#›</a:t>
             </a:fld>
@@ -3948,9 +4348,39 @@
           <a:chExt cx="0" cy="0"/>
         </a:xfrm>
       </p:grpSpPr>
-      <p:sp>
-        <p:nvSpPr>
-          <p:cNvPr id="2" name="Title 1"/>
+      <p:pic>
+        <p:nvPicPr>
+          <p:cNvPr id="15" name="Picture 14" descr="Droplets-HD-Content-R1d.png"/>
+          <p:cNvPicPr>
+            <a:picLocks noChangeAspect="1"/>
+          </p:cNvPicPr>
+          <p:nvPr/>
+        </p:nvPicPr>
+        <p:blipFill>
+          <a:blip r:embed="rId2">
+            <a:extLst>
+              <a:ext uri="{28A0092B-C50C-407E-A947-70E740481C1C}">
+                <a14:useLocalDpi xmlns:a14="http://schemas.microsoft.com/office/drawing/2010/main" val="0"/>
+              </a:ext>
+            </a:extLst>
+          </a:blip>
+          <a:stretch>
+            <a:fillRect/>
+          </a:stretch>
+        </p:blipFill>
+        <p:spPr>
+          <a:xfrm>
+            <a:off x="0" y="0"/>
+            <a:ext cx="12192000" cy="6858000"/>
+          </a:xfrm>
+          <a:prstGeom prst="rect">
+            <a:avLst/>
+          </a:prstGeom>
+        </p:spPr>
+      </p:pic>
+      <p:sp>
+        <p:nvSpPr>
+          <p:cNvPr id="14" name="Title 1"/>
           <p:cNvSpPr>
             <a:spLocks noGrp="1"/>
           </p:cNvSpPr>
@@ -3958,14 +4388,15 @@
             <p:ph type="title"/>
           </p:nvPr>
         </p:nvSpPr>
-        <p:spPr/>
+        <p:spPr>
+          <a:xfrm>
+            <a:off x="913775" y="618517"/>
+            <a:ext cx="10364451" cy="1596177"/>
+          </a:xfrm>
+        </p:spPr>
         <p:txBody>
           <a:bodyPr/>
-          <a:lstStyle>
-            <a:lvl1pPr>
-              <a:defRPr/>
-            </a:lvl1pPr>
-          </a:lstStyle>
+          <a:lstStyle/>
           <a:p>
             <a:r>
               <a:rPr lang="en-US"/>
@@ -3987,8 +4418,8 @@
         </p:nvSpPr>
         <p:spPr>
           <a:xfrm>
-            <a:off x="1103313" y="1905000"/>
-            <a:ext cx="4396338" cy="576262"/>
+            <a:off x="1146328" y="2371018"/>
+            <a:ext cx="4873474" cy="679994"/>
           </a:xfrm>
         </p:spPr>
         <p:txBody>
@@ -3997,13 +4428,13 @@
           </a:bodyPr>
           <a:lstStyle>
             <a:lvl1pPr marL="0" indent="0">
-              <a:buNone/>
-              <a:defRPr sz="2400" b="0">
+              <a:lnSpc>
+                <a:spcPct val="85000"/>
+              </a:lnSpc>
+              <a:buNone/>
+              <a:defRPr sz="2600" b="0">
                 <a:solidFill>
-                  <a:schemeClr val="bg2">
-                    <a:lumMod val="40000"/>
-                    <a:lumOff val="60000"/>
-                  </a:schemeClr>
+                  <a:schemeClr val="tx1"/>
                 </a:solidFill>
               </a:defRPr>
             </a:lvl1pPr>
@@ -4051,53 +4482,23 @@
       </p:sp>
       <p:sp>
         <p:nvSpPr>
-          <p:cNvPr id="4" name="Content Placeholder 3"/>
-          <p:cNvSpPr>
-            <a:spLocks noGrp="1"/>
-          </p:cNvSpPr>
-          <p:nvPr>
-            <p:ph sz="half" idx="2"/>
-          </p:nvPr>
-        </p:nvSpPr>
-        <p:spPr>
-          <a:xfrm>
-            <a:off x="1103312" y="2514600"/>
-            <a:ext cx="4396339" cy="3741738"/>
-          </a:xfrm>
-        </p:spPr>
-        <p:txBody>
-          <a:bodyPr>
-            <a:normAutofit/>
-          </a:bodyPr>
-          <a:lstStyle>
-            <a:lvl1pPr>
-              <a:defRPr sz="1800"/>
-            </a:lvl1pPr>
-            <a:lvl2pPr>
-              <a:defRPr sz="1600"/>
-            </a:lvl2pPr>
-            <a:lvl3pPr>
-              <a:defRPr sz="1400"/>
-            </a:lvl3pPr>
-            <a:lvl4pPr>
-              <a:defRPr sz="1200"/>
-            </a:lvl4pPr>
-            <a:lvl5pPr>
-              <a:defRPr sz="1200"/>
-            </a:lvl5pPr>
-            <a:lvl6pPr>
-              <a:defRPr sz="1200"/>
-            </a:lvl6pPr>
-            <a:lvl7pPr>
-              <a:defRPr sz="1200"/>
-            </a:lvl7pPr>
-            <a:lvl8pPr>
-              <a:defRPr sz="1200"/>
-            </a:lvl8pPr>
-            <a:lvl9pPr>
-              <a:defRPr sz="1200"/>
-            </a:lvl9pPr>
-          </a:lstStyle>
+          <p:cNvPr id="12" name="Content Placeholder 3"/>
+          <p:cNvSpPr>
+            <a:spLocks noGrp="1"/>
+          </p:cNvSpPr>
+          <p:nvPr>
+            <p:ph sz="quarter" idx="13"/>
+          </p:nvPr>
+        </p:nvSpPr>
+        <p:spPr>
+          <a:xfrm>
+            <a:off x="913774" y="3051012"/>
+            <a:ext cx="5106027" cy="2740187"/>
+          </a:xfrm>
+        </p:spPr>
+        <p:txBody>
+          <a:bodyPr/>
+          <a:lstStyle/>
           <a:p>
             <a:pPr lvl="0"/>
             <a:r>
@@ -4148,8 +4549,8 @@
         </p:nvSpPr>
         <p:spPr>
           <a:xfrm>
-            <a:off x="5654495" y="1905000"/>
-            <a:ext cx="4396339" cy="576262"/>
+            <a:off x="6396423" y="2371018"/>
+            <a:ext cx="4881804" cy="679994"/>
           </a:xfrm>
         </p:spPr>
         <p:txBody>
@@ -4158,13 +4559,13 @@
           </a:bodyPr>
           <a:lstStyle>
             <a:lvl1pPr marL="0" indent="0">
-              <a:buNone/>
-              <a:defRPr sz="2400" b="0">
+              <a:lnSpc>
+                <a:spcPct val="85000"/>
+              </a:lnSpc>
+              <a:buNone/>
+              <a:defRPr sz="2600" b="0">
                 <a:solidFill>
-                  <a:schemeClr val="bg2">
-                    <a:lumMod val="40000"/>
-                    <a:lumOff val="60000"/>
-                  </a:schemeClr>
+                  <a:schemeClr val="tx1"/>
                 </a:solidFill>
               </a:defRPr>
             </a:lvl1pPr>
@@ -4212,122 +4613,69 @@
       </p:sp>
       <p:sp>
         <p:nvSpPr>
-          <p:cNvPr id="6" name="Content Placeholder 5"/>
-          <p:cNvSpPr>
-            <a:spLocks noGrp="1"/>
-          </p:cNvSpPr>
-          <p:nvPr>
-            <p:ph sz="quarter" idx="4"/>
-          </p:nvPr>
-        </p:nvSpPr>
-        <p:spPr>
-          <a:xfrm>
-            <a:off x="5654495" y="2514600"/>
-            <a:ext cx="4396339" cy="3741738"/>
-          </a:xfrm>
-        </p:spPr>
-        <p:txBody>
-          <a:bodyPr>
-            <a:normAutofit/>
-          </a:bodyPr>
-          <a:lstStyle>
-            <a:lvl1pPr>
-              <a:defRPr sz="1800"/>
-            </a:lvl1pPr>
-            <a:lvl2pPr>
-              <a:defRPr sz="1600"/>
-            </a:lvl2pPr>
-            <a:lvl3pPr>
-              <a:defRPr sz="1400"/>
-            </a:lvl3pPr>
-            <a:lvl4pPr>
-              <a:defRPr sz="1200"/>
-            </a:lvl4pPr>
-            <a:lvl5pPr>
-              <a:defRPr sz="1200"/>
-            </a:lvl5pPr>
-            <a:lvl6pPr>
-              <a:defRPr sz="1200"/>
-            </a:lvl6pPr>
-            <a:lvl7pPr>
-              <a:defRPr sz="1200"/>
-            </a:lvl7pPr>
-            <a:lvl8pPr>
-              <a:defRPr sz="1200"/>
-            </a:lvl8pPr>
-            <a:lvl9pPr>
-              <a:defRPr sz="1200"/>
-            </a:lvl9pPr>
-          </a:lstStyle>
-          <a:p>
-            <a:pPr lvl="0"/>
-            <a:r>
-              <a:rPr lang="en-US"/>
-              <a:t>Click to edit Master text styles</a:t>
-            </a:r>
-          </a:p>
-          <a:p>
-            <a:pPr lvl="1"/>
-            <a:r>
-              <a:rPr lang="en-US"/>
-              <a:t>Second level</a:t>
-            </a:r>
-          </a:p>
-          <a:p>
-            <a:pPr lvl="2"/>
-            <a:r>
-              <a:rPr lang="en-US"/>
-              <a:t>Third level</a:t>
-            </a:r>
-          </a:p>
-          <a:p>
-            <a:pPr lvl="3"/>
-            <a:r>
-              <a:rPr lang="en-US"/>
-              <a:t>Fourth level</a:t>
-            </a:r>
-          </a:p>
-          <a:p>
-            <a:pPr lvl="4"/>
-            <a:r>
-              <a:rPr lang="en-US"/>
-              <a:t>Fifth level</a:t>
-            </a:r>
-            <a:endParaRPr lang="en-US" dirty="0"/>
-          </a:p>
-        </p:txBody>
-      </p:sp>
-      <p:sp>
-        <p:nvSpPr>
-          <p:cNvPr id="7" name="Date Placeholder 6"/>
-          <p:cNvSpPr>
-            <a:spLocks noGrp="1"/>
-          </p:cNvSpPr>
-          <p:nvPr>
-            <p:ph type="dt" sz="half" idx="10"/>
-          </p:nvPr>
-        </p:nvSpPr>
-        <p:spPr/>
+          <p:cNvPr id="13" name="Content Placeholder 5"/>
+          <p:cNvSpPr>
+            <a:spLocks noGrp="1"/>
+          </p:cNvSpPr>
+          <p:nvPr>
+            <p:ph sz="quarter" idx="14"/>
+          </p:nvPr>
+        </p:nvSpPr>
+        <p:spPr>
+          <a:xfrm>
+            <a:off x="6172200" y="3051012"/>
+            <a:ext cx="5105401" cy="2740187"/>
+          </a:xfrm>
+        </p:spPr>
         <p:txBody>
           <a:bodyPr/>
           <a:lstStyle/>
           <a:p>
-            <a:fld id="{9796027F-7875-4030-9381-8BD8C4F21935}" type="datetimeFigureOut">
-              <a:rPr lang="en-US" dirty="0"/>
-              <a:t>5/31/2021</a:t>
-            </a:fld>
-            <a:endParaRPr lang="en-US" dirty="0"/>
-          </a:p>
-        </p:txBody>
-      </p:sp>
-      <p:sp>
-        <p:nvSpPr>
-          <p:cNvPr id="8" name="Footer Placeholder 7"/>
-          <p:cNvSpPr>
-            <a:spLocks noGrp="1"/>
-          </p:cNvSpPr>
-          <p:nvPr>
-            <p:ph type="ftr" sz="quarter" idx="11"/>
+            <a:pPr lvl="0"/>
+            <a:r>
+              <a:rPr lang="en-US"/>
+              <a:t>Click to edit Master text styles</a:t>
+            </a:r>
+          </a:p>
+          <a:p>
+            <a:pPr lvl="1"/>
+            <a:r>
+              <a:rPr lang="en-US"/>
+              <a:t>Second level</a:t>
+            </a:r>
+          </a:p>
+          <a:p>
+            <a:pPr lvl="2"/>
+            <a:r>
+              <a:rPr lang="en-US"/>
+              <a:t>Third level</a:t>
+            </a:r>
+          </a:p>
+          <a:p>
+            <a:pPr lvl="3"/>
+            <a:r>
+              <a:rPr lang="en-US"/>
+              <a:t>Fourth level</a:t>
+            </a:r>
+          </a:p>
+          <a:p>
+            <a:pPr lvl="4"/>
+            <a:r>
+              <a:rPr lang="en-US"/>
+              <a:t>Fifth level</a:t>
+            </a:r>
+            <a:endParaRPr lang="en-US" dirty="0"/>
+          </a:p>
+        </p:txBody>
+      </p:sp>
+      <p:sp>
+        <p:nvSpPr>
+          <p:cNvPr id="7" name="Date Placeholder 6"/>
+          <p:cNvSpPr>
+            <a:spLocks noGrp="1"/>
+          </p:cNvSpPr>
+          <p:nvPr>
+            <p:ph type="dt" sz="half" idx="10"/>
           </p:nvPr>
         </p:nvSpPr>
         <p:spPr/>
@@ -4335,18 +4683,22 @@
           <a:bodyPr/>
           <a:lstStyle/>
           <a:p>
-            <a:endParaRPr lang="en-US" dirty="0"/>
-          </a:p>
-        </p:txBody>
-      </p:sp>
-      <p:sp>
-        <p:nvSpPr>
-          <p:cNvPr id="9" name="Slide Number Placeholder 8"/>
-          <p:cNvSpPr>
-            <a:spLocks noGrp="1"/>
-          </p:cNvSpPr>
-          <p:nvPr>
-            <p:ph type="sldNum" sz="quarter" idx="12"/>
+            <a:fld id="{48A87A34-81AB-432B-8DAE-1953F412C126}" type="datetimeFigureOut">
+              <a:rPr lang="en-US" dirty="0"/>
+              <a:t>6/5/2021</a:t>
+            </a:fld>
+            <a:endParaRPr lang="en-US" dirty="0"/>
+          </a:p>
+        </p:txBody>
+      </p:sp>
+      <p:sp>
+        <p:nvSpPr>
+          <p:cNvPr id="8" name="Footer Placeholder 7"/>
+          <p:cNvSpPr>
+            <a:spLocks noGrp="1"/>
+          </p:cNvSpPr>
+          <p:nvPr>
+            <p:ph type="ftr" sz="quarter" idx="11"/>
           </p:nvPr>
         </p:nvSpPr>
         <p:spPr/>
@@ -4354,7 +4706,26 @@
           <a:bodyPr/>
           <a:lstStyle/>
           <a:p>
-            <a:fld id="{D57F1E4F-1CFF-5643-939E-02111984F565}" type="slidenum">
+            <a:endParaRPr lang="en-US" dirty="0"/>
+          </a:p>
+        </p:txBody>
+      </p:sp>
+      <p:sp>
+        <p:nvSpPr>
+          <p:cNvPr id="9" name="Slide Number Placeholder 8"/>
+          <p:cNvSpPr>
+            <a:spLocks noGrp="1"/>
+          </p:cNvSpPr>
+          <p:nvPr>
+            <p:ph type="sldNum" sz="quarter" idx="12"/>
+          </p:nvPr>
+        </p:nvSpPr>
+        <p:spPr/>
+        <p:txBody>
+          <a:bodyPr/>
+          <a:lstStyle/>
+          <a:p>
+            <a:fld id="{6D22F896-40B5-4ADD-8801-0D06FADFA095}" type="slidenum">
               <a:rPr lang="en-US" dirty="0"/>
               <a:t>‹#›</a:t>
             </a:fld>
@@ -4387,6 +4758,36 @@
           <a:chExt cx="0" cy="0"/>
         </a:xfrm>
       </p:grpSpPr>
+      <p:pic>
+        <p:nvPicPr>
+          <p:cNvPr id="8" name="Picture 7" descr="Droplets-HD-Content-R1d.png"/>
+          <p:cNvPicPr>
+            <a:picLocks noChangeAspect="1"/>
+          </p:cNvPicPr>
+          <p:nvPr/>
+        </p:nvPicPr>
+        <p:blipFill>
+          <a:blip r:embed="rId2">
+            <a:extLst>
+              <a:ext uri="{28A0092B-C50C-407E-A947-70E740481C1C}">
+                <a14:useLocalDpi xmlns:a14="http://schemas.microsoft.com/office/drawing/2010/main" val="0"/>
+              </a:ext>
+            </a:extLst>
+          </a:blip>
+          <a:stretch>
+            <a:fillRect/>
+          </a:stretch>
+        </p:blipFill>
+        <p:spPr>
+          <a:xfrm>
+            <a:off x="0" y="0"/>
+            <a:ext cx="12192000" cy="6858000"/>
+          </a:xfrm>
+          <a:prstGeom prst="rect">
+            <a:avLst/>
+          </a:prstGeom>
+        </p:spPr>
+      </p:pic>
       <p:sp>
         <p:nvSpPr>
           <p:cNvPr id="2" name="Title 1"/>
@@ -4412,7 +4813,7 @@
       </p:sp>
       <p:sp>
         <p:nvSpPr>
-          <p:cNvPr id="7" name="Date Placeholder 2"/>
+          <p:cNvPr id="3" name="Date Placeholder 2"/>
           <p:cNvSpPr>
             <a:spLocks noGrp="1"/>
           </p:cNvSpPr>
@@ -4425,9 +4826,9 @@
           <a:bodyPr/>
           <a:lstStyle/>
           <a:p>
-            <a:fld id="{4509A250-FF31-4206-8172-F9D3106AACB1}" type="datetimeFigureOut">
+            <a:fld id="{48A87A34-81AB-432B-8DAE-1953F412C126}" type="datetimeFigureOut">
               <a:rPr lang="en-US" dirty="0"/>
-              <a:t>5/31/2021</a:t>
+              <a:t>6/5/2021</a:t>
             </a:fld>
             <a:endParaRPr lang="en-US" dirty="0"/>
           </a:p>
@@ -4435,7 +4836,7 @@
       </p:sp>
       <p:sp>
         <p:nvSpPr>
-          <p:cNvPr id="5" name="Footer Placeholder 3"/>
+          <p:cNvPr id="4" name="Footer Placeholder 3"/>
           <p:cNvSpPr>
             <a:spLocks noGrp="1"/>
           </p:cNvSpPr>
@@ -4454,7 +4855,7 @@
       </p:sp>
       <p:sp>
         <p:nvSpPr>
-          <p:cNvPr id="6" name="Slide Number Placeholder 4"/>
+          <p:cNvPr id="5" name="Slide Number Placeholder 4"/>
           <p:cNvSpPr>
             <a:spLocks noGrp="1"/>
           </p:cNvSpPr>
@@ -4467,7 +4868,7 @@
           <a:bodyPr/>
           <a:lstStyle/>
           <a:p>
-            <a:fld id="{D57F1E4F-1CFF-5643-939E-02111984F565}" type="slidenum">
+            <a:fld id="{6D22F896-40B5-4ADD-8801-0D06FADFA095}" type="slidenum">
               <a:rPr lang="en-US" dirty="0"/>
               <a:t>‹#›</a:t>
             </a:fld>
@@ -4500,9 +4901,39 @@
           <a:chExt cx="0" cy="0"/>
         </a:xfrm>
       </p:grpSpPr>
-      <p:sp>
-        <p:nvSpPr>
-          <p:cNvPr id="7" name="Date Placeholder 1"/>
+      <p:pic>
+        <p:nvPicPr>
+          <p:cNvPr id="7" name="Picture 6" descr="Droplets-HD-Content-R1d.png"/>
+          <p:cNvPicPr>
+            <a:picLocks noChangeAspect="1"/>
+          </p:cNvPicPr>
+          <p:nvPr/>
+        </p:nvPicPr>
+        <p:blipFill>
+          <a:blip r:embed="rId2">
+            <a:extLst>
+              <a:ext uri="{28A0092B-C50C-407E-A947-70E740481C1C}">
+                <a14:useLocalDpi xmlns:a14="http://schemas.microsoft.com/office/drawing/2010/main" val="0"/>
+              </a:ext>
+            </a:extLst>
+          </a:blip>
+          <a:stretch>
+            <a:fillRect/>
+          </a:stretch>
+        </p:blipFill>
+        <p:spPr>
+          <a:xfrm>
+            <a:off x="0" y="0"/>
+            <a:ext cx="12192000" cy="6858000"/>
+          </a:xfrm>
+          <a:prstGeom prst="rect">
+            <a:avLst/>
+          </a:prstGeom>
+        </p:spPr>
+      </p:pic>
+      <p:sp>
+        <p:nvSpPr>
+          <p:cNvPr id="2" name="Date Placeholder 1"/>
           <p:cNvSpPr>
             <a:spLocks noGrp="1"/>
           </p:cNvSpPr>
@@ -4515,9 +4946,9 @@
           <a:bodyPr/>
           <a:lstStyle/>
           <a:p>
-            <a:fld id="{4509A250-FF31-4206-8172-F9D3106AACB1}" type="datetimeFigureOut">
+            <a:fld id="{48A87A34-81AB-432B-8DAE-1953F412C126}" type="datetimeFigureOut">
               <a:rPr lang="en-US" dirty="0"/>
-              <a:t>5/31/2021</a:t>
+              <a:t>6/5/2021</a:t>
             </a:fld>
             <a:endParaRPr lang="en-US" dirty="0"/>
           </a:p>
@@ -4525,7 +4956,7 @@
       </p:sp>
       <p:sp>
         <p:nvSpPr>
-          <p:cNvPr id="5" name="Footer Placeholder 2"/>
+          <p:cNvPr id="3" name="Footer Placeholder 2"/>
           <p:cNvSpPr>
             <a:spLocks noGrp="1"/>
           </p:cNvSpPr>
@@ -4544,7 +4975,7 @@
       </p:sp>
       <p:sp>
         <p:nvSpPr>
-          <p:cNvPr id="6" name="Slide Number Placeholder 3"/>
+          <p:cNvPr id="4" name="Slide Number Placeholder 3"/>
           <p:cNvSpPr>
             <a:spLocks noGrp="1"/>
           </p:cNvSpPr>
@@ -4557,7 +4988,7 @@
           <a:bodyPr/>
           <a:lstStyle/>
           <a:p>
-            <a:fld id="{D57F1E4F-1CFF-5643-939E-02111984F565}" type="slidenum">
+            <a:fld id="{6D22F896-40B5-4ADD-8801-0D06FADFA095}" type="slidenum">
               <a:rPr lang="en-US" dirty="0"/>
               <a:t>‹#›</a:t>
             </a:fld>
@@ -4590,6 +5021,36 @@
           <a:chExt cx="0" cy="0"/>
         </a:xfrm>
       </p:grpSpPr>
+      <p:pic>
+        <p:nvPicPr>
+          <p:cNvPr id="11" name="Picture 10" descr="Droplets-HD-Content-R1d.png"/>
+          <p:cNvPicPr>
+            <a:picLocks noChangeAspect="1"/>
+          </p:cNvPicPr>
+          <p:nvPr/>
+        </p:nvPicPr>
+        <p:blipFill>
+          <a:blip r:embed="rId2">
+            <a:extLst>
+              <a:ext uri="{28A0092B-C50C-407E-A947-70E740481C1C}">
+                <a14:useLocalDpi xmlns:a14="http://schemas.microsoft.com/office/drawing/2010/main" val="0"/>
+              </a:ext>
+            </a:extLst>
+          </a:blip>
+          <a:stretch>
+            <a:fillRect/>
+          </a:stretch>
+        </p:blipFill>
+        <p:spPr>
+          <a:xfrm>
+            <a:off x="0" y="0"/>
+            <a:ext cx="12192000" cy="6858000"/>
+          </a:xfrm>
+          <a:prstGeom prst="rect">
+            <a:avLst/>
+          </a:prstGeom>
+        </p:spPr>
+      </p:pic>
       <p:sp>
         <p:nvSpPr>
           <p:cNvPr id="2" name="Title 1"/>
@@ -4602,15 +5063,15 @@
         </p:nvSpPr>
         <p:spPr>
           <a:xfrm>
-            <a:off x="1154953" y="1447800"/>
-            <a:ext cx="3401064" cy="1447800"/>
+            <a:off x="913775" y="609600"/>
+            <a:ext cx="3935688" cy="2023252"/>
           </a:xfrm>
         </p:spPr>
         <p:txBody>
           <a:bodyPr anchor="b"/>
           <a:lstStyle>
-            <a:lvl1pPr algn="l">
-              <a:defRPr sz="2400" b="0"/>
+            <a:lvl1pPr algn="ctr">
+              <a:defRPr sz="3200"/>
             </a:lvl1pPr>
           </a:lstStyle>
           <a:p>
@@ -4624,51 +5085,115 @@
       </p:sp>
       <p:sp>
         <p:nvSpPr>
-          <p:cNvPr id="3" name="Content Placeholder 2"/>
-          <p:cNvSpPr>
-            <a:spLocks noGrp="1"/>
-          </p:cNvSpPr>
-          <p:nvPr>
-            <p:ph idx="1"/>
-          </p:nvPr>
-        </p:nvSpPr>
-        <p:spPr>
-          <a:xfrm>
-            <a:off x="4784616" y="1447800"/>
-            <a:ext cx="5195997" cy="4572000"/>
-          </a:xfrm>
-        </p:spPr>
-        <p:txBody>
-          <a:bodyPr anchor="ctr">
-            <a:normAutofit/>
-          </a:bodyPr>
+          <p:cNvPr id="10" name="Content Placeholder 2"/>
+          <p:cNvSpPr>
+            <a:spLocks noGrp="1"/>
+          </p:cNvSpPr>
+          <p:nvPr>
+            <p:ph sz="quarter" idx="13"/>
+          </p:nvPr>
+        </p:nvSpPr>
+        <p:spPr>
+          <a:xfrm>
+            <a:off x="5078062" y="609600"/>
+            <a:ext cx="6200163" cy="5181599"/>
+          </a:xfrm>
+        </p:spPr>
+        <p:txBody>
+          <a:bodyPr/>
+          <a:lstStyle/>
+          <a:p>
+            <a:pPr lvl="0"/>
+            <a:r>
+              <a:rPr lang="en-US"/>
+              <a:t>Click to edit Master text styles</a:t>
+            </a:r>
+          </a:p>
+          <a:p>
+            <a:pPr lvl="1"/>
+            <a:r>
+              <a:rPr lang="en-US"/>
+              <a:t>Second level</a:t>
+            </a:r>
+          </a:p>
+          <a:p>
+            <a:pPr lvl="2"/>
+            <a:r>
+              <a:rPr lang="en-US"/>
+              <a:t>Third level</a:t>
+            </a:r>
+          </a:p>
+          <a:p>
+            <a:pPr lvl="3"/>
+            <a:r>
+              <a:rPr lang="en-US"/>
+              <a:t>Fourth level</a:t>
+            </a:r>
+          </a:p>
+          <a:p>
+            <a:pPr lvl="4"/>
+            <a:r>
+              <a:rPr lang="en-US"/>
+              <a:t>Fifth level</a:t>
+            </a:r>
+            <a:endParaRPr lang="en-US" dirty="0"/>
+          </a:p>
+        </p:txBody>
+      </p:sp>
+      <p:sp>
+        <p:nvSpPr>
+          <p:cNvPr id="4" name="Text Placeholder 3"/>
+          <p:cNvSpPr>
+            <a:spLocks noGrp="1"/>
+          </p:cNvSpPr>
+          <p:nvPr>
+            <p:ph type="body" sz="half" idx="2"/>
+          </p:nvPr>
+        </p:nvSpPr>
+        <p:spPr>
+          <a:xfrm>
+            <a:off x="913774" y="2632852"/>
+            <a:ext cx="3935689" cy="3158348"/>
+          </a:xfrm>
+        </p:spPr>
+        <p:txBody>
+          <a:bodyPr/>
           <a:lstStyle>
-            <a:lvl1pPr>
-              <a:defRPr sz="2000"/>
+            <a:lvl1pPr marL="0" indent="0" algn="ctr">
+              <a:buNone/>
+              <a:defRPr sz="1600"/>
             </a:lvl1pPr>
-            <a:lvl2pPr>
-              <a:defRPr sz="1800"/>
+            <a:lvl2pPr marL="457200" indent="0">
+              <a:buNone/>
+              <a:defRPr sz="1400"/>
             </a:lvl2pPr>
-            <a:lvl3pPr>
-              <a:defRPr sz="1600"/>
+            <a:lvl3pPr marL="914400" indent="0">
+              <a:buNone/>
+              <a:defRPr sz="1200"/>
             </a:lvl3pPr>
-            <a:lvl4pPr>
-              <a:defRPr sz="1400"/>
+            <a:lvl4pPr marL="1371600" indent="0">
+              <a:buNone/>
+              <a:defRPr sz="1000"/>
             </a:lvl4pPr>
-            <a:lvl5pPr>
-              <a:defRPr sz="1400"/>
+            <a:lvl5pPr marL="1828800" indent="0">
+              <a:buNone/>
+              <a:defRPr sz="1000"/>
             </a:lvl5pPr>
-            <a:lvl6pPr>
-              <a:defRPr sz="1400"/>
+            <a:lvl6pPr marL="2286000" indent="0">
+              <a:buNone/>
+              <a:defRPr sz="1000"/>
             </a:lvl6pPr>
-            <a:lvl7pPr>
-              <a:defRPr sz="1400"/>
+            <a:lvl7pPr marL="2743200" indent="0">
+              <a:buNone/>
+              <a:defRPr sz="1000"/>
             </a:lvl7pPr>
-            <a:lvl8pPr>
-              <a:defRPr sz="1400"/>
+            <a:lvl8pPr marL="3200400" indent="0">
+              <a:buNone/>
+              <a:defRPr sz="1000"/>
             </a:lvl8pPr>
-            <a:lvl9pPr>
-              <a:defRPr sz="1400"/>
+            <a:lvl9pPr marL="3657600" indent="0">
+              <a:buNone/>
+              <a:defRPr sz="1000"/>
             </a:lvl9pPr>
           </a:lstStyle>
           <a:p>
@@ -4678,105 +5203,11 @@
               <a:t>Click to edit Master text styles</a:t>
             </a:r>
           </a:p>
-          <a:p>
-            <a:pPr lvl="1"/>
-            <a:r>
-              <a:rPr lang="en-US"/>
-              <a:t>Second level</a:t>
-            </a:r>
-          </a:p>
-          <a:p>
-            <a:pPr lvl="2"/>
-            <a:r>
-              <a:rPr lang="en-US"/>
-              <a:t>Third level</a:t>
-            </a:r>
-          </a:p>
-          <a:p>
-            <a:pPr lvl="3"/>
-            <a:r>
-              <a:rPr lang="en-US"/>
-              <a:t>Fourth level</a:t>
-            </a:r>
-          </a:p>
-          <a:p>
-            <a:pPr lvl="4"/>
-            <a:r>
-              <a:rPr lang="en-US"/>
-              <a:t>Fifth level</a:t>
-            </a:r>
-            <a:endParaRPr lang="en-US" dirty="0"/>
-          </a:p>
-        </p:txBody>
-      </p:sp>
-      <p:sp>
-        <p:nvSpPr>
-          <p:cNvPr id="4" name="Text Placeholder 3"/>
-          <p:cNvSpPr>
-            <a:spLocks noGrp="1"/>
-          </p:cNvSpPr>
-          <p:nvPr>
-            <p:ph type="body" sz="half" idx="2"/>
-          </p:nvPr>
-        </p:nvSpPr>
-        <p:spPr>
-          <a:xfrm>
-            <a:off x="1154953" y="3129280"/>
-            <a:ext cx="3401063" cy="2895599"/>
-          </a:xfrm>
-        </p:spPr>
-        <p:txBody>
-          <a:bodyPr/>
-          <a:lstStyle>
-            <a:lvl1pPr marL="0" indent="0">
-              <a:buNone/>
-              <a:defRPr sz="1400"/>
-            </a:lvl1pPr>
-            <a:lvl2pPr marL="457200" indent="0">
-              <a:buNone/>
-              <a:defRPr sz="1200"/>
-            </a:lvl2pPr>
-            <a:lvl3pPr marL="914400" indent="0">
-              <a:buNone/>
-              <a:defRPr sz="1000"/>
-            </a:lvl3pPr>
-            <a:lvl4pPr marL="1371600" indent="0">
-              <a:buNone/>
-              <a:defRPr sz="900"/>
-            </a:lvl4pPr>
-            <a:lvl5pPr marL="1828800" indent="0">
-              <a:buNone/>
-              <a:defRPr sz="900"/>
-            </a:lvl5pPr>
-            <a:lvl6pPr marL="2286000" indent="0">
-              <a:buNone/>
-              <a:defRPr sz="900"/>
-            </a:lvl6pPr>
-            <a:lvl7pPr marL="2743200" indent="0">
-              <a:buNone/>
-              <a:defRPr sz="900"/>
-            </a:lvl7pPr>
-            <a:lvl8pPr marL="3200400" indent="0">
-              <a:buNone/>
-              <a:defRPr sz="900"/>
-            </a:lvl8pPr>
-            <a:lvl9pPr marL="3657600" indent="0">
-              <a:buNone/>
-              <a:defRPr sz="900"/>
-            </a:lvl9pPr>
-          </a:lstStyle>
-          <a:p>
-            <a:pPr lvl="0"/>
-            <a:r>
-              <a:rPr lang="en-US"/>
-              <a:t>Click to edit Master text styles</a:t>
-            </a:r>
-          </a:p>
-        </p:txBody>
-      </p:sp>
-      <p:sp>
-        <p:nvSpPr>
-          <p:cNvPr id="7" name="Date Placeholder 4"/>
+        </p:txBody>
+      </p:sp>
+      <p:sp>
+        <p:nvSpPr>
+          <p:cNvPr id="5" name="Date Placeholder 4"/>
           <p:cNvSpPr>
             <a:spLocks noGrp="1"/>
           </p:cNvSpPr>
@@ -4789,9 +5220,9 @@
           <a:bodyPr/>
           <a:lstStyle/>
           <a:p>
-            <a:fld id="{4509A250-FF31-4206-8172-F9D3106AACB1}" type="datetimeFigureOut">
+            <a:fld id="{48A87A34-81AB-432B-8DAE-1953F412C126}" type="datetimeFigureOut">
               <a:rPr lang="en-US" dirty="0"/>
-              <a:t>5/31/2021</a:t>
+              <a:t>6/5/2021</a:t>
             </a:fld>
             <a:endParaRPr lang="en-US" dirty="0"/>
           </a:p>
@@ -4799,7 +5230,7 @@
       </p:sp>
       <p:sp>
         <p:nvSpPr>
-          <p:cNvPr id="5" name="Footer Placeholder 5"/>
+          <p:cNvPr id="6" name="Footer Placeholder 5"/>
           <p:cNvSpPr>
             <a:spLocks noGrp="1"/>
           </p:cNvSpPr>
@@ -4818,7 +5249,7 @@
       </p:sp>
       <p:sp>
         <p:nvSpPr>
-          <p:cNvPr id="6" name="Slide Number Placeholder 6"/>
+          <p:cNvPr id="7" name="Slide Number Placeholder 6"/>
           <p:cNvSpPr>
             <a:spLocks noGrp="1"/>
           </p:cNvSpPr>
@@ -4831,7 +5262,7 @@
           <a:bodyPr/>
           <a:lstStyle/>
           <a:p>
-            <a:fld id="{D57F1E4F-1CFF-5643-939E-02111984F565}" type="slidenum">
+            <a:fld id="{6D22F896-40B5-4ADD-8801-0D06FADFA095}" type="slidenum">
               <a:rPr lang="en-US" dirty="0"/>
               <a:t>‹#›</a:t>
             </a:fld>
@@ -4864,6 +5295,36 @@
           <a:chExt cx="0" cy="0"/>
         </a:xfrm>
       </p:grpSpPr>
+      <p:pic>
+        <p:nvPicPr>
+          <p:cNvPr id="10" name="Picture 9" descr="Droplets-HD-Content-R1d.png"/>
+          <p:cNvPicPr>
+            <a:picLocks noChangeAspect="1"/>
+          </p:cNvPicPr>
+          <p:nvPr/>
+        </p:nvPicPr>
+        <p:blipFill>
+          <a:blip r:embed="rId2">
+            <a:extLst>
+              <a:ext uri="{28A0092B-C50C-407E-A947-70E740481C1C}">
+                <a14:useLocalDpi xmlns:a14="http://schemas.microsoft.com/office/drawing/2010/main" val="0"/>
+              </a:ext>
+            </a:extLst>
+          </a:blip>
+          <a:stretch>
+            <a:fillRect/>
+          </a:stretch>
+        </p:blipFill>
+        <p:spPr>
+          <a:xfrm>
+            <a:off x="0" y="0"/>
+            <a:ext cx="12192000" cy="6858000"/>
+          </a:xfrm>
+          <a:prstGeom prst="rect">
+            <a:avLst/>
+          </a:prstGeom>
+        </p:spPr>
+      </p:pic>
       <p:sp>
         <p:nvSpPr>
           <p:cNvPr id="2" name="Title 1"/>
@@ -4876,17 +5337,15 @@
         </p:nvSpPr>
         <p:spPr>
           <a:xfrm>
-            <a:off x="1153907" y="1854192"/>
-            <a:ext cx="5092906" cy="1574808"/>
-          </a:xfrm>
-        </p:spPr>
-        <p:txBody>
-          <a:bodyPr anchor="b">
-            <a:normAutofit/>
-          </a:bodyPr>
+            <a:off x="913774" y="609600"/>
+            <a:ext cx="5934969" cy="2023254"/>
+          </a:xfrm>
+        </p:spPr>
+        <p:txBody>
+          <a:bodyPr anchor="b"/>
           <a:lstStyle>
-            <a:lvl1pPr algn="l">
-              <a:defRPr sz="3600" b="0"/>
+            <a:lvl1pPr algn="ctr">
+              <a:defRPr sz="3200"/>
             </a:lvl1pPr>
           </a:lstStyle>
           <a:p>
@@ -4910,26 +5369,102 @@
         </p:nvSpPr>
         <p:spPr>
           <a:xfrm>
-            <a:off x="6949546" y="1143000"/>
-            <a:ext cx="3200400" cy="4572000"/>
+            <a:off x="7424803" y="609601"/>
+            <a:ext cx="3255358" cy="5181600"/>
           </a:xfrm>
           <a:prstGeom prst="roundRect">
             <a:avLst>
-              <a:gd name="adj" fmla="val 1858"/>
+              <a:gd name="adj" fmla="val 4943"/>
             </a:avLst>
           </a:prstGeom>
-          <a:effectLst>
-            <a:outerShdw blurRad="50800" dist="50800" dir="5400000" algn="tl" rotWithShape="0">
-              <a:srgbClr val="000000">
-                <a:alpha val="43000"/>
-              </a:srgbClr>
-            </a:outerShdw>
-          </a:effectLst>
-        </p:spPr>
-        <p:txBody>
-          <a:bodyPr anchor="t">
-            <a:normAutofit/>
-          </a:bodyPr>
+          <a:noFill/>
+          <a:ln w="82550" cap="sq">
+            <a:solidFill>
+              <a:srgbClr val="EAEAEA"/>
+            </a:solidFill>
+            <a:miter lim="800000"/>
+          </a:ln>
+          <a:effectLst/>
+          <a:scene3d>
+            <a:camera prst="orthographicFront"/>
+            <a:lightRig rig="threePt" dir="t">
+              <a:rot lat="0" lon="0" rev="2700000"/>
+            </a:lightRig>
+          </a:scene3d>
+          <a:sp3d contourW="6350">
+            <a:bevelT h="38100"/>
+            <a:contourClr>
+              <a:srgbClr val="C0C0C0"/>
+            </a:contourClr>
+          </a:sp3d>
+        </p:spPr>
+        <p:txBody>
+          <a:bodyPr anchor="t"/>
+          <a:lstStyle>
+            <a:lvl1pPr marL="0" indent="0">
+              <a:buNone/>
+              <a:defRPr sz="3200"/>
+            </a:lvl1pPr>
+            <a:lvl2pPr marL="457200" indent="0">
+              <a:buNone/>
+              <a:defRPr sz="2800"/>
+            </a:lvl2pPr>
+            <a:lvl3pPr marL="914400" indent="0">
+              <a:buNone/>
+              <a:defRPr sz="2400"/>
+            </a:lvl3pPr>
+            <a:lvl4pPr marL="1371600" indent="0">
+              <a:buNone/>
+              <a:defRPr sz="2000"/>
+            </a:lvl4pPr>
+            <a:lvl5pPr marL="1828800" indent="0">
+              <a:buNone/>
+              <a:defRPr sz="2000"/>
+            </a:lvl5pPr>
+            <a:lvl6pPr marL="2286000" indent="0">
+              <a:buNone/>
+              <a:defRPr sz="2000"/>
+            </a:lvl6pPr>
+            <a:lvl7pPr marL="2743200" indent="0">
+              <a:buNone/>
+              <a:defRPr sz="2000"/>
+            </a:lvl7pPr>
+            <a:lvl8pPr marL="3200400" indent="0">
+              <a:buNone/>
+              <a:defRPr sz="2000"/>
+            </a:lvl8pPr>
+            <a:lvl9pPr marL="3657600" indent="0">
+              <a:buNone/>
+              <a:defRPr sz="2000"/>
+            </a:lvl9pPr>
+          </a:lstStyle>
+          <a:p>
+            <a:r>
+              <a:rPr lang="en-US"/>
+              <a:t>Click icon to add picture</a:t>
+            </a:r>
+            <a:endParaRPr lang="en-US" dirty="0"/>
+          </a:p>
+        </p:txBody>
+      </p:sp>
+      <p:sp>
+        <p:nvSpPr>
+          <p:cNvPr id="4" name="Text Placeholder 3"/>
+          <p:cNvSpPr>
+            <a:spLocks noGrp="1"/>
+          </p:cNvSpPr>
+          <p:nvPr>
+            <p:ph type="body" sz="half" idx="2"/>
+          </p:nvPr>
+        </p:nvSpPr>
+        <p:spPr>
+          <a:xfrm>
+            <a:off x="913794" y="2632852"/>
+            <a:ext cx="5934949" cy="3158347"/>
+          </a:xfrm>
+        </p:spPr>
+        <p:txBody>
+          <a:bodyPr/>
           <a:lstStyle>
             <a:lvl1pPr marL="0" indent="0" algn="ctr">
               <a:buNone/>
@@ -4937,105 +5472,38 @@
             </a:lvl1pPr>
             <a:lvl2pPr marL="457200" indent="0">
               <a:buNone/>
-              <a:defRPr sz="1600"/>
+              <a:defRPr sz="1400"/>
             </a:lvl2pPr>
             <a:lvl3pPr marL="914400" indent="0">
               <a:buNone/>
-              <a:defRPr sz="1600"/>
+              <a:defRPr sz="1200"/>
             </a:lvl3pPr>
             <a:lvl4pPr marL="1371600" indent="0">
               <a:buNone/>
-              <a:defRPr sz="1600"/>
+              <a:defRPr sz="1000"/>
             </a:lvl4pPr>
             <a:lvl5pPr marL="1828800" indent="0">
               <a:buNone/>
-              <a:defRPr sz="1600"/>
+              <a:defRPr sz="1000"/>
             </a:lvl5pPr>
             <a:lvl6pPr marL="2286000" indent="0">
               <a:buNone/>
-              <a:defRPr sz="1600"/>
+              <a:defRPr sz="1000"/>
             </a:lvl6pPr>
             <a:lvl7pPr marL="2743200" indent="0">
               <a:buNone/>
-              <a:defRPr sz="1600"/>
+              <a:defRPr sz="1000"/>
             </a:lvl7pPr>
             <a:lvl8pPr marL="3200400" indent="0">
               <a:buNone/>
-              <a:defRPr sz="1600"/>
+              <a:defRPr sz="1000"/>
             </a:lvl8pPr>
             <a:lvl9pPr marL="3657600" indent="0">
               <a:buNone/>
-              <a:defRPr sz="1600"/>
+              <a:defRPr sz="1000"/>
             </a:lvl9pPr>
           </a:lstStyle>
           <a:p>
-            <a:r>
-              <a:rPr lang="en-US"/>
-              <a:t>Click icon to add picture</a:t>
-            </a:r>
-            <a:endParaRPr lang="en-US" dirty="0"/>
-          </a:p>
-        </p:txBody>
-      </p:sp>
-      <p:sp>
-        <p:nvSpPr>
-          <p:cNvPr id="4" name="Text Placeholder 3"/>
-          <p:cNvSpPr>
-            <a:spLocks noGrp="1"/>
-          </p:cNvSpPr>
-          <p:nvPr>
-            <p:ph type="body" sz="half" idx="2"/>
-          </p:nvPr>
-        </p:nvSpPr>
-        <p:spPr>
-          <a:xfrm>
-            <a:off x="1154954" y="3657600"/>
-            <a:ext cx="5084979" cy="1371600"/>
-          </a:xfrm>
-        </p:spPr>
-        <p:txBody>
-          <a:bodyPr>
-            <a:normAutofit/>
-          </a:bodyPr>
-          <a:lstStyle>
-            <a:lvl1pPr marL="0" indent="0">
-              <a:buNone/>
-              <a:defRPr sz="1400"/>
-            </a:lvl1pPr>
-            <a:lvl2pPr marL="457200" indent="0">
-              <a:buNone/>
-              <a:defRPr sz="1200"/>
-            </a:lvl2pPr>
-            <a:lvl3pPr marL="914400" indent="0">
-              <a:buNone/>
-              <a:defRPr sz="1000"/>
-            </a:lvl3pPr>
-            <a:lvl4pPr marL="1371600" indent="0">
-              <a:buNone/>
-              <a:defRPr sz="900"/>
-            </a:lvl4pPr>
-            <a:lvl5pPr marL="1828800" indent="0">
-              <a:buNone/>
-              <a:defRPr sz="900"/>
-            </a:lvl5pPr>
-            <a:lvl6pPr marL="2286000" indent="0">
-              <a:buNone/>
-              <a:defRPr sz="900"/>
-            </a:lvl6pPr>
-            <a:lvl7pPr marL="2743200" indent="0">
-              <a:buNone/>
-              <a:defRPr sz="900"/>
-            </a:lvl7pPr>
-            <a:lvl8pPr marL="3200400" indent="0">
-              <a:buNone/>
-              <a:defRPr sz="900"/>
-            </a:lvl8pPr>
-            <a:lvl9pPr marL="3657600" indent="0">
-              <a:buNone/>
-              <a:defRPr sz="900"/>
-            </a:lvl9pPr>
-          </a:lstStyle>
-          <a:p>
             <a:pPr lvl="0"/>
             <a:r>
               <a:rPr lang="en-US"/>
@@ -5059,9 +5527,9 @@
           <a:bodyPr/>
           <a:lstStyle/>
           <a:p>
-            <a:fld id="{4509A250-FF31-4206-8172-F9D3106AACB1}" type="datetimeFigureOut">
+            <a:fld id="{48A87A34-81AB-432B-8DAE-1953F412C126}" type="datetimeFigureOut">
               <a:rPr lang="en-US" dirty="0"/>
-              <a:t>5/31/2021</a:t>
+              <a:t>6/5/2021</a:t>
             </a:fld>
             <a:endParaRPr lang="en-US" dirty="0"/>
           </a:p>
@@ -5101,7 +5569,7 @@
           <a:bodyPr/>
           <a:lstStyle/>
           <a:p>
-            <a:fld id="{D57F1E4F-1CFF-5643-939E-02111984F565}" type="slidenum">
+            <a:fld id="{6D22F896-40B5-4ADD-8801-0D06FADFA095}" type="slidenum">
               <a:rPr lang="en-US" dirty="0"/>
               <a:t>‹#›</a:t>
             </a:fld>
@@ -5121,8 +5589,8 @@
 <p:sldMaster xmlns:a="http://schemas.openxmlformats.org/drawingml/2006/main" xmlns:r="http://schemas.openxmlformats.org/officeDocument/2006/relationships" xmlns:p="http://schemas.openxmlformats.org/presentationml/2006/main">
   <p:cSld>
     <p:bg>
-      <p:bgRef idx="1003">
-        <a:schemeClr val="bg2"/>
+      <p:bgRef idx="1002">
+        <a:schemeClr val="bg1"/>
       </p:bgRef>
     </p:bg>
     <p:spTree>
@@ -5141,241 +5609,68 @@
       </p:grpSpPr>
       <p:pic>
         <p:nvPicPr>
-          <p:cNvPr id="8" name="Picture 7"/>
+          <p:cNvPr id="1026" name="Picture 2" descr="\\DROBO-FS\QuickDrops\JB\PPTX NG\Droplets\LightingOverlay.png"/>
           <p:cNvPicPr>
-            <a:picLocks noChangeAspect="1"/>
+            <a:picLocks noChangeAspect="1" noChangeArrowheads="1"/>
           </p:cNvPicPr>
           <p:nvPr/>
         </p:nvPicPr>
-        <p:blipFill rotWithShape="1">
+        <p:blipFill>
           <a:blip r:embed="rId19">
+            <a:alphaModFix/>
             <a:extLst>
               <a:ext uri="{28A0092B-C50C-407E-A947-70E740481C1C}">
                 <a14:useLocalDpi xmlns:a14="http://schemas.microsoft.com/office/drawing/2010/main" val="0"/>
               </a:ext>
             </a:extLst>
           </a:blip>
-          <a:srcRect l="3613"/>
-          <a:stretch/>
+          <a:srcRect/>
+          <a:stretch>
+            <a:fillRect/>
+          </a:stretch>
         </p:blipFill>
-        <p:spPr>
-          <a:xfrm>
-            <a:off x="0" y="2669685"/>
-            <a:ext cx="4037012" cy="4188315"/>
+        <p:spPr bwMode="auto">
+          <a:xfrm>
+            <a:off x="0" y="-1"/>
+            <a:ext cx="12192003" cy="6858001"/>
           </a:xfrm>
           <a:prstGeom prst="rect">
             <a:avLst/>
           </a:prstGeom>
+          <a:noFill/>
+          <a:extLst>
+            <a:ext uri="{909E8E84-426E-40DD-AFC4-6F175D3DCCD1}">
+              <a14:hiddenFill xmlns:a14="http://schemas.microsoft.com/office/drawing/2010/main">
+                <a:solidFill>
+                  <a:srgbClr val="FFFFFF"/>
+                </a:solidFill>
+              </a14:hiddenFill>
+            </a:ext>
+          </a:extLst>
         </p:spPr>
       </p:pic>
-      <p:pic>
-        <p:nvPicPr>
-          <p:cNvPr id="7" name="Picture 6"/>
-          <p:cNvPicPr>
-            <a:picLocks noChangeAspect="1"/>
-          </p:cNvPicPr>
-          <p:nvPr/>
-        </p:nvPicPr>
-        <p:blipFill rotWithShape="1">
-          <a:blip r:embed="rId20">
-            <a:extLst>
-              <a:ext uri="{28A0092B-C50C-407E-A947-70E740481C1C}">
-                <a14:useLocalDpi xmlns:a14="http://schemas.microsoft.com/office/drawing/2010/main" val="0"/>
-              </a:ext>
-            </a:extLst>
-          </a:blip>
-          <a:srcRect l="35640"/>
-          <a:stretch/>
-        </p:blipFill>
-        <p:spPr>
-          <a:xfrm>
-            <a:off x="0" y="2892347"/>
-            <a:ext cx="1522412" cy="2365453"/>
+      <p:sp>
+        <p:nvSpPr>
+          <p:cNvPr id="2" name="Title Placeholder 1"/>
+          <p:cNvSpPr>
+            <a:spLocks noGrp="1"/>
+          </p:cNvSpPr>
+          <p:nvPr>
+            <p:ph type="title"/>
+          </p:nvPr>
+        </p:nvSpPr>
+        <p:spPr>
+          <a:xfrm>
+            <a:off x="913775" y="618517"/>
+            <a:ext cx="10364451" cy="1596177"/>
           </a:xfrm>
           <a:prstGeom prst="rect">
             <a:avLst/>
           </a:prstGeom>
         </p:spPr>
-      </p:pic>
-      <p:sp>
-        <p:nvSpPr>
-          <p:cNvPr id="16" name="Oval 15"/>
-          <p:cNvSpPr/>
-          <p:nvPr/>
-        </p:nvSpPr>
-        <p:spPr>
-          <a:xfrm>
-            <a:off x="8609012" y="1676400"/>
-            <a:ext cx="2819400" cy="2819400"/>
-          </a:xfrm>
-          <a:prstGeom prst="ellipse">
-            <a:avLst/>
-          </a:prstGeom>
-          <a:gradFill flip="none" rotWithShape="1">
-            <a:gsLst>
-              <a:gs pos="0">
-                <a:schemeClr val="bg2">
-                  <a:lumMod val="60000"/>
-                  <a:lumOff val="40000"/>
-                  <a:alpha val="7000"/>
-                </a:schemeClr>
-              </a:gs>
-              <a:gs pos="69000">
-                <a:schemeClr val="bg2">
-                  <a:lumMod val="60000"/>
-                  <a:lumOff val="40000"/>
-                  <a:alpha val="0"/>
-                </a:schemeClr>
-              </a:gs>
-              <a:gs pos="36000">
-                <a:schemeClr val="bg2">
-                  <a:lumMod val="60000"/>
-                  <a:lumOff val="40000"/>
-                  <a:alpha val="6000"/>
-                </a:schemeClr>
-              </a:gs>
-            </a:gsLst>
-            <a:path path="circle">
-              <a:fillToRect l="50000" t="50000" r="50000" b="50000"/>
-            </a:path>
-            <a:tileRect/>
-          </a:gradFill>
-          <a:ln>
-            <a:noFill/>
-          </a:ln>
-          <a:effectLst/>
-        </p:spPr>
-        <p:style>
-          <a:lnRef idx="1">
-            <a:schemeClr val="accent1"/>
-          </a:lnRef>
-          <a:fillRef idx="3">
-            <a:schemeClr val="accent1"/>
-          </a:fillRef>
-          <a:effectRef idx="2">
-            <a:schemeClr val="accent1"/>
-          </a:effectRef>
-          <a:fontRef idx="minor">
-            <a:schemeClr val="lt1"/>
-          </a:fontRef>
-        </p:style>
-      </p:sp>
-      <p:pic>
-        <p:nvPicPr>
-          <p:cNvPr id="9" name="Picture 8"/>
-          <p:cNvPicPr>
-            <a:picLocks noChangeAspect="1"/>
-          </p:cNvPicPr>
-          <p:nvPr/>
-        </p:nvPicPr>
-        <p:blipFill rotWithShape="1">
-          <a:blip r:embed="rId21">
-            <a:extLst>
-              <a:ext uri="{28A0092B-C50C-407E-A947-70E740481C1C}">
-                <a14:useLocalDpi xmlns:a14="http://schemas.microsoft.com/office/drawing/2010/main" val="0"/>
-              </a:ext>
-            </a:extLst>
-          </a:blip>
-          <a:srcRect t="28813"/>
-          <a:stretch/>
-        </p:blipFill>
-        <p:spPr>
-          <a:xfrm>
-            <a:off x="7999412" y="0"/>
-            <a:ext cx="1603387" cy="1141407"/>
-          </a:xfrm>
-          <a:prstGeom prst="rect">
-            <a:avLst/>
-          </a:prstGeom>
-        </p:spPr>
-      </p:pic>
-      <p:pic>
-        <p:nvPicPr>
-          <p:cNvPr id="10" name="Picture 9"/>
-          <p:cNvPicPr>
-            <a:picLocks noChangeAspect="1"/>
-          </p:cNvPicPr>
-          <p:nvPr/>
-        </p:nvPicPr>
-        <p:blipFill rotWithShape="1">
-          <a:blip r:embed="rId22">
-            <a:extLst>
-              <a:ext uri="{28A0092B-C50C-407E-A947-70E740481C1C}">
-                <a14:useLocalDpi xmlns:a14="http://schemas.microsoft.com/office/drawing/2010/main" val="0"/>
-              </a:ext>
-            </a:extLst>
-          </a:blip>
-          <a:srcRect b="23320"/>
-          <a:stretch/>
-        </p:blipFill>
-        <p:spPr>
-          <a:xfrm>
-            <a:off x="8605878" y="6096000"/>
-            <a:ext cx="993734" cy="762000"/>
-          </a:xfrm>
-          <a:prstGeom prst="rect">
-            <a:avLst/>
-          </a:prstGeom>
-        </p:spPr>
-      </p:pic>
-      <p:sp>
-        <p:nvSpPr>
-          <p:cNvPr id="14" name="Rectangle 13"/>
-          <p:cNvSpPr/>
-          <p:nvPr/>
-        </p:nvSpPr>
-        <p:spPr>
-          <a:xfrm>
-            <a:off x="10437812" y="0"/>
-            <a:ext cx="685800" cy="1143000"/>
-          </a:xfrm>
-          <a:prstGeom prst="rect">
-            <a:avLst/>
-          </a:prstGeom>
-          <a:solidFill>
-            <a:schemeClr val="accent1"/>
-          </a:solidFill>
-          <a:ln>
-            <a:noFill/>
-          </a:ln>
-        </p:spPr>
-        <p:style>
-          <a:lnRef idx="1">
-            <a:schemeClr val="accent1"/>
-          </a:lnRef>
-          <a:fillRef idx="3">
-            <a:schemeClr val="accent1"/>
-          </a:fillRef>
-          <a:effectRef idx="2">
-            <a:schemeClr val="accent1"/>
-          </a:effectRef>
-          <a:fontRef idx="minor">
-            <a:schemeClr val="lt1"/>
-          </a:fontRef>
-        </p:style>
-      </p:sp>
-      <p:sp>
-        <p:nvSpPr>
-          <p:cNvPr id="2" name="Title Placeholder 1"/>
-          <p:cNvSpPr>
-            <a:spLocks noGrp="1"/>
-          </p:cNvSpPr>
-          <p:nvPr>
-            <p:ph type="title"/>
-          </p:nvPr>
-        </p:nvSpPr>
-        <p:spPr>
-          <a:xfrm>
-            <a:off x="646111" y="452718"/>
-            <a:ext cx="9404723" cy="1400530"/>
-          </a:xfrm>
-          <a:prstGeom prst="rect">
-            <a:avLst/>
-          </a:prstGeom>
-        </p:spPr>
-        <p:txBody>
-          <a:bodyPr vert="horz" lIns="91440" tIns="45720" rIns="91440" bIns="45720" rtlCol="0" anchor="t">
-            <a:noAutofit/>
+        <p:txBody>
+          <a:bodyPr vert="horz" lIns="91440" tIns="45720" rIns="91440" bIns="45720" rtlCol="0" anchor="ctr">
+            <a:normAutofit/>
           </a:bodyPr>
           <a:lstStyle/>
           <a:p>
@@ -5399,8 +5694,8 @@
         </p:nvSpPr>
         <p:spPr>
           <a:xfrm>
-            <a:off x="1103312" y="2052918"/>
-            <a:ext cx="8946541" cy="4195481"/>
+            <a:off x="913775" y="2367093"/>
+            <a:ext cx="10364452" cy="3424107"/>
           </a:xfrm>
           <a:prstGeom prst="rect">
             <a:avLst/>
@@ -5460,32 +5755,30 @@
           </p:nvPr>
         </p:nvSpPr>
         <p:spPr>
-          <a:xfrm rot="5400000">
-            <a:off x="10155639" y="1790701"/>
-            <a:ext cx="990599" cy="304799"/>
+          <a:xfrm>
+            <a:off x="7678737" y="5883275"/>
+            <a:ext cx="2743200" cy="365125"/>
           </a:xfrm>
           <a:prstGeom prst="rect">
             <a:avLst/>
           </a:prstGeom>
         </p:spPr>
         <p:txBody>
-          <a:bodyPr vert="horz" lIns="91440" tIns="45720" rIns="91440" bIns="45720" rtlCol="0" anchor="t"/>
+          <a:bodyPr vert="horz" lIns="91440" tIns="45720" rIns="91440" bIns="45720" rtlCol="0" anchor="ctr"/>
           <a:lstStyle>
-            <a:lvl1pPr algn="l">
-              <a:defRPr sz="1100" b="0" i="0">
+            <a:lvl1pPr algn="r">
+              <a:defRPr sz="1000">
                 <a:solidFill>
-                  <a:schemeClr val="tx1">
-                    <a:tint val="75000"/>
-                    <a:alpha val="60000"/>
-                  </a:schemeClr>
+                  <a:schemeClr val="tx1"/>
                 </a:solidFill>
               </a:defRPr>
             </a:lvl1pPr>
           </a:lstStyle>
           <a:p>
-            <a:fld id="{4AAD347D-5ACD-4C99-B74B-A9C85AD731AF}" type="datetimeFigureOut">
+            <a:fld id="{48A87A34-81AB-432B-8DAE-1953F412C126}" type="datetimeFigureOut">
               <a:rPr lang="en-US" dirty="0"/>
-              <a:t>5/31/2021</a:t>
+              <a:pPr/>
+              <a:t>6/5/2021</a:t>
             </a:fld>
             <a:endParaRPr lang="en-US" dirty="0"/>
           </a:p>
@@ -5502,24 +5795,21 @@
           </p:nvPr>
         </p:nvSpPr>
         <p:spPr>
-          <a:xfrm rot="5400000">
-            <a:off x="8951573" y="3225297"/>
-            <a:ext cx="3859795" cy="304801"/>
+          <a:xfrm>
+            <a:off x="913774" y="5883275"/>
+            <a:ext cx="6672887" cy="365125"/>
           </a:xfrm>
           <a:prstGeom prst="rect">
             <a:avLst/>
           </a:prstGeom>
         </p:spPr>
         <p:txBody>
-          <a:bodyPr vert="horz" lIns="91440" tIns="45720" rIns="91440" bIns="45720" rtlCol="0" anchor="b"/>
+          <a:bodyPr vert="horz" lIns="91440" tIns="45720" rIns="91440" bIns="45720" rtlCol="0" anchor="ctr"/>
           <a:lstStyle>
             <a:lvl1pPr algn="l">
-              <a:defRPr sz="1100" b="0" i="0">
+              <a:defRPr sz="1000">
                 <a:solidFill>
-                  <a:schemeClr val="tx1">
-                    <a:tint val="75000"/>
-                    <a:alpha val="60000"/>
-                  </a:schemeClr>
+                  <a:schemeClr val="tx1"/>
                 </a:solidFill>
               </a:defRPr>
             </a:lvl1pPr>
@@ -5539,31 +5829,30 @@
             <p:ph type="sldNum" sz="quarter" idx="4"/>
           </p:nvPr>
         </p:nvSpPr>
-        <p:spPr bwMode="gray">
-          <a:xfrm>
-            <a:off x="10352540" y="295729"/>
-            <a:ext cx="838199" cy="767687"/>
+        <p:spPr>
+          <a:xfrm>
+            <a:off x="10514011" y="5883275"/>
+            <a:ext cx="764215" cy="365125"/>
           </a:xfrm>
           <a:prstGeom prst="rect">
             <a:avLst/>
           </a:prstGeom>
         </p:spPr>
         <p:txBody>
-          <a:bodyPr vert="horz" lIns="91440" tIns="45720" rIns="91440" bIns="45720" rtlCol="0" anchor="b"/>
+          <a:bodyPr vert="horz" lIns="91440" tIns="45720" rIns="91440" bIns="45720" rtlCol="0" anchor="ctr"/>
           <a:lstStyle>
-            <a:lvl1pPr algn="ctr">
-              <a:defRPr sz="2800" b="0" i="0">
+            <a:lvl1pPr algn="r">
+              <a:defRPr sz="1000">
                 <a:solidFill>
-                  <a:schemeClr val="tx1">
-                    <a:tint val="75000"/>
-                  </a:schemeClr>
+                  <a:schemeClr val="tx1"/>
                 </a:solidFill>
               </a:defRPr>
             </a:lvl1pPr>
           </a:lstStyle>
           <a:p>
-            <a:fld id="{D57F1E4F-1CFF-5643-939E-02111984F565}" type="slidenum">
+            <a:fld id="{6D22F896-40B5-4ADD-8801-0D06FADFA095}" type="slidenum">
               <a:rPr lang="en-US" dirty="0"/>
+              <a:pPr/>
               <a:t>‹#›</a:t>
             </a:fld>
             <a:endParaRPr lang="en-US" dirty="0"/>
@@ -5572,324 +5861,244 @@
       </p:sp>
     </p:spTree>
   </p:cSld>
-  <p:clrMap bg1="dk1" tx1="lt1" bg2="dk2" tx2="lt2" accent1="accent1" accent2="accent2" accent3="accent3" accent4="accent4" accent5="accent5" accent6="accent6" hlink="hlink" folHlink="folHlink"/>
+  <p:clrMap bg1="lt1" tx1="dk1" bg2="lt2" tx2="dk2" accent1="accent1" accent2="accent2" accent3="accent3" accent4="accent4" accent5="accent5" accent6="accent6" hlink="hlink" folHlink="folHlink"/>
   <p:sldLayoutIdLst>
     <p:sldLayoutId id="2147483649" r:id="rId1"/>
     <p:sldLayoutId id="2147483650" r:id="rId2"/>
-    <p:sldLayoutId id="2147483652" r:id="rId3"/>
-    <p:sldLayoutId id="2147483651" r:id="rId4"/>
+    <p:sldLayoutId id="2147483651" r:id="rId3"/>
+    <p:sldLayoutId id="2147483652" r:id="rId4"/>
     <p:sldLayoutId id="2147483653" r:id="rId5"/>
     <p:sldLayoutId id="2147483654" r:id="rId6"/>
     <p:sldLayoutId id="2147483655" r:id="rId7"/>
     <p:sldLayoutId id="2147483656" r:id="rId8"/>
-    <p:sldLayoutId id="2147483668" r:id="rId9"/>
-    <p:sldLayoutId id="2147483667" r:id="rId10"/>
+    <p:sldLayoutId id="2147483657" r:id="rId9"/>
+    <p:sldLayoutId id="2147483660" r:id="rId10"/>
     <p:sldLayoutId id="2147483661" r:id="rId11"/>
-    <p:sldLayoutId id="2147483664" r:id="rId12"/>
-    <p:sldLayoutId id="2147483662" r:id="rId13"/>
-    <p:sldLayoutId id="2147483669" r:id="rId14"/>
-    <p:sldLayoutId id="2147483670" r:id="rId15"/>
+    <p:sldLayoutId id="2147483666" r:id="rId12"/>
+    <p:sldLayoutId id="2147483663" r:id="rId13"/>
+    <p:sldLayoutId id="2147483667" r:id="rId14"/>
+    <p:sldLayoutId id="2147483668" r:id="rId15"/>
     <p:sldLayoutId id="2147483658" r:id="rId16"/>
     <p:sldLayoutId id="2147483659" r:id="rId17"/>
   </p:sldLayoutIdLst>
-  <p:hf sldNum="0" hdr="0" ftr="0" dt="0"/>
   <p:txStyles>
     <p:titleStyle>
-      <a:lvl1pPr algn="l" defTabSz="457200" rtl="0" eaLnBrk="1" latinLnBrk="0" hangingPunct="1">
+      <a:lvl1pPr algn="ctr" defTabSz="914400" rtl="0" eaLnBrk="1" latinLnBrk="0" hangingPunct="1">
+        <a:lnSpc>
+          <a:spcPct val="90000"/>
+        </a:lnSpc>
         <a:spcBef>
           <a:spcPct val="0"/>
         </a:spcBef>
         <a:buNone/>
-        <a:defRPr sz="4200" b="0" i="0" kern="1200">
+        <a:defRPr sz="3600" kern="1200" cap="all" baseline="0">
           <a:solidFill>
-            <a:schemeClr val="tx2"/>
+            <a:schemeClr val="tx1"/>
           </a:solidFill>
+          <a:effectLst/>
           <a:latin typeface="+mj-lt"/>
           <a:ea typeface="+mj-ea"/>
           <a:cs typeface="+mj-cs"/>
         </a:defRPr>
       </a:lvl1pPr>
-      <a:lvl2pPr eaLnBrk="1" hangingPunct="1">
-        <a:defRPr>
-          <a:solidFill>
-            <a:schemeClr val="tx2"/>
-          </a:solidFill>
-        </a:defRPr>
-      </a:lvl2pPr>
-      <a:lvl3pPr eaLnBrk="1" hangingPunct="1">
-        <a:defRPr>
-          <a:solidFill>
-            <a:schemeClr val="tx2"/>
-          </a:solidFill>
-        </a:defRPr>
-      </a:lvl3pPr>
-      <a:lvl4pPr eaLnBrk="1" hangingPunct="1">
-        <a:defRPr>
-          <a:solidFill>
-            <a:schemeClr val="tx2"/>
-          </a:solidFill>
-        </a:defRPr>
-      </a:lvl4pPr>
-      <a:lvl5pPr eaLnBrk="1" hangingPunct="1">
-        <a:defRPr>
-          <a:solidFill>
-            <a:schemeClr val="tx2"/>
-          </a:solidFill>
-        </a:defRPr>
-      </a:lvl5pPr>
-      <a:lvl6pPr eaLnBrk="1" hangingPunct="1">
-        <a:defRPr>
-          <a:solidFill>
-            <a:schemeClr val="tx2"/>
-          </a:solidFill>
-        </a:defRPr>
-      </a:lvl6pPr>
-      <a:lvl7pPr eaLnBrk="1" hangingPunct="1">
-        <a:defRPr>
-          <a:solidFill>
-            <a:schemeClr val="tx2"/>
-          </a:solidFill>
-        </a:defRPr>
-      </a:lvl7pPr>
-      <a:lvl8pPr eaLnBrk="1" hangingPunct="1">
-        <a:defRPr>
-          <a:solidFill>
-            <a:schemeClr val="tx2"/>
-          </a:solidFill>
-        </a:defRPr>
-      </a:lvl8pPr>
-      <a:lvl9pPr eaLnBrk="1" hangingPunct="1">
-        <a:defRPr>
-          <a:solidFill>
-            <a:schemeClr val="tx2"/>
-          </a:solidFill>
-        </a:defRPr>
-      </a:lvl9pPr>
     </p:titleStyle>
     <p:bodyStyle>
-      <a:lvl1pPr marL="342900" indent="-342900" algn="l" defTabSz="457200" rtl="0" eaLnBrk="1" latinLnBrk="0" hangingPunct="1">
+      <a:lvl1pPr marL="228600" indent="-228600" algn="l" defTabSz="914400" rtl="0" eaLnBrk="1" latinLnBrk="0" hangingPunct="1">
+        <a:lnSpc>
+          <a:spcPct val="120000"/>
+        </a:lnSpc>
         <a:spcBef>
           <a:spcPts val="1000"/>
         </a:spcBef>
-        <a:spcAft>
-          <a:spcPts val="0"/>
-        </a:spcAft>
         <a:buClr>
-          <a:schemeClr val="bg2">
-            <a:lumMod val="40000"/>
-            <a:lumOff val="60000"/>
-          </a:schemeClr>
+          <a:schemeClr val="tx1"/>
         </a:buClr>
-        <a:buSzPct val="80000"/>
-        <a:buFont typeface="Wingdings 3" charset="2"/>
-        <a:buChar char=""/>
-        <a:defRPr sz="2000" b="0" i="0" kern="1200">
+        <a:buFont typeface="Arial" panose="020B0604020202020204" pitchFamily="34" charset="0"/>
+        <a:buChar char="•"/>
+        <a:defRPr sz="2000" kern="1200" cap="all" baseline="0">
           <a:solidFill>
             <a:schemeClr val="tx1"/>
           </a:solidFill>
-          <a:latin typeface="+mj-lt"/>
-          <a:ea typeface="+mj-ea"/>
-          <a:cs typeface="+mj-cs"/>
+          <a:effectLst/>
+          <a:latin typeface="+mn-lt"/>
+          <a:ea typeface="+mn-ea"/>
+          <a:cs typeface="+mn-cs"/>
         </a:defRPr>
       </a:lvl1pPr>
-      <a:lvl2pPr marL="742950" indent="-285750" algn="l" defTabSz="457200" rtl="0" eaLnBrk="1" latinLnBrk="0" hangingPunct="1">
+      <a:lvl2pPr marL="685800" indent="-228600" algn="l" defTabSz="914400" rtl="0" eaLnBrk="1" latinLnBrk="0" hangingPunct="1">
+        <a:lnSpc>
+          <a:spcPct val="120000"/>
+        </a:lnSpc>
         <a:spcBef>
-          <a:spcPts val="1000"/>
+          <a:spcPts val="500"/>
         </a:spcBef>
-        <a:spcAft>
-          <a:spcPts val="0"/>
-        </a:spcAft>
         <a:buClr>
-          <a:schemeClr val="bg2">
-            <a:lumMod val="40000"/>
-            <a:lumOff val="60000"/>
-          </a:schemeClr>
+          <a:schemeClr val="tx1"/>
         </a:buClr>
-        <a:buSzPct val="80000"/>
-        <a:buFont typeface="Wingdings 3" charset="2"/>
-        <a:buChar char=""/>
-        <a:defRPr sz="1800" b="0" i="0" kern="1200">
+        <a:buFont typeface="Arial" panose="020B0604020202020204" pitchFamily="34" charset="0"/>
+        <a:buChar char="•"/>
+        <a:defRPr sz="1800" kern="1200" cap="all" baseline="0">
           <a:solidFill>
             <a:schemeClr val="tx1"/>
           </a:solidFill>
-          <a:latin typeface="+mj-lt"/>
-          <a:ea typeface="+mj-ea"/>
-          <a:cs typeface="+mj-cs"/>
+          <a:effectLst/>
+          <a:latin typeface="+mn-lt"/>
+          <a:ea typeface="+mn-ea"/>
+          <a:cs typeface="+mn-cs"/>
         </a:defRPr>
       </a:lvl2pPr>
-      <a:lvl3pPr marL="1143000" indent="-228600" algn="l" defTabSz="457200" rtl="0" eaLnBrk="1" latinLnBrk="0" hangingPunct="1">
+      <a:lvl3pPr marL="1143000" indent="-228600" algn="l" defTabSz="914400" rtl="0" eaLnBrk="1" latinLnBrk="0" hangingPunct="1">
+        <a:lnSpc>
+          <a:spcPct val="120000"/>
+        </a:lnSpc>
         <a:spcBef>
-          <a:spcPts val="1000"/>
+          <a:spcPts val="500"/>
         </a:spcBef>
-        <a:spcAft>
-          <a:spcPts val="0"/>
-        </a:spcAft>
         <a:buClr>
-          <a:schemeClr val="bg2">
-            <a:lumMod val="40000"/>
-            <a:lumOff val="60000"/>
-          </a:schemeClr>
+          <a:schemeClr val="tx1"/>
         </a:buClr>
-        <a:buSzPct val="80000"/>
-        <a:buFont typeface="Wingdings 3" charset="2"/>
-        <a:buChar char=""/>
-        <a:defRPr sz="1600" b="0" i="0" kern="1200">
+        <a:buFont typeface="Arial" panose="020B0604020202020204" pitchFamily="34" charset="0"/>
+        <a:buChar char="•"/>
+        <a:defRPr sz="1600" kern="1200" cap="all" baseline="0">
           <a:solidFill>
             <a:schemeClr val="tx1"/>
           </a:solidFill>
-          <a:latin typeface="+mj-lt"/>
-          <a:ea typeface="+mj-ea"/>
-          <a:cs typeface="+mj-cs"/>
+          <a:effectLst/>
+          <a:latin typeface="+mn-lt"/>
+          <a:ea typeface="+mn-ea"/>
+          <a:cs typeface="+mn-cs"/>
         </a:defRPr>
       </a:lvl3pPr>
-      <a:lvl4pPr marL="1600200" indent="-228600" algn="l" defTabSz="457200" rtl="0" eaLnBrk="1" latinLnBrk="0" hangingPunct="1">
+      <a:lvl4pPr marL="1600200" indent="-228600" algn="l" defTabSz="914400" rtl="0" eaLnBrk="1" latinLnBrk="0" hangingPunct="1">
+        <a:lnSpc>
+          <a:spcPct val="120000"/>
+        </a:lnSpc>
         <a:spcBef>
-          <a:spcPts val="1000"/>
+          <a:spcPts val="500"/>
         </a:spcBef>
-        <a:spcAft>
-          <a:spcPts val="0"/>
-        </a:spcAft>
         <a:buClr>
-          <a:schemeClr val="bg2">
-            <a:lumMod val="40000"/>
-            <a:lumOff val="60000"/>
-          </a:schemeClr>
+          <a:schemeClr val="tx1"/>
         </a:buClr>
-        <a:buSzPct val="80000"/>
-        <a:buFont typeface="Wingdings 3" charset="2"/>
-        <a:buChar char=""/>
-        <a:defRPr sz="1400" b="0" i="0" kern="1200">
+        <a:buFont typeface="Arial" panose="020B0604020202020204" pitchFamily="34" charset="0"/>
+        <a:buChar char="•"/>
+        <a:defRPr sz="1400" kern="1200" cap="all" baseline="0">
           <a:solidFill>
             <a:schemeClr val="tx1"/>
           </a:solidFill>
-          <a:latin typeface="+mj-lt"/>
-          <a:ea typeface="+mj-ea"/>
-          <a:cs typeface="+mj-cs"/>
+          <a:effectLst/>
+          <a:latin typeface="+mn-lt"/>
+          <a:ea typeface="+mn-ea"/>
+          <a:cs typeface="+mn-cs"/>
         </a:defRPr>
       </a:lvl4pPr>
-      <a:lvl5pPr marL="2057400" indent="-228600" algn="l" defTabSz="457200" rtl="0" eaLnBrk="1" latinLnBrk="0" hangingPunct="1">
+      <a:lvl5pPr marL="2057400" indent="-228600" algn="l" defTabSz="914400" rtl="0" eaLnBrk="1" latinLnBrk="0" hangingPunct="1">
+        <a:lnSpc>
+          <a:spcPct val="120000"/>
+        </a:lnSpc>
         <a:spcBef>
-          <a:spcPts val="1000"/>
+          <a:spcPts val="500"/>
         </a:spcBef>
-        <a:spcAft>
-          <a:spcPts val="0"/>
-        </a:spcAft>
         <a:buClr>
-          <a:schemeClr val="bg2">
-            <a:lumMod val="40000"/>
-            <a:lumOff val="60000"/>
-          </a:schemeClr>
+          <a:schemeClr val="tx1"/>
         </a:buClr>
-        <a:buSzPct val="80000"/>
-        <a:buFont typeface="Wingdings 3" charset="2"/>
-        <a:buChar char=""/>
-        <a:defRPr sz="1400" b="0" i="0" kern="1200">
+        <a:buFont typeface="Arial" panose="020B0604020202020204" pitchFamily="34" charset="0"/>
+        <a:buChar char="•"/>
+        <a:defRPr sz="1400" kern="1200" cap="all" baseline="0">
           <a:solidFill>
             <a:schemeClr val="tx1"/>
           </a:solidFill>
-          <a:latin typeface="+mj-lt"/>
-          <a:ea typeface="+mj-ea"/>
-          <a:cs typeface="+mj-cs"/>
+          <a:effectLst/>
+          <a:latin typeface="+mn-lt"/>
+          <a:ea typeface="+mn-ea"/>
+          <a:cs typeface="+mn-cs"/>
         </a:defRPr>
       </a:lvl5pPr>
-      <a:lvl6pPr marL="2506000" indent="-228600" algn="l" defTabSz="457200" rtl="0" eaLnBrk="1" latinLnBrk="0" hangingPunct="1">
+      <a:lvl6pPr marL="2514600" indent="-228600" algn="l" defTabSz="914400" rtl="0" eaLnBrk="1" latinLnBrk="0" hangingPunct="1">
+        <a:lnSpc>
+          <a:spcPct val="120000"/>
+        </a:lnSpc>
         <a:spcBef>
-          <a:spcPts val="1000"/>
+          <a:spcPts val="500"/>
         </a:spcBef>
-        <a:spcAft>
-          <a:spcPts val="0"/>
-        </a:spcAft>
         <a:buClr>
-          <a:schemeClr val="bg2">
-            <a:lumMod val="40000"/>
-            <a:lumOff val="60000"/>
-          </a:schemeClr>
+          <a:schemeClr val="tx1"/>
         </a:buClr>
-        <a:buSzPct val="80000"/>
-        <a:buFont typeface="Wingdings 3" charset="2"/>
-        <a:buChar char=""/>
-        <a:defRPr sz="1400" b="0" i="0" kern="1200">
+        <a:buFont typeface="Arial" panose="020B0604020202020204" pitchFamily="34" charset="0"/>
+        <a:buChar char="•"/>
+        <a:defRPr sz="1400" kern="1200" cap="all" baseline="0">
           <a:solidFill>
             <a:schemeClr val="tx1"/>
           </a:solidFill>
-          <a:latin typeface="+mj-lt"/>
-          <a:ea typeface="+mj-ea"/>
-          <a:cs typeface="+mj-cs"/>
+          <a:effectLst/>
+          <a:latin typeface="+mn-lt"/>
+          <a:ea typeface="+mn-ea"/>
+          <a:cs typeface="+mn-cs"/>
         </a:defRPr>
       </a:lvl6pPr>
-      <a:lvl7pPr marL="2971800" indent="-228600" algn="l" defTabSz="457200" rtl="0" eaLnBrk="1" latinLnBrk="0" hangingPunct="1">
+      <a:lvl7pPr marL="2971800" indent="-228600" algn="l" defTabSz="914400" rtl="0" eaLnBrk="1" latinLnBrk="0" hangingPunct="1">
+        <a:lnSpc>
+          <a:spcPct val="120000"/>
+        </a:lnSpc>
         <a:spcBef>
-          <a:spcPts val="1000"/>
+          <a:spcPts val="500"/>
         </a:spcBef>
-        <a:spcAft>
-          <a:spcPts val="0"/>
-        </a:spcAft>
         <a:buClr>
-          <a:schemeClr val="bg2">
-            <a:lumMod val="40000"/>
-            <a:lumOff val="60000"/>
-          </a:schemeClr>
+          <a:schemeClr val="tx1"/>
         </a:buClr>
-        <a:buSzPct val="80000"/>
-        <a:buFont typeface="Wingdings 3" charset="2"/>
-        <a:buChar char=""/>
-        <a:defRPr sz="1400" b="0" i="0" kern="1200">
+        <a:buFont typeface="Arial" panose="020B0604020202020204" pitchFamily="34" charset="0"/>
+        <a:buChar char="•"/>
+        <a:defRPr sz="1400" kern="1200" cap="all" baseline="0">
           <a:solidFill>
             <a:schemeClr val="tx1"/>
           </a:solidFill>
-          <a:latin typeface="+mj-lt"/>
-          <a:ea typeface="+mj-ea"/>
-          <a:cs typeface="+mj-cs"/>
+          <a:effectLst/>
+          <a:latin typeface="+mn-lt"/>
+          <a:ea typeface="+mn-ea"/>
+          <a:cs typeface="+mn-cs"/>
         </a:defRPr>
       </a:lvl7pPr>
-      <a:lvl8pPr marL="3429000" indent="-228600" algn="l" defTabSz="457200" rtl="0" eaLnBrk="1" latinLnBrk="0" hangingPunct="1">
+      <a:lvl8pPr marL="3429000" indent="-228600" algn="l" defTabSz="914400" rtl="0" eaLnBrk="1" latinLnBrk="0" hangingPunct="1">
+        <a:lnSpc>
+          <a:spcPct val="120000"/>
+        </a:lnSpc>
         <a:spcBef>
-          <a:spcPts val="1000"/>
+          <a:spcPts val="500"/>
         </a:spcBef>
-        <a:spcAft>
-          <a:spcPts val="0"/>
-        </a:spcAft>
         <a:buClr>
-          <a:schemeClr val="bg2">
-            <a:lumMod val="40000"/>
-            <a:lumOff val="60000"/>
-          </a:schemeClr>
+          <a:schemeClr val="tx1"/>
         </a:buClr>
-        <a:buSzPct val="80000"/>
-        <a:buFont typeface="Wingdings 3" charset="2"/>
-        <a:buChar char=""/>
-        <a:defRPr sz="1400" b="0" i="0" kern="1200">
+        <a:buFont typeface="Arial" panose="020B0604020202020204" pitchFamily="34" charset="0"/>
+        <a:buChar char="•"/>
+        <a:defRPr sz="1400" kern="1200" cap="all" baseline="0">
           <a:solidFill>
             <a:schemeClr val="tx1"/>
           </a:solidFill>
-          <a:latin typeface="+mj-lt"/>
-          <a:ea typeface="+mj-ea"/>
-          <a:cs typeface="+mj-cs"/>
+          <a:effectLst/>
+          <a:latin typeface="+mn-lt"/>
+          <a:ea typeface="+mn-ea"/>
+          <a:cs typeface="+mn-cs"/>
         </a:defRPr>
       </a:lvl8pPr>
-      <a:lvl9pPr marL="3886200" indent="-228600" algn="l" defTabSz="457200" rtl="0" eaLnBrk="1" latinLnBrk="0" hangingPunct="1">
+      <a:lvl9pPr marL="3886200" indent="-228600" algn="l" defTabSz="914400" rtl="0" eaLnBrk="1" latinLnBrk="0" hangingPunct="1">
+        <a:lnSpc>
+          <a:spcPct val="120000"/>
+        </a:lnSpc>
         <a:spcBef>
-          <a:spcPts val="1000"/>
+          <a:spcPts val="500"/>
         </a:spcBef>
-        <a:spcAft>
-          <a:spcPts val="0"/>
-        </a:spcAft>
         <a:buClr>
-          <a:schemeClr val="bg2">
-            <a:lumMod val="40000"/>
-            <a:lumOff val="60000"/>
-          </a:schemeClr>
+          <a:schemeClr val="tx1"/>
         </a:buClr>
-        <a:buSzPct val="80000"/>
-        <a:buFont typeface="Wingdings 3" charset="2"/>
-        <a:buChar char=""/>
-        <a:defRPr sz="1400" b="0" i="0" kern="1200">
+        <a:buFont typeface="Arial" panose="020B0604020202020204" pitchFamily="34" charset="0"/>
+        <a:buChar char="•"/>
+        <a:defRPr sz="1400" kern="1200" cap="all" baseline="0">
           <a:solidFill>
             <a:schemeClr val="tx1"/>
           </a:solidFill>
-          <a:latin typeface="+mj-lt"/>
-          <a:ea typeface="+mj-ea"/>
-          <a:cs typeface="+mj-cs"/>
+          <a:effectLst/>
+          <a:latin typeface="+mn-lt"/>
+          <a:ea typeface="+mn-ea"/>
+          <a:cs typeface="+mn-cs"/>
         </a:defRPr>
       </a:lvl9pPr>
     </p:bodyStyle>
@@ -5897,7 +6106,7 @@
       <a:defPPr>
         <a:defRPr lang="en-US"/>
       </a:defPPr>
-      <a:lvl1pPr marL="0" algn="l" defTabSz="457200" rtl="0" eaLnBrk="1" latinLnBrk="0" hangingPunct="1">
+      <a:lvl1pPr marL="0" algn="l" defTabSz="914400" rtl="0" eaLnBrk="1" latinLnBrk="0" hangingPunct="1">
         <a:defRPr sz="1800" kern="1200">
           <a:solidFill>
             <a:schemeClr val="tx1"/>
@@ -5907,7 +6116,7 @@
           <a:cs typeface="+mn-cs"/>
         </a:defRPr>
       </a:lvl1pPr>
-      <a:lvl2pPr marL="457200" algn="l" defTabSz="457200" rtl="0" eaLnBrk="1" latinLnBrk="0" hangingPunct="1">
+      <a:lvl2pPr marL="457200" algn="l" defTabSz="914400" rtl="0" eaLnBrk="1" latinLnBrk="0" hangingPunct="1">
         <a:defRPr sz="1800" kern="1200">
           <a:solidFill>
             <a:schemeClr val="tx1"/>
@@ -5917,7 +6126,7 @@
           <a:cs typeface="+mn-cs"/>
         </a:defRPr>
       </a:lvl2pPr>
-      <a:lvl3pPr marL="914400" algn="l" defTabSz="457200" rtl="0" eaLnBrk="1" latinLnBrk="0" hangingPunct="1">
+      <a:lvl3pPr marL="914400" algn="l" defTabSz="914400" rtl="0" eaLnBrk="1" latinLnBrk="0" hangingPunct="1">
         <a:defRPr sz="1800" kern="1200">
           <a:solidFill>
             <a:schemeClr val="tx1"/>
@@ -5927,7 +6136,7 @@
           <a:cs typeface="+mn-cs"/>
         </a:defRPr>
       </a:lvl3pPr>
-      <a:lvl4pPr marL="1371600" algn="l" defTabSz="457200" rtl="0" eaLnBrk="1" latinLnBrk="0" hangingPunct="1">
+      <a:lvl4pPr marL="1371600" algn="l" defTabSz="914400" rtl="0" eaLnBrk="1" latinLnBrk="0" hangingPunct="1">
         <a:defRPr sz="1800" kern="1200">
           <a:solidFill>
             <a:schemeClr val="tx1"/>
@@ -5937,7 +6146,7 @@
           <a:cs typeface="+mn-cs"/>
         </a:defRPr>
       </a:lvl4pPr>
-      <a:lvl5pPr marL="1828800" algn="l" defTabSz="457200" rtl="0" eaLnBrk="1" latinLnBrk="0" hangingPunct="1">
+      <a:lvl5pPr marL="1828800" algn="l" defTabSz="914400" rtl="0" eaLnBrk="1" latinLnBrk="0" hangingPunct="1">
         <a:defRPr sz="1800" kern="1200">
           <a:solidFill>
             <a:schemeClr val="tx1"/>
@@ -5947,7 +6156,7 @@
           <a:cs typeface="+mn-cs"/>
         </a:defRPr>
       </a:lvl5pPr>
-      <a:lvl6pPr marL="2286000" algn="l" defTabSz="457200" rtl="0" eaLnBrk="1" latinLnBrk="0" hangingPunct="1">
+      <a:lvl6pPr marL="2286000" algn="l" defTabSz="914400" rtl="0" eaLnBrk="1" latinLnBrk="0" hangingPunct="1">
         <a:defRPr sz="1800" kern="1200">
           <a:solidFill>
             <a:schemeClr val="tx1"/>
@@ -5957,7 +6166,7 @@
           <a:cs typeface="+mn-cs"/>
         </a:defRPr>
       </a:lvl6pPr>
-      <a:lvl7pPr marL="2743200" algn="l" defTabSz="457200" rtl="0" eaLnBrk="1" latinLnBrk="0" hangingPunct="1">
+      <a:lvl7pPr marL="2743200" algn="l" defTabSz="914400" rtl="0" eaLnBrk="1" latinLnBrk="0" hangingPunct="1">
         <a:defRPr sz="1800" kern="1200">
           <a:solidFill>
             <a:schemeClr val="tx1"/>
@@ -5967,7 +6176,7 @@
           <a:cs typeface="+mn-cs"/>
         </a:defRPr>
       </a:lvl7pPr>
-      <a:lvl8pPr marL="3200400" algn="l" defTabSz="457200" rtl="0" eaLnBrk="1" latinLnBrk="0" hangingPunct="1">
+      <a:lvl8pPr marL="3200400" algn="l" defTabSz="914400" rtl="0" eaLnBrk="1" latinLnBrk="0" hangingPunct="1">
         <a:defRPr sz="1800" kern="1200">
           <a:solidFill>
             <a:schemeClr val="tx1"/>
@@ -5977,7 +6186,7 @@
           <a:cs typeface="+mn-cs"/>
         </a:defRPr>
       </a:lvl8pPr>
-      <a:lvl9pPr marL="3657600" algn="l" defTabSz="457200" rtl="0" eaLnBrk="1" latinLnBrk="0" hangingPunct="1">
+      <a:lvl9pPr marL="3657600" algn="l" defTabSz="914400" rtl="0" eaLnBrk="1" latinLnBrk="0" hangingPunct="1">
         <a:defRPr sz="1800" kern="1200">
           <a:solidFill>
             <a:schemeClr val="tx1"/>
@@ -6009,7 +6218,7 @@
             <a:spLocks noGrp="1"/>
           </p:cNvSpPr>
           <p:nvPr>
-            <p:ph type="ctrTitle"/>
+            <p:ph type="title"/>
           </p:nvPr>
         </p:nvSpPr>
         <p:spPr/>
@@ -6018,32 +6227,57 @@
           <a:lstStyle/>
           <a:p>
             <a:r>
-              <a:t>machine learning algorithm</a:t>
-            </a:r>
-          </a:p>
-        </p:txBody>
-      </p:sp>
-      <p:sp>
-        <p:nvSpPr>
-          <p:cNvPr id="3" name="Subtitle 2"/>
-          <p:cNvSpPr>
-            <a:spLocks noGrp="1"/>
-          </p:cNvSpPr>
-          <p:nvPr>
-            <p:ph type="subTitle" idx="1"/>
+              <a:t>table of content</a:t>
+            </a:r>
+          </a:p>
+        </p:txBody>
+      </p:sp>
+      <p:sp>
+        <p:nvSpPr>
+          <p:cNvPr id="3" name="Text Placeholder 2"/>
+          <p:cNvSpPr>
+            <a:spLocks noGrp="1"/>
+          </p:cNvSpPr>
+          <p:nvPr>
+            <p:ph type="body" idx="13" sz="quarter"/>
           </p:nvPr>
         </p:nvSpPr>
         <p:spPr/>
         <p:txBody>
           <a:bodyPr/>
           <a:lstStyle/>
-          <a:p>
-            <a:r>
-              <a:t>made by lado and team</a:t>
-            </a:r>
-          </a:p>
-        </p:txBody>
-      </p:sp>
+          <a:p/>
+          <a:p>
+            <a:r>
+              <a:t>introduction</a:t>
+            </a:r>
+          </a:p>
+          <a:p>
+            <a:r>
+              <a:t>conclusion</a:t>
+            </a:r>
+          </a:p>
+        </p:txBody>
+      </p:sp>
+      <p:pic>
+        <p:nvPicPr>
+          <p:cNvPr id="4" name="Picture Placeholder 3" descr="2.jpg"/>
+          <p:cNvPicPr>
+            <a:picLocks noGrp="1" noChangeAspect="1"/>
+          </p:cNvPicPr>
+          <p:nvPr>
+            <p:ph type="pic" idx="14" sz="quarter"/>
+          </p:nvPr>
+        </p:nvPicPr>
+        <p:blipFill>
+          <a:blip r:embed="rId2"/>
+          <a:srcRect l="-18947" r="-18947"/>
+          <a:stretch>
+            <a:fillRect/>
+          </a:stretch>
+        </p:blipFill>
+        <p:spPr/>
+      </p:pic>
     </p:spTree>
   </p:cSld>
   <p:clrMapOvr>
@@ -6069,7 +6303,7 @@
             <a:spLocks noGrp="1"/>
           </p:cNvSpPr>
           <p:nvPr>
-            <p:ph type="title"/>
+            <p:ph type="ctrTitle"/>
           </p:nvPr>
         </p:nvSpPr>
         <p:spPr/>
@@ -6078,26 +6312,30 @@
           <a:lstStyle/>
           <a:p>
             <a:r>
-              <a:t>this is light to</a:t>
-            </a:r>
-          </a:p>
-        </p:txBody>
-      </p:sp>
-      <p:sp>
-        <p:nvSpPr>
-          <p:cNvPr id="3" name="Content Placeholder 2"/>
-          <p:cNvSpPr>
-            <a:spLocks noGrp="1"/>
-          </p:cNvSpPr>
-          <p:nvPr>
-            <p:ph idx="1"/>
+              <a:t>introduction</a:t>
+            </a:r>
+          </a:p>
+        </p:txBody>
+      </p:sp>
+      <p:sp>
+        <p:nvSpPr>
+          <p:cNvPr id="3" name="Subtitle 2"/>
+          <p:cNvSpPr>
+            <a:spLocks noGrp="1"/>
+          </p:cNvSpPr>
+          <p:nvPr>
+            <p:ph type="subTitle" idx="1"/>
           </p:nvPr>
         </p:nvSpPr>
         <p:spPr/>
         <p:txBody>
           <a:bodyPr/>
           <a:lstStyle/>
-          <a:p/>
+          <a:p>
+            <a:r>
+              <a:t>made by my team</a:t>
+            </a:r>
+          </a:p>
         </p:txBody>
       </p:sp>
     </p:spTree>
@@ -6109,9 +6347,9 @@
 </file>
 
 <file path=ppt/theme/theme1.xml><?xml version="1.0" encoding="utf-8"?>
-<a:theme xmlns:a="http://schemas.openxmlformats.org/drawingml/2006/main" name="Ion">
+<a:theme xmlns:a="http://schemas.openxmlformats.org/drawingml/2006/main" name="Droplet">
   <a:themeElements>
-    <a:clrScheme name="Ion">
+    <a:clrScheme name="Droplet">
       <a:dk1>
         <a:sysClr val="windowText" lastClr="000000"/>
       </a:dk1>
@@ -6119,42 +6357,42 @@
         <a:sysClr val="window" lastClr="FFFFFF"/>
       </a:lt1>
       <a:dk2>
-        <a:srgbClr val="1E5155"/>
+        <a:srgbClr val="355071"/>
       </a:dk2>
       <a:lt2>
-        <a:srgbClr val="EBEBEB"/>
+        <a:srgbClr val="AABED7"/>
       </a:lt2>
       <a:accent1>
-        <a:srgbClr val="B01513"/>
+        <a:srgbClr val="2FA3EE"/>
       </a:accent1>
       <a:accent2>
-        <a:srgbClr val="EA6312"/>
+        <a:srgbClr val="4BCAAD"/>
       </a:accent2>
       <a:accent3>
-        <a:srgbClr val="E6B729"/>
+        <a:srgbClr val="86C157"/>
       </a:accent3>
       <a:accent4>
-        <a:srgbClr val="6AAC90"/>
+        <a:srgbClr val="D99C3F"/>
       </a:accent4>
       <a:accent5>
-        <a:srgbClr val="54849A"/>
+        <a:srgbClr val="CE6633"/>
       </a:accent5>
       <a:accent6>
-        <a:srgbClr val="9E5E9B"/>
+        <a:srgbClr val="A35DD1"/>
       </a:accent6>
       <a:hlink>
-        <a:srgbClr val="58C1BA"/>
+        <a:srgbClr val="56BCFE"/>
       </a:hlink>
       <a:folHlink>
-        <a:srgbClr val="9DFFCB"/>
+        <a:srgbClr val="97C5E3"/>
       </a:folHlink>
     </a:clrScheme>
-    <a:fontScheme name="Ion">
+    <a:fontScheme name="Droplet">
       <a:majorFont>
-        <a:latin typeface="Century Gothic" panose="020B0502020202020204"/>
+        <a:latin typeface="Tw Cen MT" panose="020B0602020104020603"/>
         <a:ea typeface=""/>
         <a:cs typeface=""/>
-        <a:font script="Jpan" typeface="メイリオ"/>
+        <a:font script="Jpan" typeface="ＭＳ Ｐゴシック"/>
         <a:font script="Hang" typeface="맑은 고딕"/>
         <a:font script="Hans" typeface="宋体"/>
         <a:font script="Hant" typeface="新細明體"/>
@@ -6186,10 +6424,10 @@
         <a:font script="Geor" typeface="Sylfaen"/>
       </a:majorFont>
       <a:minorFont>
-        <a:latin typeface="Century Gothic" panose="020B0502020202020204"/>
+        <a:latin typeface="Tw Cen MT" panose="020B0602020104020603"/>
         <a:ea typeface=""/>
         <a:cs typeface=""/>
-        <a:font script="Jpan" typeface="メイリオ"/>
+        <a:font script="Jpan" typeface="ＭＳ Ｐゴシック"/>
         <a:font script="Hang" typeface="맑은 고딕"/>
         <a:font script="Hans" typeface="宋体"/>
         <a:font script="Hant" typeface="新細明體"/>
@@ -6221,41 +6459,40 @@
         <a:font script="Geor" typeface="Sylfaen"/>
       </a:minorFont>
     </a:fontScheme>
-    <a:fmtScheme name="Ion">
+    <a:fmtScheme name="Droplet">
       <a:fillStyleLst>
         <a:solidFill>
           <a:schemeClr val="phClr"/>
+        </a:solidFill>
+        <a:solidFill>
+          <a:schemeClr val="phClr">
+            <a:tint val="69000"/>
+            <a:satMod val="105000"/>
+            <a:lumMod val="110000"/>
+          </a:schemeClr>
         </a:solidFill>
         <a:gradFill rotWithShape="1">
           <a:gsLst>
             <a:gs pos="0">
               <a:schemeClr val="phClr">
-                <a:tint val="64000"/>
-                <a:lumMod val="118000"/>
+                <a:tint val="94000"/>
+                <a:satMod val="100000"/>
+                <a:lumMod val="108000"/>
+              </a:schemeClr>
+            </a:gs>
+            <a:gs pos="50000">
+              <a:schemeClr val="phClr">
+                <a:tint val="98000"/>
+                <a:shade val="100000"/>
+                <a:satMod val="100000"/>
+                <a:lumMod val="100000"/>
               </a:schemeClr>
             </a:gs>
             <a:gs pos="100000">
               <a:schemeClr val="phClr">
-                <a:tint val="92000"/>
-                <a:alpha val="100000"/>
-                <a:lumMod val="110000"/>
-              </a:schemeClr>
-            </a:gs>
-          </a:gsLst>
-          <a:lin ang="5400000" scaled="0"/>
-        </a:gradFill>
-        <a:gradFill rotWithShape="1">
-          <a:gsLst>
-            <a:gs pos="0">
-              <a:schemeClr val="phClr">
-                <a:tint val="98000"/>
-                <a:lumMod val="114000"/>
-              </a:schemeClr>
-            </a:gs>
-            <a:gs pos="100000">
-              <a:schemeClr val="phClr">
-                <a:shade val="90000"/>
-                <a:lumMod val="84000"/>
+                <a:shade val="72000"/>
+                <a:satMod val="120000"/>
+                <a:lumMod val="100000"/>
               </a:schemeClr>
             </a:gs>
           </a:gsLst>
@@ -6263,19 +6500,21 @@
         </a:gradFill>
       </a:fillStyleLst>
       <a:lnStyleLst>
-        <a:ln w="9525" cap="rnd" cmpd="sng" algn="ctr">
+        <a:ln w="9525" cap="flat" cmpd="sng" algn="ctr">
+          <a:solidFill>
+            <a:schemeClr val="phClr">
+              <a:shade val="60000"/>
+            </a:schemeClr>
+          </a:solidFill>
+          <a:prstDash val="solid"/>
+        </a:ln>
+        <a:ln w="15875" cap="flat" cmpd="sng" algn="ctr">
           <a:solidFill>
             <a:schemeClr val="phClr"/>
           </a:solidFill>
           <a:prstDash val="solid"/>
         </a:ln>
-        <a:ln w="19050" cap="rnd" cmpd="sng" algn="ctr">
-          <a:solidFill>
-            <a:schemeClr val="phClr"/>
-          </a:solidFill>
-          <a:prstDash val="solid"/>
-        </a:ln>
-        <a:ln w="28575" cap="rnd" cmpd="sng" algn="ctr">
+        <a:ln w="22225" cap="flat" cmpd="sng" algn="ctr">
           <a:solidFill>
             <a:schemeClr val="phClr"/>
           </a:solidFill>
@@ -6288,18 +6527,18 @@
         </a:effectStyle>
         <a:effectStyle>
           <a:effectLst>
-            <a:outerShdw blurRad="38100" dist="25400" dir="5400000" rotWithShape="0">
+            <a:outerShdw blurRad="50800" dist="25400" dir="5400000" rotWithShape="0">
               <a:srgbClr val="000000">
-                <a:alpha val="45000"/>
+                <a:alpha val="28000"/>
               </a:srgbClr>
             </a:outerShdw>
           </a:effectLst>
         </a:effectStyle>
         <a:effectStyle>
           <a:effectLst>
-            <a:outerShdw blurRad="63500" dist="38100" dir="5400000" rotWithShape="0">
+            <a:outerShdw blurRad="63500" dist="25400" dir="5400000" algn="ctr" rotWithShape="0">
               <a:srgbClr val="000000">
-                <a:alpha val="60000"/>
+                <a:alpha val="69000"/>
               </a:srgbClr>
             </a:outerShdw>
           </a:effectLst>
@@ -6307,10 +6546,12 @@
             <a:camera prst="orthographicFront">
               <a:rot lat="0" lon="0" rev="0"/>
             </a:camera>
-            <a:lightRig rig="threePt" dir="tl"/>
+            <a:lightRig rig="balanced" dir="t">
+              <a:rot lat="0" lon="0" rev="1200000"/>
+            </a:lightRig>
           </a:scene3d>
           <a:sp3d prstMaterial="plastic">
-            <a:bevelT w="0" h="0"/>
+            <a:bevelT w="25400" h="25400"/>
           </a:sp3d>
         </a:effectStyle>
       </a:effectStyleLst>
@@ -6322,45 +6563,40 @@
           <a:gsLst>
             <a:gs pos="0">
               <a:schemeClr val="phClr">
-                <a:tint val="97000"/>
-                <a:hueMod val="88000"/>
-                <a:satMod val="130000"/>
-                <a:lumMod val="124000"/>
+                <a:tint val="90000"/>
+                <a:lumMod val="110000"/>
               </a:schemeClr>
             </a:gs>
             <a:gs pos="100000">
               <a:schemeClr val="phClr">
-                <a:tint val="96000"/>
-                <a:shade val="88000"/>
-                <a:hueMod val="108000"/>
-                <a:satMod val="164000"/>
-                <a:lumMod val="76000"/>
+                <a:shade val="64000"/>
+                <a:lumMod val="88000"/>
               </a:schemeClr>
             </a:gs>
           </a:gsLst>
-          <a:path path="circle">
-            <a:fillToRect l="45000" t="65000" r="125000" b="100000"/>
-          </a:path>
+          <a:lin ang="5400000" scaled="0"/>
         </a:gradFill>
-        <a:blipFill rotWithShape="1">
-          <a:blip xmlns:r="http://schemas.openxmlformats.org/officeDocument/2006/relationships" r:embed="rId1">
-            <a:duotone>
+        <a:gradFill rotWithShape="1">
+          <a:gsLst>
+            <a:gs pos="0">
               <a:schemeClr val="phClr">
-                <a:shade val="69000"/>
-                <a:hueMod val="108000"/>
-                <a:satMod val="164000"/>
-                <a:lumMod val="74000"/>
+                <a:tint val="84000"/>
+                <a:shade val="100000"/>
+                <a:hueMod val="130000"/>
+                <a:satMod val="150000"/>
+                <a:lumMod val="112000"/>
               </a:schemeClr>
+            </a:gs>
+            <a:gs pos="100000">
               <a:schemeClr val="phClr">
-                <a:tint val="96000"/>
-                <a:hueMod val="88000"/>
+                <a:shade val="92000"/>
                 <a:satMod val="140000"/>
-                <a:lumMod val="132000"/>
+                <a:lumMod val="110000"/>
               </a:schemeClr>
-            </a:duotone>
-          </a:blip>
-          <a:stretch/>
-        </a:blipFill>
+            </a:gs>
+          </a:gsLst>
+          <a:lin ang="5400000" scaled="0"/>
+        </a:gradFill>
       </a:bgFillStyleLst>
     </a:fmtScheme>
   </a:themeElements>
@@ -6368,7 +6604,302 @@
   <a:extraClrSchemeLst/>
   <a:extLst>
     <a:ext uri="{05A4C25C-085E-4340-85A3-A5531E510DB2}">
-      <thm15:themeFamily xmlns:thm15="http://schemas.microsoft.com/office/thememl/2012/main" name="Ion" id="{B8441ADB-2E43-4AF7-B97A-BD870242C6A8}" vid="{292E63A9-BB86-4E3D-B92A-7223C6510D2E}"/>
+      <thm15:themeFamily xmlns:thm15="http://schemas.microsoft.com/office/thememl/2012/main" name="Droplet" id="{8984A317-299A-4E50-B45D-BFC9EDE2337A}" vid="{A633B6A3-9E7F-4C10-9C98-2517A3134361}"/>
+    </a:ext>
+  </a:extLst>
+</a:theme>
+</file>
+
+<file path=ppt/theme/theme2.xml><?xml version="1.0" encoding="utf-8"?>
+<a:theme xmlns:a="http://schemas.openxmlformats.org/drawingml/2006/main" name="Office Theme">
+  <a:themeElements>
+    <a:clrScheme name="Office">
+      <a:dk1>
+        <a:sysClr val="windowText" lastClr="000000"/>
+      </a:dk1>
+      <a:lt1>
+        <a:sysClr val="window" lastClr="FFFFFF"/>
+      </a:lt1>
+      <a:dk2>
+        <a:srgbClr val="44546A"/>
+      </a:dk2>
+      <a:lt2>
+        <a:srgbClr val="E7E6E6"/>
+      </a:lt2>
+      <a:accent1>
+        <a:srgbClr val="4472C4"/>
+      </a:accent1>
+      <a:accent2>
+        <a:srgbClr val="ED7D31"/>
+      </a:accent2>
+      <a:accent3>
+        <a:srgbClr val="A5A5A5"/>
+      </a:accent3>
+      <a:accent4>
+        <a:srgbClr val="FFC000"/>
+      </a:accent4>
+      <a:accent5>
+        <a:srgbClr val="5B9BD5"/>
+      </a:accent5>
+      <a:accent6>
+        <a:srgbClr val="70AD47"/>
+      </a:accent6>
+      <a:hlink>
+        <a:srgbClr val="0563C1"/>
+      </a:hlink>
+      <a:folHlink>
+        <a:srgbClr val="954F72"/>
+      </a:folHlink>
+    </a:clrScheme>
+    <a:fontScheme name="Office">
+      <a:majorFont>
+        <a:latin typeface="Calibri Light" panose="020F0302020204030204"/>
+        <a:ea typeface=""/>
+        <a:cs typeface=""/>
+        <a:font script="Jpan" typeface="游ゴシック Light"/>
+        <a:font script="Hang" typeface="맑은 고딕"/>
+        <a:font script="Hans" typeface="等线 Light"/>
+        <a:font script="Hant" typeface="新細明體"/>
+        <a:font script="Arab" typeface="Times New Roman"/>
+        <a:font script="Hebr" typeface="Times New Roman"/>
+        <a:font script="Thai" typeface="Angsana New"/>
+        <a:font script="Ethi" typeface="Nyala"/>
+        <a:font script="Beng" typeface="Vrinda"/>
+        <a:font script="Gujr" typeface="Shruti"/>
+        <a:font script="Khmr" typeface="MoolBoran"/>
+        <a:font script="Knda" typeface="Tunga"/>
+        <a:font script="Guru" typeface="Raavi"/>
+        <a:font script="Cans" typeface="Euphemia"/>
+        <a:font script="Cher" typeface="Plantagenet Cherokee"/>
+        <a:font script="Yiii" typeface="Microsoft Yi Baiti"/>
+        <a:font script="Tibt" typeface="Microsoft Himalaya"/>
+        <a:font script="Thaa" typeface="MV Boli"/>
+        <a:font script="Deva" typeface="Mangal"/>
+        <a:font script="Telu" typeface="Gautami"/>
+        <a:font script="Taml" typeface="Latha"/>
+        <a:font script="Syrc" typeface="Estrangelo Edessa"/>
+        <a:font script="Orya" typeface="Kalinga"/>
+        <a:font script="Mlym" typeface="Kartika"/>
+        <a:font script="Laoo" typeface="DokChampa"/>
+        <a:font script="Sinh" typeface="Iskoola Pota"/>
+        <a:font script="Mong" typeface="Mongolian Baiti"/>
+        <a:font script="Viet" typeface="Times New Roman"/>
+        <a:font script="Uigh" typeface="Microsoft Uighur"/>
+        <a:font script="Geor" typeface="Sylfaen"/>
+        <a:font script="Armn" typeface="Arial"/>
+        <a:font script="Bugi" typeface="Leelawadee UI"/>
+        <a:font script="Bopo" typeface="Microsoft JhengHei"/>
+        <a:font script="Java" typeface="Javanese Text"/>
+        <a:font script="Lisu" typeface="Segoe UI"/>
+        <a:font script="Mymr" typeface="Myanmar Text"/>
+        <a:font script="Nkoo" typeface="Ebrima"/>
+        <a:font script="Olck" typeface="Nirmala UI"/>
+        <a:font script="Osma" typeface="Ebrima"/>
+        <a:font script="Phag" typeface="Phagspa"/>
+        <a:font script="Syrn" typeface="Estrangelo Edessa"/>
+        <a:font script="Syrj" typeface="Estrangelo Edessa"/>
+        <a:font script="Syre" typeface="Estrangelo Edessa"/>
+        <a:font script="Sora" typeface="Nirmala UI"/>
+        <a:font script="Tale" typeface="Microsoft Tai Le"/>
+        <a:font script="Talu" typeface="Microsoft New Tai Lue"/>
+        <a:font script="Tfng" typeface="Ebrima"/>
+      </a:majorFont>
+      <a:minorFont>
+        <a:latin typeface="Calibri" panose="020F0502020204030204"/>
+        <a:ea typeface=""/>
+        <a:cs typeface=""/>
+        <a:font script="Jpan" typeface="游ゴシック"/>
+        <a:font script="Hang" typeface="맑은 고딕"/>
+        <a:font script="Hans" typeface="等线"/>
+        <a:font script="Hant" typeface="新細明體"/>
+        <a:font script="Arab" typeface="Arial"/>
+        <a:font script="Hebr" typeface="Arial"/>
+        <a:font script="Thai" typeface="Cordia New"/>
+        <a:font script="Ethi" typeface="Nyala"/>
+        <a:font script="Beng" typeface="Vrinda"/>
+        <a:font script="Gujr" typeface="Shruti"/>
+        <a:font script="Khmr" typeface="DaunPenh"/>
+        <a:font script="Knda" typeface="Tunga"/>
+        <a:font script="Guru" typeface="Raavi"/>
+        <a:font script="Cans" typeface="Euphemia"/>
+        <a:font script="Cher" typeface="Plantagenet Cherokee"/>
+        <a:font script="Yiii" typeface="Microsoft Yi Baiti"/>
+        <a:font script="Tibt" typeface="Microsoft Himalaya"/>
+        <a:font script="Thaa" typeface="MV Boli"/>
+        <a:font script="Deva" typeface="Mangal"/>
+        <a:font script="Telu" typeface="Gautami"/>
+        <a:font script="Taml" typeface="Latha"/>
+        <a:font script="Syrc" typeface="Estrangelo Edessa"/>
+        <a:font script="Orya" typeface="Kalinga"/>
+        <a:font script="Mlym" typeface="Kartika"/>
+        <a:font script="Laoo" typeface="DokChampa"/>
+        <a:font script="Sinh" typeface="Iskoola Pota"/>
+        <a:font script="Mong" typeface="Mongolian Baiti"/>
+        <a:font script="Viet" typeface="Arial"/>
+        <a:font script="Uigh" typeface="Microsoft Uighur"/>
+        <a:font script="Geor" typeface="Sylfaen"/>
+        <a:font script="Armn" typeface="Arial"/>
+        <a:font script="Bugi" typeface="Leelawadee UI"/>
+        <a:font script="Bopo" typeface="Microsoft JhengHei"/>
+        <a:font script="Java" typeface="Javanese Text"/>
+        <a:font script="Lisu" typeface="Segoe UI"/>
+        <a:font script="Mymr" typeface="Myanmar Text"/>
+        <a:font script="Nkoo" typeface="Ebrima"/>
+        <a:font script="Olck" typeface="Nirmala UI"/>
+        <a:font script="Osma" typeface="Ebrima"/>
+        <a:font script="Phag" typeface="Phagspa"/>
+        <a:font script="Syrn" typeface="Estrangelo Edessa"/>
+        <a:font script="Syrj" typeface="Estrangelo Edessa"/>
+        <a:font script="Syre" typeface="Estrangelo Edessa"/>
+        <a:font script="Sora" typeface="Nirmala UI"/>
+        <a:font script="Tale" typeface="Microsoft Tai Le"/>
+        <a:font script="Talu" typeface="Microsoft New Tai Lue"/>
+        <a:font script="Tfng" typeface="Ebrima"/>
+      </a:minorFont>
+    </a:fontScheme>
+    <a:fmtScheme name="Office">
+      <a:fillStyleLst>
+        <a:solidFill>
+          <a:schemeClr val="phClr"/>
+        </a:solidFill>
+        <a:gradFill rotWithShape="1">
+          <a:gsLst>
+            <a:gs pos="0">
+              <a:schemeClr val="phClr">
+                <a:lumMod val="110000"/>
+                <a:satMod val="105000"/>
+                <a:tint val="67000"/>
+              </a:schemeClr>
+            </a:gs>
+            <a:gs pos="50000">
+              <a:schemeClr val="phClr">
+                <a:lumMod val="105000"/>
+                <a:satMod val="103000"/>
+                <a:tint val="73000"/>
+              </a:schemeClr>
+            </a:gs>
+            <a:gs pos="100000">
+              <a:schemeClr val="phClr">
+                <a:lumMod val="105000"/>
+                <a:satMod val="109000"/>
+                <a:tint val="81000"/>
+              </a:schemeClr>
+            </a:gs>
+          </a:gsLst>
+          <a:lin ang="5400000" scaled="0"/>
+        </a:gradFill>
+        <a:gradFill rotWithShape="1">
+          <a:gsLst>
+            <a:gs pos="0">
+              <a:schemeClr val="phClr">
+                <a:satMod val="103000"/>
+                <a:lumMod val="102000"/>
+                <a:tint val="94000"/>
+              </a:schemeClr>
+            </a:gs>
+            <a:gs pos="50000">
+              <a:schemeClr val="phClr">
+                <a:satMod val="110000"/>
+                <a:lumMod val="100000"/>
+                <a:shade val="100000"/>
+              </a:schemeClr>
+            </a:gs>
+            <a:gs pos="100000">
+              <a:schemeClr val="phClr">
+                <a:lumMod val="99000"/>
+                <a:satMod val="120000"/>
+                <a:shade val="78000"/>
+              </a:schemeClr>
+            </a:gs>
+          </a:gsLst>
+          <a:lin ang="5400000" scaled="0"/>
+        </a:gradFill>
+      </a:fillStyleLst>
+      <a:lnStyleLst>
+        <a:ln w="6350" cap="flat" cmpd="sng" algn="ctr">
+          <a:solidFill>
+            <a:schemeClr val="phClr"/>
+          </a:solidFill>
+          <a:prstDash val="solid"/>
+          <a:miter lim="800000"/>
+        </a:ln>
+        <a:ln w="12700" cap="flat" cmpd="sng" algn="ctr">
+          <a:solidFill>
+            <a:schemeClr val="phClr"/>
+          </a:solidFill>
+          <a:prstDash val="solid"/>
+          <a:miter lim="800000"/>
+        </a:ln>
+        <a:ln w="19050" cap="flat" cmpd="sng" algn="ctr">
+          <a:solidFill>
+            <a:schemeClr val="phClr"/>
+          </a:solidFill>
+          <a:prstDash val="solid"/>
+          <a:miter lim="800000"/>
+        </a:ln>
+      </a:lnStyleLst>
+      <a:effectStyleLst>
+        <a:effectStyle>
+          <a:effectLst/>
+        </a:effectStyle>
+        <a:effectStyle>
+          <a:effectLst/>
+        </a:effectStyle>
+        <a:effectStyle>
+          <a:effectLst>
+            <a:outerShdw blurRad="57150" dist="19050" dir="5400000" algn="ctr" rotWithShape="0">
+              <a:srgbClr val="000000">
+                <a:alpha val="63000"/>
+              </a:srgbClr>
+            </a:outerShdw>
+          </a:effectLst>
+        </a:effectStyle>
+      </a:effectStyleLst>
+      <a:bgFillStyleLst>
+        <a:solidFill>
+          <a:schemeClr val="phClr"/>
+        </a:solidFill>
+        <a:solidFill>
+          <a:schemeClr val="phClr">
+            <a:tint val="95000"/>
+            <a:satMod val="170000"/>
+          </a:schemeClr>
+        </a:solidFill>
+        <a:gradFill rotWithShape="1">
+          <a:gsLst>
+            <a:gs pos="0">
+              <a:schemeClr val="phClr">
+                <a:tint val="93000"/>
+                <a:satMod val="150000"/>
+                <a:shade val="98000"/>
+                <a:lumMod val="102000"/>
+              </a:schemeClr>
+            </a:gs>
+            <a:gs pos="50000">
+              <a:schemeClr val="phClr">
+                <a:tint val="98000"/>
+                <a:satMod val="130000"/>
+                <a:shade val="90000"/>
+                <a:lumMod val="103000"/>
+              </a:schemeClr>
+            </a:gs>
+            <a:gs pos="100000">
+              <a:schemeClr val="phClr">
+                <a:shade val="63000"/>
+                <a:satMod val="120000"/>
+              </a:schemeClr>
+            </a:gs>
+          </a:gsLst>
+          <a:lin ang="5400000" scaled="0"/>
+        </a:gradFill>
+      </a:bgFillStyleLst>
+    </a:fmtScheme>
+  </a:themeElements>
+  <a:objectDefaults/>
+  <a:extraClrSchemeLst/>
+  <a:extLst>
+    <a:ext uri="{05A4C25C-085E-4340-85A3-A5531E510DB2}">
+      <thm15:themeFamily xmlns:thm15="http://schemas.microsoft.com/office/thememl/2012/main" name="Office Theme" id="{62F939B6-93AF-4DB8-9C6B-D6C7DFDC589F}" vid="{4A3C46E8-61CC-4603-A589-7422A47A8E4A}"/>
     </a:ext>
   </a:extLst>
 </a:theme>
